--- a/P7_Anantharajah_Anojan/P7_04_Présentation.pptx
+++ b/P7_Anantharajah_Anojan/P7_04_Présentation.pptx
@@ -5,10 +5,10 @@
     <p:sldMasterId id="2147483648" r:id="rId1"/>
   </p:sldMasterIdLst>
   <p:notesMasterIdLst>
-    <p:notesMasterId r:id="rId39"/>
+    <p:notesMasterId r:id="rId37"/>
   </p:notesMasterIdLst>
   <p:handoutMasterIdLst>
-    <p:handoutMasterId r:id="rId40"/>
+    <p:handoutMasterId r:id="rId38"/>
   </p:handoutMasterIdLst>
   <p:sldIdLst>
     <p:sldId id="257" r:id="rId2"/>
@@ -40,14 +40,12 @@
     <p:sldId id="382" r:id="rId28"/>
     <p:sldId id="404" r:id="rId29"/>
     <p:sldId id="399" r:id="rId30"/>
-    <p:sldId id="407" r:id="rId31"/>
-    <p:sldId id="405" r:id="rId32"/>
-    <p:sldId id="400" r:id="rId33"/>
-    <p:sldId id="380" r:id="rId34"/>
-    <p:sldId id="406" r:id="rId35"/>
-    <p:sldId id="325" r:id="rId36"/>
-    <p:sldId id="347" r:id="rId37"/>
-    <p:sldId id="306" r:id="rId38"/>
+    <p:sldId id="405" r:id="rId31"/>
+    <p:sldId id="400" r:id="rId32"/>
+    <p:sldId id="325" r:id="rId33"/>
+    <p:sldId id="347" r:id="rId34"/>
+    <p:sldId id="380" r:id="rId35"/>
+    <p:sldId id="306" r:id="rId36"/>
   </p:sldIdLst>
   <p:sldSz cx="12192000" cy="6858000"/>
   <p:notesSz cx="6858000" cy="9144000"/>
@@ -248,7 +246,7 @@
           <a:p>
             <a:fld id="{4BD1A604-A5B8-40D7-B78A-0F36EEA423DD}" type="datetimeFigureOut">
               <a:rPr lang="fr-FR" smtClean="0"/>
-              <a:t>23/09/2021</a:t>
+              <a:t>26/09/2021</a:t>
             </a:fld>
             <a:endParaRPr lang="fr-FR"/>
           </a:p>
@@ -426,7 +424,7 @@
           <a:p>
             <a:fld id="{E61E8EA8-95D5-4750-A75C-B4E50D5E3C1F}" type="datetimeFigureOut">
               <a:rPr lang="fr-FR" smtClean="0"/>
-              <a:t>23/09/2021</a:t>
+              <a:t>26/09/2021</a:t>
             </a:fld>
             <a:endParaRPr lang="fr-FR"/>
           </a:p>
@@ -2467,7 +2465,7 @@
           <p:cNvPr id="5" name="Espace réservé de l'en-tête 4">
             <a:extLst>
               <a:ext uri="{FF2B5EF4-FFF2-40B4-BE49-F238E27FC236}">
-                <a16:creationId xmlns:a16="http://schemas.microsoft.com/office/drawing/2014/main" id="{A14A1A8C-4A83-40DC-82AE-EF03F56DC2AE}"/>
+                <a16:creationId xmlns:a16="http://schemas.microsoft.com/office/drawing/2014/main" id="{094BC263-AB2A-44E7-945B-B9D23405382B}"/>
               </a:ext>
             </a:extLst>
           </p:cNvPr>
@@ -2490,7 +2488,7 @@
     </p:spTree>
     <p:extLst>
       <p:ext uri="{BB962C8B-B14F-4D97-AF65-F5344CB8AC3E}">
-        <p14:creationId xmlns:p14="http://schemas.microsoft.com/office/powerpoint/2010/main" val="4171421292"/>
+        <p14:creationId xmlns:p14="http://schemas.microsoft.com/office/powerpoint/2010/main" val="3413387058"/>
       </p:ext>
     </p:extLst>
   </p:cSld>
@@ -2553,7 +2551,7 @@
           <p:cNvPr id="5" name="Espace réservé de l'en-tête 4">
             <a:extLst>
               <a:ext uri="{FF2B5EF4-FFF2-40B4-BE49-F238E27FC236}">
-                <a16:creationId xmlns:a16="http://schemas.microsoft.com/office/drawing/2014/main" id="{094BC263-AB2A-44E7-945B-B9D23405382B}"/>
+                <a16:creationId xmlns:a16="http://schemas.microsoft.com/office/drawing/2014/main" id="{A14A1A8C-4A83-40DC-82AE-EF03F56DC2AE}"/>
               </a:ext>
             </a:extLst>
           </p:cNvPr>
@@ -2576,7 +2574,7 @@
     </p:spTree>
     <p:extLst>
       <p:ext uri="{BB962C8B-B14F-4D97-AF65-F5344CB8AC3E}">
-        <p14:creationId xmlns:p14="http://schemas.microsoft.com/office/powerpoint/2010/main" val="3413387058"/>
+        <p14:creationId xmlns:p14="http://schemas.microsoft.com/office/powerpoint/2010/main" val="2438282908"/>
       </p:ext>
     </p:extLst>
   </p:cSld>
@@ -2725,7 +2723,7 @@
           <p:cNvPr id="5" name="Espace réservé de l'en-tête 4">
             <a:extLst>
               <a:ext uri="{FF2B5EF4-FFF2-40B4-BE49-F238E27FC236}">
-                <a16:creationId xmlns:a16="http://schemas.microsoft.com/office/drawing/2014/main" id="{A14A1A8C-4A83-40DC-82AE-EF03F56DC2AE}"/>
+                <a16:creationId xmlns:a16="http://schemas.microsoft.com/office/drawing/2014/main" id="{59FCB84B-98C4-4DAD-8675-2AB9BB1BC387}"/>
               </a:ext>
             </a:extLst>
           </p:cNvPr>
@@ -2748,7 +2746,7 @@
     </p:spTree>
     <p:extLst>
       <p:ext uri="{BB962C8B-B14F-4D97-AF65-F5344CB8AC3E}">
-        <p14:creationId xmlns:p14="http://schemas.microsoft.com/office/powerpoint/2010/main" val="2438282908"/>
+        <p14:creationId xmlns:p14="http://schemas.microsoft.com/office/powerpoint/2010/main" val="2674019496"/>
       </p:ext>
     </p:extLst>
   </p:cSld>
@@ -2808,13 +2806,7 @@
       </p:sp>
       <p:sp>
         <p:nvSpPr>
-          <p:cNvPr id="5" name="Espace réservé de l'en-tête 4">
-            <a:extLst>
-              <a:ext uri="{FF2B5EF4-FFF2-40B4-BE49-F238E27FC236}">
-                <a16:creationId xmlns:a16="http://schemas.microsoft.com/office/drawing/2014/main" id="{094BC263-AB2A-44E7-945B-B9D23405382B}"/>
-              </a:ext>
-            </a:extLst>
-          </p:cNvPr>
+          <p:cNvPr id="4" name="Espace réservé de l'en-tête 3"/>
           <p:cNvSpPr>
             <a:spLocks noGrp="1"/>
           </p:cNvSpPr>
@@ -2834,7 +2826,7 @@
     </p:spTree>
     <p:extLst>
       <p:ext uri="{BB962C8B-B14F-4D97-AF65-F5344CB8AC3E}">
-        <p14:creationId xmlns:p14="http://schemas.microsoft.com/office/powerpoint/2010/main" val="1687357188"/>
+        <p14:creationId xmlns:p14="http://schemas.microsoft.com/office/powerpoint/2010/main" val="3187950356"/>
       </p:ext>
     </p:extLst>
   </p:cSld>
@@ -2897,7 +2889,7 @@
           <p:cNvPr id="5" name="Espace réservé de l'en-tête 4">
             <a:extLst>
               <a:ext uri="{FF2B5EF4-FFF2-40B4-BE49-F238E27FC236}">
-                <a16:creationId xmlns:a16="http://schemas.microsoft.com/office/drawing/2014/main" id="{A14A1A8C-4A83-40DC-82AE-EF03F56DC2AE}"/>
+                <a16:creationId xmlns:a16="http://schemas.microsoft.com/office/drawing/2014/main" id="{094BC263-AB2A-44E7-945B-B9D23405382B}"/>
               </a:ext>
             </a:extLst>
           </p:cNvPr>
@@ -2920,7 +2912,7 @@
     </p:spTree>
     <p:extLst>
       <p:ext uri="{BB962C8B-B14F-4D97-AF65-F5344CB8AC3E}">
-        <p14:creationId xmlns:p14="http://schemas.microsoft.com/office/powerpoint/2010/main" val="420307358"/>
+        <p14:creationId xmlns:p14="http://schemas.microsoft.com/office/powerpoint/2010/main" val="1687357188"/>
       </p:ext>
     </p:extLst>
   </p:cSld>
@@ -2931,172 +2923,6 @@
 </file>
 
 <file path=ppt/notesSlides/notesSlide33.xml><?xml version="1.0" encoding="utf-8"?>
-<p:notes xmlns:a="http://schemas.openxmlformats.org/drawingml/2006/main" xmlns:r="http://schemas.openxmlformats.org/officeDocument/2006/relationships" xmlns:p="http://schemas.openxmlformats.org/presentationml/2006/main">
-  <p:cSld>
-    <p:spTree>
-      <p:nvGrpSpPr>
-        <p:cNvPr id="1" name=""/>
-        <p:cNvGrpSpPr/>
-        <p:nvPr/>
-      </p:nvGrpSpPr>
-      <p:grpSpPr>
-        <a:xfrm>
-          <a:off x="0" y="0"/>
-          <a:ext cx="0" cy="0"/>
-          <a:chOff x="0" y="0"/>
-          <a:chExt cx="0" cy="0"/>
-        </a:xfrm>
-      </p:grpSpPr>
-      <p:sp>
-        <p:nvSpPr>
-          <p:cNvPr id="2" name="Espace réservé de l'image des diapositives 1"/>
-          <p:cNvSpPr>
-            <a:spLocks noGrp="1" noRot="1" noChangeAspect="1"/>
-          </p:cNvSpPr>
-          <p:nvPr>
-            <p:ph type="sldImg"/>
-          </p:nvPr>
-        </p:nvSpPr>
-        <p:spPr/>
-      </p:sp>
-      <p:sp>
-        <p:nvSpPr>
-          <p:cNvPr id="3" name="Espace réservé des notes 2"/>
-          <p:cNvSpPr>
-            <a:spLocks noGrp="1"/>
-          </p:cNvSpPr>
-          <p:nvPr>
-            <p:ph type="body" idx="1"/>
-          </p:nvPr>
-        </p:nvSpPr>
-        <p:spPr/>
-        <p:txBody>
-          <a:bodyPr/>
-          <a:lstStyle/>
-          <a:p>
-            <a:endParaRPr lang="fr-FR" dirty="0"/>
-          </a:p>
-        </p:txBody>
-      </p:sp>
-      <p:sp>
-        <p:nvSpPr>
-          <p:cNvPr id="5" name="Espace réservé de l'en-tête 4">
-            <a:extLst>
-              <a:ext uri="{FF2B5EF4-FFF2-40B4-BE49-F238E27FC236}">
-                <a16:creationId xmlns:a16="http://schemas.microsoft.com/office/drawing/2014/main" id="{59FCB84B-98C4-4DAD-8675-2AB9BB1BC387}"/>
-              </a:ext>
-            </a:extLst>
-          </p:cNvPr>
-          <p:cNvSpPr>
-            <a:spLocks noGrp="1"/>
-          </p:cNvSpPr>
-          <p:nvPr>
-            <p:ph type="hdr" sz="quarter"/>
-          </p:nvPr>
-        </p:nvSpPr>
-        <p:spPr/>
-        <p:txBody>
-          <a:bodyPr/>
-          <a:lstStyle/>
-          <a:p>
-            <a:endParaRPr lang="fr-FR"/>
-          </a:p>
-        </p:txBody>
-      </p:sp>
-    </p:spTree>
-    <p:extLst>
-      <p:ext uri="{BB962C8B-B14F-4D97-AF65-F5344CB8AC3E}">
-        <p14:creationId xmlns:p14="http://schemas.microsoft.com/office/powerpoint/2010/main" val="2674019496"/>
-      </p:ext>
-    </p:extLst>
-  </p:cSld>
-  <p:clrMapOvr>
-    <a:masterClrMapping/>
-  </p:clrMapOvr>
-</p:notes>
-</file>
-
-<file path=ppt/notesSlides/notesSlide34.xml><?xml version="1.0" encoding="utf-8"?>
-<p:notes xmlns:a="http://schemas.openxmlformats.org/drawingml/2006/main" xmlns:r="http://schemas.openxmlformats.org/officeDocument/2006/relationships" xmlns:p="http://schemas.openxmlformats.org/presentationml/2006/main">
-  <p:cSld>
-    <p:spTree>
-      <p:nvGrpSpPr>
-        <p:cNvPr id="1" name=""/>
-        <p:cNvGrpSpPr/>
-        <p:nvPr/>
-      </p:nvGrpSpPr>
-      <p:grpSpPr>
-        <a:xfrm>
-          <a:off x="0" y="0"/>
-          <a:ext cx="0" cy="0"/>
-          <a:chOff x="0" y="0"/>
-          <a:chExt cx="0" cy="0"/>
-        </a:xfrm>
-      </p:grpSpPr>
-      <p:sp>
-        <p:nvSpPr>
-          <p:cNvPr id="2" name="Espace réservé de l'image des diapositives 1"/>
-          <p:cNvSpPr>
-            <a:spLocks noGrp="1" noRot="1" noChangeAspect="1"/>
-          </p:cNvSpPr>
-          <p:nvPr>
-            <p:ph type="sldImg"/>
-          </p:nvPr>
-        </p:nvSpPr>
-        <p:spPr/>
-      </p:sp>
-      <p:sp>
-        <p:nvSpPr>
-          <p:cNvPr id="3" name="Espace réservé des notes 2"/>
-          <p:cNvSpPr>
-            <a:spLocks noGrp="1"/>
-          </p:cNvSpPr>
-          <p:nvPr>
-            <p:ph type="body" idx="1"/>
-          </p:nvPr>
-        </p:nvSpPr>
-        <p:spPr/>
-        <p:txBody>
-          <a:bodyPr/>
-          <a:lstStyle/>
-          <a:p>
-            <a:endParaRPr lang="fr-FR" dirty="0"/>
-          </a:p>
-        </p:txBody>
-      </p:sp>
-      <p:sp>
-        <p:nvSpPr>
-          <p:cNvPr id="4" name="Espace réservé de l'en-tête 3"/>
-          <p:cNvSpPr>
-            <a:spLocks noGrp="1"/>
-          </p:cNvSpPr>
-          <p:nvPr>
-            <p:ph type="hdr" sz="quarter"/>
-          </p:nvPr>
-        </p:nvSpPr>
-        <p:spPr/>
-        <p:txBody>
-          <a:bodyPr/>
-          <a:lstStyle/>
-          <a:p>
-            <a:endParaRPr lang="fr-FR"/>
-          </a:p>
-        </p:txBody>
-      </p:sp>
-    </p:spTree>
-    <p:extLst>
-      <p:ext uri="{BB962C8B-B14F-4D97-AF65-F5344CB8AC3E}">
-        <p14:creationId xmlns:p14="http://schemas.microsoft.com/office/powerpoint/2010/main" val="3187950356"/>
-      </p:ext>
-    </p:extLst>
-  </p:cSld>
-  <p:clrMapOvr>
-    <a:masterClrMapping/>
-  </p:clrMapOvr>
-</p:notes>
-</file>
-
-<file path=ppt/notesSlides/notesSlide35.xml><?xml version="1.0" encoding="utf-8"?>
 <p:notes xmlns:a="http://schemas.openxmlformats.org/drawingml/2006/main" xmlns:r="http://schemas.openxmlformats.org/officeDocument/2006/relationships" xmlns:p="http://schemas.openxmlformats.org/presentationml/2006/main">
   <p:cSld>
     <p:spTree>
@@ -3845,7 +3671,7 @@
           <a:p>
             <a:fld id="{A99428E0-8BB2-4E4C-9C4C-A6B9C456A6CA}" type="datetime1">
               <a:rPr lang="fr-FR" smtClean="0"/>
-              <a:t>23/09/2021</a:t>
+              <a:t>26/09/2021</a:t>
             </a:fld>
             <a:endParaRPr lang="fr-FR"/>
           </a:p>
@@ -4043,7 +3869,7 @@
           <a:p>
             <a:fld id="{65D98FB4-0CAF-4260-AD4A-D64333A91C53}" type="datetime1">
               <a:rPr lang="fr-FR" smtClean="0"/>
-              <a:t>23/09/2021</a:t>
+              <a:t>26/09/2021</a:t>
             </a:fld>
             <a:endParaRPr lang="fr-FR"/>
           </a:p>
@@ -4251,7 +4077,7 @@
           <a:p>
             <a:fld id="{05E394F7-8C1C-4BFE-A373-F50D9FCD2B9C}" type="datetime1">
               <a:rPr lang="fr-FR" smtClean="0"/>
-              <a:t>23/09/2021</a:t>
+              <a:t>26/09/2021</a:t>
             </a:fld>
             <a:endParaRPr lang="fr-FR"/>
           </a:p>
@@ -4449,7 +4275,7 @@
           <a:p>
             <a:fld id="{AE4CFC66-B8F1-489F-B186-A7890ECF844F}" type="datetime1">
               <a:rPr lang="fr-FR" smtClean="0"/>
-              <a:t>23/09/2021</a:t>
+              <a:t>26/09/2021</a:t>
             </a:fld>
             <a:endParaRPr lang="fr-FR"/>
           </a:p>
@@ -4724,7 +4550,7 @@
           <a:p>
             <a:fld id="{CE62BF3D-4CA8-4D45-889B-29550387A5D7}" type="datetime1">
               <a:rPr lang="fr-FR" smtClean="0"/>
-              <a:t>23/09/2021</a:t>
+              <a:t>26/09/2021</a:t>
             </a:fld>
             <a:endParaRPr lang="fr-FR"/>
           </a:p>
@@ -4989,7 +4815,7 @@
           <a:p>
             <a:fld id="{FF20E0A6-BBB3-41A2-988E-3A7ADF872A0F}" type="datetime1">
               <a:rPr lang="fr-FR" smtClean="0"/>
-              <a:t>23/09/2021</a:t>
+              <a:t>26/09/2021</a:t>
             </a:fld>
             <a:endParaRPr lang="fr-FR"/>
           </a:p>
@@ -5401,7 +5227,7 @@
           <a:p>
             <a:fld id="{EE8A0FA5-7C92-4E7C-86FE-8AB6319511E6}" type="datetime1">
               <a:rPr lang="fr-FR" smtClean="0"/>
-              <a:t>23/09/2021</a:t>
+              <a:t>26/09/2021</a:t>
             </a:fld>
             <a:endParaRPr lang="fr-FR"/>
           </a:p>
@@ -5542,7 +5368,7 @@
           <a:p>
             <a:fld id="{F2688612-2E82-46CC-85BA-D8A7BCAEBC1E}" type="datetime1">
               <a:rPr lang="fr-FR" smtClean="0"/>
-              <a:t>23/09/2021</a:t>
+              <a:t>26/09/2021</a:t>
             </a:fld>
             <a:endParaRPr lang="fr-FR"/>
           </a:p>
@@ -5655,7 +5481,7 @@
           <a:p>
             <a:fld id="{4B8B6D98-4FC9-493C-9ADD-9551DB0581EB}" type="datetime1">
               <a:rPr lang="fr-FR" smtClean="0"/>
-              <a:t>23/09/2021</a:t>
+              <a:t>26/09/2021</a:t>
             </a:fld>
             <a:endParaRPr lang="fr-FR"/>
           </a:p>
@@ -5966,7 +5792,7 @@
           <a:p>
             <a:fld id="{FDB3B522-BA01-4019-8F39-3716CA135DA3}" type="datetime1">
               <a:rPr lang="fr-FR" smtClean="0"/>
-              <a:t>23/09/2021</a:t>
+              <a:t>26/09/2021</a:t>
             </a:fld>
             <a:endParaRPr lang="fr-FR"/>
           </a:p>
@@ -6254,7 +6080,7 @@
           <a:p>
             <a:fld id="{F2398C8B-BA48-4A42-B34C-44FD75506685}" type="datetime1">
               <a:rPr lang="fr-FR" smtClean="0"/>
-              <a:t>23/09/2021</a:t>
+              <a:t>26/09/2021</a:t>
             </a:fld>
             <a:endParaRPr lang="fr-FR"/>
           </a:p>
@@ -6495,7 +6321,7 @@
           <a:p>
             <a:fld id="{7F4EC76C-77B3-47AF-B53E-36C73065A431}" type="datetime1">
               <a:rPr lang="fr-FR" smtClean="0"/>
-              <a:t>23/09/2021</a:t>
+              <a:t>26/09/2021</a:t>
             </a:fld>
             <a:endParaRPr lang="fr-FR"/>
           </a:p>
@@ -11301,8 +11127,8 @@
         </p:nvSpPr>
         <p:spPr>
           <a:xfrm>
-            <a:off x="185792" y="1652399"/>
-            <a:ext cx="9620360" cy="1323439"/>
+            <a:off x="185791" y="1652399"/>
+            <a:ext cx="10447043" cy="1323439"/>
           </a:xfrm>
           <a:prstGeom prst="rect">
             <a:avLst/>
@@ -11352,6 +11178,14 @@
             <a:r>
               <a:rPr lang="fr-FR" sz="1600" b="1" dirty="0" err="1"/>
               <a:t>OverSampling</a:t>
+            </a:r>
+            <a:r>
+              <a:rPr lang="fr-FR" sz="1600" b="1" dirty="0"/>
+              <a:t> </a:t>
+            </a:r>
+            <a:r>
+              <a:rPr lang="fr-FR" sz="1600" dirty="0"/>
+              <a:t>(sur le jeu d’entrainement uniquement)</a:t>
             </a:r>
             <a:endParaRPr lang="fr-FR" sz="1600" b="1" dirty="0"/>
           </a:p>
@@ -11668,13 +11502,13 @@
         </p:nvSpPr>
         <p:spPr>
           <a:xfrm>
-            <a:off x="590389" y="1264831"/>
-            <a:ext cx="11418731" cy="4785018"/>
+            <a:off x="386634" y="1240231"/>
+            <a:ext cx="11418731" cy="5132191"/>
           </a:xfrm>
         </p:spPr>
         <p:txBody>
           <a:bodyPr>
-            <a:normAutofit fontScale="85000" lnSpcReduction="20000"/>
+            <a:normAutofit fontScale="70000" lnSpcReduction="20000"/>
           </a:bodyPr>
           <a:lstStyle/>
           <a:p>
@@ -11683,9 +11517,186 @@
               <a:buChar char="v"/>
             </a:pPr>
             <a:r>
-              <a:rPr lang="fr-FR" sz="2400" dirty="0"/>
+              <a:rPr lang="fr-FR" sz="2900" dirty="0"/>
               <a:t> Contexte &amp; Problématique</a:t>
             </a:r>
+          </a:p>
+          <a:p>
+            <a:pPr algn="just">
+              <a:buFont typeface="Wingdings" panose="05000000000000000000" pitchFamily="2" charset="2"/>
+              <a:buChar char="v"/>
+            </a:pPr>
+            <a:endParaRPr lang="fr-FR" sz="2900" dirty="0"/>
+          </a:p>
+          <a:p>
+            <a:pPr algn="just">
+              <a:buFont typeface="Wingdings" panose="05000000000000000000" pitchFamily="2" charset="2"/>
+              <a:buChar char="v"/>
+            </a:pPr>
+            <a:r>
+              <a:rPr lang="fr-FR" sz="2900" dirty="0"/>
+              <a:t> Préparation &amp; Analyse des données </a:t>
+            </a:r>
+          </a:p>
+          <a:p>
+            <a:pPr lvl="1" algn="just">
+              <a:buFont typeface="Wingdings" panose="05000000000000000000" pitchFamily="2" charset="2"/>
+              <a:buChar char="v"/>
+            </a:pPr>
+            <a:r>
+              <a:rPr lang="fr-FR" sz="2000" dirty="0"/>
+              <a:t>Découverte des jeux de données &amp; </a:t>
+            </a:r>
+            <a:r>
+              <a:rPr lang="fr-FR" sz="2000" dirty="0" err="1"/>
+              <a:t>Merging</a:t>
+            </a:r>
+            <a:endParaRPr lang="fr-FR" sz="2000" dirty="0"/>
+          </a:p>
+          <a:p>
+            <a:pPr lvl="1" algn="just">
+              <a:buFont typeface="Wingdings" panose="05000000000000000000" pitchFamily="2" charset="2"/>
+              <a:buChar char="v"/>
+            </a:pPr>
+            <a:r>
+              <a:rPr lang="fr-FR" sz="2000" dirty="0"/>
+              <a:t>Analyse exploratoire des données</a:t>
+            </a:r>
+          </a:p>
+          <a:p>
+            <a:pPr lvl="1" algn="just">
+              <a:buFont typeface="Wingdings" panose="05000000000000000000" pitchFamily="2" charset="2"/>
+              <a:buChar char="v"/>
+            </a:pPr>
+            <a:r>
+              <a:rPr lang="fr-FR" sz="2000" dirty="0" err="1"/>
+              <a:t>Feature</a:t>
+            </a:r>
+            <a:r>
+              <a:rPr lang="fr-FR" sz="2000" dirty="0"/>
+              <a:t> Engineering</a:t>
+            </a:r>
+          </a:p>
+          <a:p>
+            <a:pPr lvl="1" algn="just">
+              <a:buFont typeface="Wingdings" panose="05000000000000000000" pitchFamily="2" charset="2"/>
+              <a:buChar char="v"/>
+            </a:pPr>
+            <a:r>
+              <a:rPr lang="fr-FR" sz="2000" dirty="0"/>
+              <a:t>Remplissage NaN &amp; Labélisation</a:t>
+            </a:r>
+          </a:p>
+          <a:p>
+            <a:pPr lvl="1" algn="just">
+              <a:buFont typeface="Wingdings" panose="05000000000000000000" pitchFamily="2" charset="2"/>
+              <a:buChar char="v"/>
+            </a:pPr>
+            <a:endParaRPr lang="fr-FR" sz="2900" dirty="0"/>
+          </a:p>
+          <a:p>
+            <a:pPr algn="just">
+              <a:buFont typeface="Wingdings" panose="05000000000000000000" pitchFamily="2" charset="2"/>
+              <a:buChar char="v"/>
+            </a:pPr>
+            <a:r>
+              <a:rPr lang="fr-FR" sz="2900" dirty="0"/>
+              <a:t> Modélisations &amp; Implémentation du Score</a:t>
+            </a:r>
+          </a:p>
+          <a:p>
+            <a:pPr lvl="1" algn="just">
+              <a:buFont typeface="Wingdings" panose="05000000000000000000" pitchFamily="2" charset="2"/>
+              <a:buChar char="v"/>
+            </a:pPr>
+            <a:r>
+              <a:rPr lang="fr-FR" sz="2000" dirty="0"/>
+              <a:t>Contrôle sur la variable Target</a:t>
+            </a:r>
+          </a:p>
+          <a:p>
+            <a:pPr lvl="1" algn="just">
+              <a:buFont typeface="Wingdings" panose="05000000000000000000" pitchFamily="2" charset="2"/>
+              <a:buChar char="v"/>
+            </a:pPr>
+            <a:r>
+              <a:rPr lang="fr-FR" sz="2000" dirty="0"/>
+              <a:t>Mise en place du Score personnalisé</a:t>
+            </a:r>
+          </a:p>
+          <a:p>
+            <a:pPr lvl="1" algn="just">
+              <a:buFont typeface="Wingdings" panose="05000000000000000000" pitchFamily="2" charset="2"/>
+              <a:buChar char="v"/>
+            </a:pPr>
+            <a:r>
+              <a:rPr lang="fr-FR" sz="2000" dirty="0"/>
+              <a:t>Modélisations avant &amp; après Optimisation</a:t>
+            </a:r>
+          </a:p>
+          <a:p>
+            <a:pPr lvl="1" algn="just">
+              <a:buFont typeface="Wingdings" panose="05000000000000000000" pitchFamily="2" charset="2"/>
+              <a:buChar char="v"/>
+            </a:pPr>
+            <a:r>
+              <a:rPr lang="fr-FR" sz="2000" dirty="0"/>
+              <a:t>Interprétations du modèle optimal via </a:t>
+            </a:r>
+            <a:r>
+              <a:rPr lang="fr-FR" sz="2000" dirty="0" err="1"/>
+              <a:t>Shap</a:t>
+            </a:r>
+            <a:endParaRPr lang="fr-FR" sz="2000" dirty="0"/>
+          </a:p>
+          <a:p>
+            <a:pPr lvl="1" algn="just">
+              <a:buFont typeface="Wingdings" panose="05000000000000000000" pitchFamily="2" charset="2"/>
+              <a:buChar char="v"/>
+            </a:pPr>
+            <a:r>
+              <a:rPr lang="fr-FR" sz="2000" dirty="0"/>
+              <a:t>Calibrage par rapport à un seuil</a:t>
+            </a:r>
+          </a:p>
+          <a:p>
+            <a:pPr lvl="1" algn="just">
+              <a:buFont typeface="Wingdings" panose="05000000000000000000" pitchFamily="2" charset="2"/>
+              <a:buChar char="v"/>
+            </a:pPr>
+            <a:endParaRPr lang="fr-FR" sz="2900" dirty="0"/>
+          </a:p>
+          <a:p>
+            <a:pPr algn="just">
+              <a:buFont typeface="Wingdings" panose="05000000000000000000" pitchFamily="2" charset="2"/>
+              <a:buChar char="v"/>
+            </a:pPr>
+            <a:r>
+              <a:rPr lang="fr-FR" sz="2900" dirty="0"/>
+              <a:t> Critiques &amp; Conclusions</a:t>
+            </a:r>
+          </a:p>
+          <a:p>
+            <a:pPr algn="just">
+              <a:buFont typeface="Wingdings" panose="05000000000000000000" pitchFamily="2" charset="2"/>
+              <a:buChar char="v"/>
+            </a:pPr>
+            <a:endParaRPr lang="fr-FR" sz="2900" dirty="0"/>
+          </a:p>
+          <a:p>
+            <a:pPr algn="just">
+              <a:buFont typeface="Wingdings" panose="05000000000000000000" pitchFamily="2" charset="2"/>
+              <a:buChar char="v"/>
+            </a:pPr>
+            <a:r>
+              <a:rPr lang="fr-FR" sz="2900" dirty="0"/>
+              <a:t> Présentation du Dashboard via </a:t>
+            </a:r>
+            <a:r>
+              <a:rPr lang="fr-FR" sz="2900" dirty="0" err="1"/>
+              <a:t>Streamlit</a:t>
+            </a:r>
+            <a:endParaRPr lang="fr-FR" sz="2900" dirty="0"/>
           </a:p>
           <a:p>
             <a:pPr algn="just">
@@ -11693,175 +11704,6 @@
               <a:buChar char="v"/>
             </a:pPr>
             <a:endParaRPr lang="fr-FR" sz="2400" dirty="0"/>
-          </a:p>
-          <a:p>
-            <a:pPr algn="just">
-              <a:buFont typeface="Wingdings" panose="05000000000000000000" pitchFamily="2" charset="2"/>
-              <a:buChar char="v"/>
-            </a:pPr>
-            <a:r>
-              <a:rPr lang="fr-FR" sz="2400" dirty="0"/>
-              <a:t> Préparation &amp; Analyse des données </a:t>
-            </a:r>
-          </a:p>
-          <a:p>
-            <a:pPr lvl="1" algn="just">
-              <a:buFont typeface="Wingdings" panose="05000000000000000000" pitchFamily="2" charset="2"/>
-              <a:buChar char="v"/>
-            </a:pPr>
-            <a:r>
-              <a:rPr lang="fr-FR" sz="1600" dirty="0"/>
-              <a:t>Découverte des jeux de données &amp; </a:t>
-            </a:r>
-            <a:r>
-              <a:rPr lang="fr-FR" sz="1600" dirty="0" err="1"/>
-              <a:t>Merging</a:t>
-            </a:r>
-            <a:endParaRPr lang="fr-FR" sz="1600" dirty="0"/>
-          </a:p>
-          <a:p>
-            <a:pPr lvl="1" algn="just">
-              <a:buFont typeface="Wingdings" panose="05000000000000000000" pitchFamily="2" charset="2"/>
-              <a:buChar char="v"/>
-            </a:pPr>
-            <a:r>
-              <a:rPr lang="fr-FR" sz="1600" dirty="0"/>
-              <a:t>Analyse exploratoire des données</a:t>
-            </a:r>
-          </a:p>
-          <a:p>
-            <a:pPr lvl="1" algn="just">
-              <a:buFont typeface="Wingdings" panose="05000000000000000000" pitchFamily="2" charset="2"/>
-              <a:buChar char="v"/>
-            </a:pPr>
-            <a:r>
-              <a:rPr lang="fr-FR" sz="1600" dirty="0" err="1"/>
-              <a:t>Feature</a:t>
-            </a:r>
-            <a:r>
-              <a:rPr lang="fr-FR" sz="1600" dirty="0"/>
-              <a:t> Engineering</a:t>
-            </a:r>
-          </a:p>
-          <a:p>
-            <a:pPr lvl="1" algn="just">
-              <a:buFont typeface="Wingdings" panose="05000000000000000000" pitchFamily="2" charset="2"/>
-              <a:buChar char="v"/>
-            </a:pPr>
-            <a:r>
-              <a:rPr lang="fr-FR" sz="1600" dirty="0"/>
-              <a:t>Remplissage NaN &amp; Labélisation</a:t>
-            </a:r>
-          </a:p>
-          <a:p>
-            <a:pPr lvl="1" algn="just">
-              <a:buFont typeface="Wingdings" panose="05000000000000000000" pitchFamily="2" charset="2"/>
-              <a:buChar char="v"/>
-            </a:pPr>
-            <a:endParaRPr lang="fr-FR" sz="2400" dirty="0"/>
-          </a:p>
-          <a:p>
-            <a:pPr algn="just">
-              <a:buFont typeface="Wingdings" panose="05000000000000000000" pitchFamily="2" charset="2"/>
-              <a:buChar char="v"/>
-            </a:pPr>
-            <a:r>
-              <a:rPr lang="fr-FR" sz="2400" dirty="0"/>
-              <a:t> Modélisations &amp; Implémentation du Score</a:t>
-            </a:r>
-          </a:p>
-          <a:p>
-            <a:pPr lvl="1" algn="just">
-              <a:buFont typeface="Wingdings" panose="05000000000000000000" pitchFamily="2" charset="2"/>
-              <a:buChar char="v"/>
-            </a:pPr>
-            <a:r>
-              <a:rPr lang="fr-FR" sz="1600" dirty="0"/>
-              <a:t>Contrôle sur la variable Target</a:t>
-            </a:r>
-          </a:p>
-          <a:p>
-            <a:pPr lvl="1" algn="just">
-              <a:buFont typeface="Wingdings" panose="05000000000000000000" pitchFamily="2" charset="2"/>
-              <a:buChar char="v"/>
-            </a:pPr>
-            <a:r>
-              <a:rPr lang="fr-FR" sz="1600" dirty="0"/>
-              <a:t>Mise en place du Score personnalisé</a:t>
-            </a:r>
-          </a:p>
-          <a:p>
-            <a:pPr lvl="1" algn="just">
-              <a:buFont typeface="Wingdings" panose="05000000000000000000" pitchFamily="2" charset="2"/>
-              <a:buChar char="v"/>
-            </a:pPr>
-            <a:r>
-              <a:rPr lang="fr-FR" sz="1600" dirty="0"/>
-              <a:t>Modélisations avant &amp; après Optimisation</a:t>
-            </a:r>
-          </a:p>
-          <a:p>
-            <a:pPr lvl="1" algn="just">
-              <a:buFont typeface="Wingdings" panose="05000000000000000000" pitchFamily="2" charset="2"/>
-              <a:buChar char="v"/>
-            </a:pPr>
-            <a:r>
-              <a:rPr lang="fr-FR" sz="1600" dirty="0"/>
-              <a:t>Interprétations du modèle optimal via </a:t>
-            </a:r>
-            <a:r>
-              <a:rPr lang="fr-FR" sz="1600" dirty="0" err="1"/>
-              <a:t>Shap</a:t>
-            </a:r>
-            <a:endParaRPr lang="fr-FR" sz="1600" dirty="0"/>
-          </a:p>
-          <a:p>
-            <a:pPr lvl="1" algn="just">
-              <a:buFont typeface="Wingdings" panose="05000000000000000000" pitchFamily="2" charset="2"/>
-              <a:buChar char="v"/>
-            </a:pPr>
-            <a:r>
-              <a:rPr lang="fr-FR" sz="1600" dirty="0"/>
-              <a:t>Calibrage par rapport à un seuil</a:t>
-            </a:r>
-          </a:p>
-          <a:p>
-            <a:pPr lvl="1" algn="just">
-              <a:buFont typeface="Wingdings" panose="05000000000000000000" pitchFamily="2" charset="2"/>
-              <a:buChar char="v"/>
-            </a:pPr>
-            <a:endParaRPr lang="fr-FR" sz="1600" dirty="0"/>
-          </a:p>
-          <a:p>
-            <a:pPr algn="just">
-              <a:buFont typeface="Wingdings" panose="05000000000000000000" pitchFamily="2" charset="2"/>
-              <a:buChar char="v"/>
-            </a:pPr>
-            <a:r>
-              <a:rPr lang="fr-FR" sz="2400" dirty="0"/>
-              <a:t> Présentation du Dashboard via </a:t>
-            </a:r>
-            <a:r>
-              <a:rPr lang="fr-FR" sz="2400" dirty="0" err="1"/>
-              <a:t>Streamlit</a:t>
-            </a:r>
-            <a:endParaRPr lang="fr-FR" sz="2400" dirty="0"/>
-          </a:p>
-          <a:p>
-            <a:pPr marL="457200" lvl="1" indent="0" algn="just">
-              <a:buNone/>
-            </a:pPr>
-            <a:endParaRPr lang="fr-FR" sz="2400" dirty="0"/>
-          </a:p>
-          <a:p>
-            <a:pPr algn="just">
-              <a:buFont typeface="Wingdings" panose="05000000000000000000" pitchFamily="2" charset="2"/>
-              <a:buChar char="v"/>
-            </a:pPr>
-            <a:r>
-              <a:rPr lang="fr-FR" sz="2400" dirty="0"/>
-              <a:t> Critiques &amp; Conclusions</a:t>
-            </a:r>
           </a:p>
         </p:txBody>
       </p:sp>
@@ -13123,7 +12965,7 @@
                 <a:effectLst/>
                 <a:latin typeface="Helvetica Neue"/>
               </a:rPr>
-              <a:t>Perte de clients – Clients prédits négatif alors qu’ils sont positifs</a:t>
+              <a:t>Perte de clients – Clients prédits négatifs alors qu’ils sont positifs</a:t>
             </a:r>
           </a:p>
           <a:p>
@@ -13222,7 +13064,7 @@
         <p:spPr>
           <a:xfrm>
             <a:off x="3867738" y="6180455"/>
-            <a:ext cx="4456521" cy="369332"/>
+            <a:ext cx="4742862" cy="369332"/>
           </a:xfrm>
           <a:prstGeom prst="rect">
             <a:avLst/>
@@ -13244,7 +13086,7 @@
                 <a:effectLst/>
                 <a:latin typeface="Helvetica Neue"/>
               </a:rPr>
-              <a:t>Objectif =&gt; Minimiser </a:t>
+              <a:t>Objectif =&gt; Minimiser le </a:t>
             </a:r>
             <a:r>
               <a:rPr lang="fr-FR" sz="1800" b="1" i="0" dirty="0" err="1">
@@ -13972,15 +13814,7 @@
             </a:r>
             <a:r>
               <a:rPr lang="fr-FR" sz="1600" b="1" dirty="0"/>
-              <a:t> Forest </a:t>
-            </a:r>
-            <a:r>
-              <a:rPr lang="fr-FR" sz="1600" b="1" dirty="0" err="1"/>
-              <a:t>Classfier</a:t>
-            </a:r>
-            <a:r>
-              <a:rPr lang="fr-FR" sz="1600" b="1" dirty="0"/>
-              <a:t> / XGB Classifier</a:t>
+              <a:t> Forest Classifier / XGB Classifier</a:t>
             </a:r>
           </a:p>
         </p:txBody>
@@ -17795,7 +17629,7 @@
             </a:pPr>
             <a:r>
               <a:rPr lang="fr-FR" sz="1600" dirty="0"/>
-              <a:t>Les caractéristiques rouges conduisent notre prédiction à être 0 : client pas en défaut. </a:t>
+              <a:t>Les caractéristiques rouges conduisent notre prédiction à être 0 : client pas en défaut</a:t>
             </a:r>
             <a:br>
               <a:rPr lang="fr-FR" sz="1600" dirty="0"/>
@@ -17819,7 +17653,7 @@
             </a:pPr>
             <a:r>
               <a:rPr lang="fr-FR" sz="1600" dirty="0"/>
-              <a:t>Les caractéristiques bleues indiquent les caractéristiques réduisant la probabilité que le patient soit à 0</a:t>
+              <a:t>Les caractéristiques bleues indiquent les caractéristiques réduisant la probabilité que le client soit à 0</a:t>
             </a:r>
           </a:p>
         </p:txBody>
@@ -18043,10 +17877,10 @@
       </p:grpSpPr>
       <p:sp>
         <p:nvSpPr>
-          <p:cNvPr id="3" name="Espace réservé du contenu 2">
-            <a:extLst>
-              <a:ext uri="{FF2B5EF4-FFF2-40B4-BE49-F238E27FC236}">
-                <a16:creationId xmlns:a16="http://schemas.microsoft.com/office/drawing/2014/main" id="{62E2CB66-036F-45D2-B749-46A4CED0B4AA}"/>
+          <p:cNvPr id="2" name="Titre 1">
+            <a:extLst>
+              <a:ext uri="{FF2B5EF4-FFF2-40B4-BE49-F238E27FC236}">
+                <a16:creationId xmlns:a16="http://schemas.microsoft.com/office/drawing/2014/main" id="{C36B246E-533F-4CE7-BDD3-2290BC8E4C57}"/>
               </a:ext>
             </a:extLst>
           </p:cNvPr>
@@ -18054,507 +17888,51 @@
             <a:spLocks noGrp="1"/>
           </p:cNvSpPr>
           <p:nvPr>
-            <p:ph idx="1"/>
+            <p:ph type="ctrTitle"/>
           </p:nvPr>
         </p:nvSpPr>
         <p:spPr>
           <a:xfrm>
-            <a:off x="185791" y="1167752"/>
-            <a:ext cx="5387643" cy="484647"/>
+            <a:off x="2045616" y="3198510"/>
+            <a:ext cx="8100767" cy="460979"/>
           </a:xfrm>
         </p:spPr>
         <p:txBody>
           <a:bodyPr>
-            <a:normAutofit/>
+            <a:normAutofit fontScale="90000"/>
           </a:bodyPr>
           <a:lstStyle/>
           <a:p>
-            <a:pPr marL="0" indent="0" algn="just">
-              <a:buNone/>
-            </a:pPr>
-            <a:r>
-              <a:rPr lang="fr-FR" sz="2000" b="1" u="sng" dirty="0"/>
-              <a:t>Interprétations du modèle optimal via </a:t>
-            </a:r>
-            <a:r>
-              <a:rPr lang="fr-FR" sz="2000" b="1" u="sng" dirty="0" err="1"/>
-              <a:t>Shap</a:t>
-            </a:r>
-            <a:endParaRPr lang="fr-FR" sz="2000" b="1" u="sng" dirty="0"/>
-          </a:p>
-        </p:txBody>
-      </p:sp>
-      <p:sp>
-        <p:nvSpPr>
-          <p:cNvPr id="6" name="Espace réservé du contenu 2">
-            <a:extLst>
-              <a:ext uri="{FF2B5EF4-FFF2-40B4-BE49-F238E27FC236}">
-                <a16:creationId xmlns:a16="http://schemas.microsoft.com/office/drawing/2014/main" id="{58406FBD-E0AA-412F-9195-A0EA2AEF7446}"/>
-              </a:ext>
-            </a:extLst>
-          </p:cNvPr>
-          <p:cNvSpPr txBox="1">
-            <a:spLocks/>
-          </p:cNvSpPr>
+            <a:r>
+              <a:rPr lang="fr-FR" sz="3600" b="1" u="sng" dirty="0"/>
+              <a:t>Calibrage par rapport à un seuil</a:t>
+            </a:r>
+          </a:p>
+        </p:txBody>
+      </p:sp>
+      <p:sp>
+        <p:nvSpPr>
+          <p:cNvPr id="35" name="Rectangle 34">
+            <a:extLst>
+              <a:ext uri="{FF2B5EF4-FFF2-40B4-BE49-F238E27FC236}">
+                <a16:creationId xmlns:a16="http://schemas.microsoft.com/office/drawing/2014/main" id="{70D3EB9E-C3BD-47FE-9EEB-9EFC62D78892}"/>
+              </a:ext>
+            </a:extLst>
+          </p:cNvPr>
+          <p:cNvSpPr/>
           <p:nvPr/>
         </p:nvSpPr>
         <p:spPr>
           <a:xfrm>
-            <a:off x="3402178" y="308213"/>
-            <a:ext cx="5387643" cy="502314"/>
+            <a:off x="0" y="6397022"/>
+            <a:ext cx="12192000" cy="460978"/>
           </a:xfrm>
           <a:prstGeom prst="rect">
             <a:avLst/>
           </a:prstGeom>
-        </p:spPr>
-        <p:txBody>
-          <a:bodyPr vert="horz" lIns="91440" tIns="45720" rIns="91440" bIns="45720" rtlCol="0">
-            <a:normAutofit fontScale="77500" lnSpcReduction="20000"/>
-          </a:bodyPr>
-          <a:lstStyle>
-            <a:lvl1pPr marL="228600" indent="-228600" algn="l" defTabSz="914400" rtl="0" eaLnBrk="1" latinLnBrk="0" hangingPunct="1">
-              <a:lnSpc>
-                <a:spcPct val="90000"/>
-              </a:lnSpc>
-              <a:spcBef>
-                <a:spcPts val="1000"/>
-              </a:spcBef>
-              <a:buFont typeface="Arial" panose="020B0604020202020204" pitchFamily="34" charset="0"/>
-              <a:buChar char="•"/>
-              <a:defRPr sz="2800" kern="1200">
-                <a:solidFill>
-                  <a:schemeClr val="tx1"/>
-                </a:solidFill>
-                <a:latin typeface="+mn-lt"/>
-                <a:ea typeface="+mn-ea"/>
-                <a:cs typeface="+mn-cs"/>
-              </a:defRPr>
-            </a:lvl1pPr>
-            <a:lvl2pPr marL="685800" indent="-228600" algn="l" defTabSz="914400" rtl="0" eaLnBrk="1" latinLnBrk="0" hangingPunct="1">
-              <a:lnSpc>
-                <a:spcPct val="90000"/>
-              </a:lnSpc>
-              <a:spcBef>
-                <a:spcPts val="500"/>
-              </a:spcBef>
-              <a:buFont typeface="Arial" panose="020B0604020202020204" pitchFamily="34" charset="0"/>
-              <a:buChar char="•"/>
-              <a:defRPr sz="2400" kern="1200">
-                <a:solidFill>
-                  <a:schemeClr val="tx1"/>
-                </a:solidFill>
-                <a:latin typeface="+mn-lt"/>
-                <a:ea typeface="+mn-ea"/>
-                <a:cs typeface="+mn-cs"/>
-              </a:defRPr>
-            </a:lvl2pPr>
-            <a:lvl3pPr marL="1143000" indent="-228600" algn="l" defTabSz="914400" rtl="0" eaLnBrk="1" latinLnBrk="0" hangingPunct="1">
-              <a:lnSpc>
-                <a:spcPct val="90000"/>
-              </a:lnSpc>
-              <a:spcBef>
-                <a:spcPts val="500"/>
-              </a:spcBef>
-              <a:buFont typeface="Arial" panose="020B0604020202020204" pitchFamily="34" charset="0"/>
-              <a:buChar char="•"/>
-              <a:defRPr sz="2000" kern="1200">
-                <a:solidFill>
-                  <a:schemeClr val="tx1"/>
-                </a:solidFill>
-                <a:latin typeface="+mn-lt"/>
-                <a:ea typeface="+mn-ea"/>
-                <a:cs typeface="+mn-cs"/>
-              </a:defRPr>
-            </a:lvl3pPr>
-            <a:lvl4pPr marL="1600200" indent="-228600" algn="l" defTabSz="914400" rtl="0" eaLnBrk="1" latinLnBrk="0" hangingPunct="1">
-              <a:lnSpc>
-                <a:spcPct val="90000"/>
-              </a:lnSpc>
-              <a:spcBef>
-                <a:spcPts val="500"/>
-              </a:spcBef>
-              <a:buFont typeface="Arial" panose="020B0604020202020204" pitchFamily="34" charset="0"/>
-              <a:buChar char="•"/>
-              <a:defRPr sz="1800" kern="1200">
-                <a:solidFill>
-                  <a:schemeClr val="tx1"/>
-                </a:solidFill>
-                <a:latin typeface="+mn-lt"/>
-                <a:ea typeface="+mn-ea"/>
-                <a:cs typeface="+mn-cs"/>
-              </a:defRPr>
-            </a:lvl4pPr>
-            <a:lvl5pPr marL="2057400" indent="-228600" algn="l" defTabSz="914400" rtl="0" eaLnBrk="1" latinLnBrk="0" hangingPunct="1">
-              <a:lnSpc>
-                <a:spcPct val="90000"/>
-              </a:lnSpc>
-              <a:spcBef>
-                <a:spcPts val="500"/>
-              </a:spcBef>
-              <a:buFont typeface="Arial" panose="020B0604020202020204" pitchFamily="34" charset="0"/>
-              <a:buChar char="•"/>
-              <a:defRPr sz="1800" kern="1200">
-                <a:solidFill>
-                  <a:schemeClr val="tx1"/>
-                </a:solidFill>
-                <a:latin typeface="+mn-lt"/>
-                <a:ea typeface="+mn-ea"/>
-                <a:cs typeface="+mn-cs"/>
-              </a:defRPr>
-            </a:lvl5pPr>
-            <a:lvl6pPr marL="2514600" indent="-228600" algn="l" defTabSz="914400" rtl="0" eaLnBrk="1" latinLnBrk="0" hangingPunct="1">
-              <a:lnSpc>
-                <a:spcPct val="90000"/>
-              </a:lnSpc>
-              <a:spcBef>
-                <a:spcPts val="500"/>
-              </a:spcBef>
-              <a:buFont typeface="Arial" panose="020B0604020202020204" pitchFamily="34" charset="0"/>
-              <a:buChar char="•"/>
-              <a:defRPr sz="1800" kern="1200">
-                <a:solidFill>
-                  <a:schemeClr val="tx1"/>
-                </a:solidFill>
-                <a:latin typeface="+mn-lt"/>
-                <a:ea typeface="+mn-ea"/>
-                <a:cs typeface="+mn-cs"/>
-              </a:defRPr>
-            </a:lvl6pPr>
-            <a:lvl7pPr marL="2971800" indent="-228600" algn="l" defTabSz="914400" rtl="0" eaLnBrk="1" latinLnBrk="0" hangingPunct="1">
-              <a:lnSpc>
-                <a:spcPct val="90000"/>
-              </a:lnSpc>
-              <a:spcBef>
-                <a:spcPts val="500"/>
-              </a:spcBef>
-              <a:buFont typeface="Arial" panose="020B0604020202020204" pitchFamily="34" charset="0"/>
-              <a:buChar char="•"/>
-              <a:defRPr sz="1800" kern="1200">
-                <a:solidFill>
-                  <a:schemeClr val="tx1"/>
-                </a:solidFill>
-                <a:latin typeface="+mn-lt"/>
-                <a:ea typeface="+mn-ea"/>
-                <a:cs typeface="+mn-cs"/>
-              </a:defRPr>
-            </a:lvl7pPr>
-            <a:lvl8pPr marL="3429000" indent="-228600" algn="l" defTabSz="914400" rtl="0" eaLnBrk="1" latinLnBrk="0" hangingPunct="1">
-              <a:lnSpc>
-                <a:spcPct val="90000"/>
-              </a:lnSpc>
-              <a:spcBef>
-                <a:spcPts val="500"/>
-              </a:spcBef>
-              <a:buFont typeface="Arial" panose="020B0604020202020204" pitchFamily="34" charset="0"/>
-              <a:buChar char="•"/>
-              <a:defRPr sz="1800" kern="1200">
-                <a:solidFill>
-                  <a:schemeClr val="tx1"/>
-                </a:solidFill>
-                <a:latin typeface="+mn-lt"/>
-                <a:ea typeface="+mn-ea"/>
-                <a:cs typeface="+mn-cs"/>
-              </a:defRPr>
-            </a:lvl8pPr>
-            <a:lvl9pPr marL="3886200" indent="-228600" algn="l" defTabSz="914400" rtl="0" eaLnBrk="1" latinLnBrk="0" hangingPunct="1">
-              <a:lnSpc>
-                <a:spcPct val="90000"/>
-              </a:lnSpc>
-              <a:spcBef>
-                <a:spcPts val="500"/>
-              </a:spcBef>
-              <a:buFont typeface="Arial" panose="020B0604020202020204" pitchFamily="34" charset="0"/>
-              <a:buChar char="•"/>
-              <a:defRPr sz="1800" kern="1200">
-                <a:solidFill>
-                  <a:schemeClr val="tx1"/>
-                </a:solidFill>
-                <a:latin typeface="+mn-lt"/>
-                <a:ea typeface="+mn-ea"/>
-                <a:cs typeface="+mn-cs"/>
-              </a:defRPr>
-            </a:lvl9pPr>
-          </a:lstStyle>
-          <a:p>
-            <a:pPr marL="0" indent="0" algn="ctr">
-              <a:buNone/>
-            </a:pPr>
-            <a:r>
-              <a:rPr lang="fr-FR" sz="2800" b="1" u="sng" dirty="0"/>
-              <a:t>Modélisations &amp; Implémentation du Score</a:t>
-            </a:r>
-            <a:endParaRPr lang="fr-FR" sz="2100" b="1" u="sng" dirty="0"/>
-          </a:p>
-        </p:txBody>
-      </p:sp>
-      <p:pic>
-        <p:nvPicPr>
-          <p:cNvPr id="8" name="Image 7">
-            <a:extLst>
-              <a:ext uri="{FF2B5EF4-FFF2-40B4-BE49-F238E27FC236}">
-                <a16:creationId xmlns:a16="http://schemas.microsoft.com/office/drawing/2014/main" id="{9511FB9D-E82D-46C3-81DF-9351D1751D25}"/>
-              </a:ext>
-            </a:extLst>
-          </p:cNvPr>
-          <p:cNvPicPr/>
-          <p:nvPr/>
-        </p:nvPicPr>
-        <p:blipFill>
-          <a:blip r:embed="rId3" cstate="print">
-            <a:extLst>
-              <a:ext uri="{28A0092B-C50C-407E-A947-70E740481C1C}">
-                <a14:useLocalDpi xmlns:a14="http://schemas.microsoft.com/office/drawing/2010/main" val="0"/>
-              </a:ext>
-            </a:extLst>
-          </a:blip>
-          <a:stretch>
-            <a:fillRect/>
-          </a:stretch>
-        </p:blipFill>
-        <p:spPr>
-          <a:xfrm>
-            <a:off x="1" y="157255"/>
-            <a:ext cx="1180776" cy="533846"/>
-          </a:xfrm>
-          <a:prstGeom prst="rect">
-            <a:avLst/>
-          </a:prstGeom>
-        </p:spPr>
-      </p:pic>
-      <p:pic>
-        <p:nvPicPr>
-          <p:cNvPr id="9" name="Image 8">
-            <a:extLst>
-              <a:ext uri="{FF2B5EF4-FFF2-40B4-BE49-F238E27FC236}">
-                <a16:creationId xmlns:a16="http://schemas.microsoft.com/office/drawing/2014/main" id="{7792BEBB-26E5-4D7F-BAC8-527ADDCBA53E}"/>
-              </a:ext>
-            </a:extLst>
-          </p:cNvPr>
-          <p:cNvPicPr/>
-          <p:nvPr/>
-        </p:nvPicPr>
-        <p:blipFill>
-          <a:blip r:embed="rId4" cstate="print">
-            <a:extLst>
-              <a:ext uri="{28A0092B-C50C-407E-A947-70E740481C1C}">
-                <a14:useLocalDpi xmlns:a14="http://schemas.microsoft.com/office/drawing/2010/main" val="0"/>
-              </a:ext>
-            </a:extLst>
-          </a:blip>
-          <a:srcRect/>
-          <a:stretch>
-            <a:fillRect/>
-          </a:stretch>
-        </p:blipFill>
-        <p:spPr bwMode="auto">
-          <a:xfrm>
-            <a:off x="1281676" y="181854"/>
-            <a:ext cx="484647" cy="484647"/>
-          </a:xfrm>
-          <a:prstGeom prst="rect">
-            <a:avLst/>
-          </a:prstGeom>
-          <a:noFill/>
-          <a:ln>
-            <a:noFill/>
-          </a:ln>
-        </p:spPr>
-      </p:pic>
-      <p:sp>
-        <p:nvSpPr>
-          <p:cNvPr id="10" name="Espace réservé du numéro de diapositive 3">
-            <a:extLst>
-              <a:ext uri="{FF2B5EF4-FFF2-40B4-BE49-F238E27FC236}">
-                <a16:creationId xmlns:a16="http://schemas.microsoft.com/office/drawing/2014/main" id="{FAE6F624-3F65-4ADB-97C6-61CA2F5FC574}"/>
-              </a:ext>
-            </a:extLst>
-          </p:cNvPr>
-          <p:cNvSpPr>
-            <a:spLocks noGrp="1"/>
-          </p:cNvSpPr>
-          <p:nvPr>
-            <p:ph type="sldNum" sz="quarter" idx="12"/>
-          </p:nvPr>
-        </p:nvSpPr>
-        <p:spPr>
-          <a:xfrm>
-            <a:off x="8610600" y="6356350"/>
-            <a:ext cx="2743200" cy="365125"/>
-          </a:xfrm>
-        </p:spPr>
-        <p:txBody>
-          <a:bodyPr/>
-          <a:lstStyle/>
-          <a:p>
-            <a:fld id="{422BBE94-6443-42E4-8EFE-37A8E7FF6A57}" type="slidenum">
-              <a:rPr lang="fr-FR" smtClean="0"/>
-              <a:t>30</a:t>
-            </a:fld>
-            <a:endParaRPr lang="fr-FR" dirty="0"/>
-          </a:p>
-        </p:txBody>
-      </p:sp>
-      <p:pic>
-        <p:nvPicPr>
-          <p:cNvPr id="11266" name="Picture 2">
-            <a:extLst>
-              <a:ext uri="{FF2B5EF4-FFF2-40B4-BE49-F238E27FC236}">
-                <a16:creationId xmlns:a16="http://schemas.microsoft.com/office/drawing/2014/main" id="{877E58AC-55AC-4C32-B2DE-76D5BA55314A}"/>
-              </a:ext>
-            </a:extLst>
-          </p:cNvPr>
-          <p:cNvPicPr>
-            <a:picLocks noChangeAspect="1" noChangeArrowheads="1"/>
-          </p:cNvPicPr>
-          <p:nvPr/>
-        </p:nvPicPr>
-        <p:blipFill>
-          <a:blip r:embed="rId5">
-            <a:extLst>
-              <a:ext uri="{28A0092B-C50C-407E-A947-70E740481C1C}">
-                <a14:useLocalDpi xmlns:a14="http://schemas.microsoft.com/office/drawing/2010/main" val="0"/>
-              </a:ext>
-            </a:extLst>
-          </a:blip>
-          <a:srcRect/>
-          <a:stretch>
-            <a:fillRect/>
-          </a:stretch>
-        </p:blipFill>
-        <p:spPr bwMode="auto">
-          <a:xfrm>
-            <a:off x="185791" y="2887520"/>
-            <a:ext cx="2995426" cy="2287676"/>
-          </a:xfrm>
-          <a:prstGeom prst="rect">
-            <a:avLst/>
-          </a:prstGeom>
-          <a:noFill/>
-          <a:extLst>
-            <a:ext uri="{909E8E84-426E-40DD-AFC4-6F175D3DCCD1}">
-              <a14:hiddenFill xmlns:a14="http://schemas.microsoft.com/office/drawing/2010/main">
-                <a:solidFill>
-                  <a:srgbClr val="FFFFFF"/>
-                </a:solidFill>
-              </a14:hiddenFill>
-            </a:ext>
-          </a:extLst>
-        </p:spPr>
-      </p:pic>
-      <p:pic>
-        <p:nvPicPr>
-          <p:cNvPr id="11268" name="Picture 4">
-            <a:extLst>
-              <a:ext uri="{FF2B5EF4-FFF2-40B4-BE49-F238E27FC236}">
-                <a16:creationId xmlns:a16="http://schemas.microsoft.com/office/drawing/2014/main" id="{8328367B-18A9-477A-AA11-2736B86504ED}"/>
-              </a:ext>
-            </a:extLst>
-          </p:cNvPr>
-          <p:cNvPicPr>
-            <a:picLocks noChangeAspect="1" noChangeArrowheads="1"/>
-          </p:cNvPicPr>
-          <p:nvPr/>
-        </p:nvPicPr>
-        <p:blipFill>
-          <a:blip r:embed="rId6">
-            <a:extLst>
-              <a:ext uri="{28A0092B-C50C-407E-A947-70E740481C1C}">
-                <a14:useLocalDpi xmlns:a14="http://schemas.microsoft.com/office/drawing/2010/main" val="0"/>
-              </a:ext>
-            </a:extLst>
-          </a:blip>
-          <a:srcRect/>
-          <a:stretch>
-            <a:fillRect/>
-          </a:stretch>
-        </p:blipFill>
-        <p:spPr bwMode="auto">
-          <a:xfrm>
-            <a:off x="4159681" y="2887520"/>
-            <a:ext cx="2959681" cy="2287676"/>
-          </a:xfrm>
-          <a:prstGeom prst="rect">
-            <a:avLst/>
-          </a:prstGeom>
-          <a:noFill/>
-          <a:extLst>
-            <a:ext uri="{909E8E84-426E-40DD-AFC4-6F175D3DCCD1}">
-              <a14:hiddenFill xmlns:a14="http://schemas.microsoft.com/office/drawing/2010/main">
-                <a:solidFill>
-                  <a:srgbClr val="FFFFFF"/>
-                </a:solidFill>
-              </a14:hiddenFill>
-            </a:ext>
-          </a:extLst>
-        </p:spPr>
-      </p:pic>
-      <p:pic>
-        <p:nvPicPr>
-          <p:cNvPr id="11270" name="Picture 6">
-            <a:extLst>
-              <a:ext uri="{FF2B5EF4-FFF2-40B4-BE49-F238E27FC236}">
-                <a16:creationId xmlns:a16="http://schemas.microsoft.com/office/drawing/2014/main" id="{B86EBB66-5FEC-4A02-8E57-E78B37531566}"/>
-              </a:ext>
-            </a:extLst>
-          </p:cNvPr>
-          <p:cNvPicPr>
-            <a:picLocks noChangeAspect="1" noChangeArrowheads="1"/>
-          </p:cNvPicPr>
-          <p:nvPr/>
-        </p:nvPicPr>
-        <p:blipFill>
-          <a:blip r:embed="rId7">
-            <a:extLst>
-              <a:ext uri="{28A0092B-C50C-407E-A947-70E740481C1C}">
-                <a14:useLocalDpi xmlns:a14="http://schemas.microsoft.com/office/drawing/2010/main" val="0"/>
-              </a:ext>
-            </a:extLst>
-          </a:blip>
-          <a:srcRect/>
-          <a:stretch>
-            <a:fillRect/>
-          </a:stretch>
-        </p:blipFill>
-        <p:spPr bwMode="auto">
-          <a:xfrm>
-            <a:off x="8066868" y="2887520"/>
-            <a:ext cx="3503004" cy="2287676"/>
-          </a:xfrm>
-          <a:prstGeom prst="rect">
-            <a:avLst/>
-          </a:prstGeom>
-          <a:noFill/>
-          <a:extLst>
-            <a:ext uri="{909E8E84-426E-40DD-AFC4-6F175D3DCCD1}">
-              <a14:hiddenFill xmlns:a14="http://schemas.microsoft.com/office/drawing/2010/main">
-                <a:solidFill>
-                  <a:srgbClr val="FFFFFF"/>
-                </a:solidFill>
-              </a14:hiddenFill>
-            </a:ext>
-          </a:extLst>
-        </p:spPr>
-      </p:pic>
-      <p:sp>
-        <p:nvSpPr>
-          <p:cNvPr id="2" name="Signe Plus 1">
-            <a:extLst>
-              <a:ext uri="{FF2B5EF4-FFF2-40B4-BE49-F238E27FC236}">
-                <a16:creationId xmlns:a16="http://schemas.microsoft.com/office/drawing/2014/main" id="{BA940FA9-D6CA-401A-9D11-26501AE9AE15}"/>
-              </a:ext>
-            </a:extLst>
-          </p:cNvPr>
-          <p:cNvSpPr/>
-          <p:nvPr/>
-        </p:nvSpPr>
-        <p:spPr>
-          <a:xfrm>
-            <a:off x="3402178" y="3668426"/>
-            <a:ext cx="509047" cy="725864"/>
-          </a:xfrm>
-          <a:prstGeom prst="mathPlus">
-            <a:avLst/>
-          </a:prstGeom>
+          <a:solidFill>
+            <a:schemeClr val="accent1"/>
+          </a:solidFill>
         </p:spPr>
         <p:style>
           <a:lnRef idx="2">
@@ -18581,60 +17959,83 @@
           </a:p>
         </p:txBody>
       </p:sp>
-      <p:sp>
-        <p:nvSpPr>
-          <p:cNvPr id="4" name="Est égal à 3">
-            <a:extLst>
-              <a:ext uri="{FF2B5EF4-FFF2-40B4-BE49-F238E27FC236}">
-                <a16:creationId xmlns:a16="http://schemas.microsoft.com/office/drawing/2014/main" id="{396A4F3B-9ACB-4ED9-8E2E-C070BFF619C9}"/>
-              </a:ext>
-            </a:extLst>
-          </p:cNvPr>
-          <p:cNvSpPr/>
+      <p:pic>
+        <p:nvPicPr>
+          <p:cNvPr id="6" name="Image 5">
+            <a:extLst>
+              <a:ext uri="{FF2B5EF4-FFF2-40B4-BE49-F238E27FC236}">
+                <a16:creationId xmlns:a16="http://schemas.microsoft.com/office/drawing/2014/main" id="{3DB62B93-5B40-45FA-95F9-976944975F88}"/>
+              </a:ext>
+            </a:extLst>
+          </p:cNvPr>
+          <p:cNvPicPr/>
           <p:nvPr/>
-        </p:nvSpPr>
+        </p:nvPicPr>
+        <p:blipFill>
+          <a:blip r:embed="rId3" cstate="print">
+            <a:extLst>
+              <a:ext uri="{28A0092B-C50C-407E-A947-70E740481C1C}">
+                <a14:useLocalDpi xmlns:a14="http://schemas.microsoft.com/office/drawing/2010/main" val="0"/>
+              </a:ext>
+            </a:extLst>
+          </a:blip>
+          <a:stretch>
+            <a:fillRect/>
+          </a:stretch>
+        </p:blipFill>
         <p:spPr>
           <a:xfrm>
-            <a:off x="7372707" y="3848724"/>
-            <a:ext cx="509047" cy="365267"/>
-          </a:xfrm>
-          <a:prstGeom prst="mathEqual">
+            <a:off x="1" y="157255"/>
+            <a:ext cx="1180776" cy="533846"/>
+          </a:xfrm>
+          <a:prstGeom prst="rect">
             <a:avLst/>
           </a:prstGeom>
         </p:spPr>
-        <p:style>
-          <a:lnRef idx="2">
-            <a:schemeClr val="accent1">
-              <a:shade val="50000"/>
-            </a:schemeClr>
-          </a:lnRef>
-          <a:fillRef idx="1">
-            <a:schemeClr val="accent1"/>
-          </a:fillRef>
-          <a:effectRef idx="0">
-            <a:schemeClr val="accent1"/>
-          </a:effectRef>
-          <a:fontRef idx="minor">
-            <a:schemeClr val="lt1"/>
-          </a:fontRef>
-        </p:style>
-        <p:txBody>
-          <a:bodyPr rtlCol="0" anchor="ctr"/>
-          <a:lstStyle/>
-          <a:p>
-            <a:pPr algn="ctr"/>
-            <a:endParaRPr lang="fr-FR">
-              <a:solidFill>
-                <a:schemeClr val="tx1"/>
-              </a:solidFill>
-            </a:endParaRPr>
-          </a:p>
-        </p:txBody>
-      </p:sp>
+      </p:pic>
+      <p:pic>
+        <p:nvPicPr>
+          <p:cNvPr id="7" name="Image 6">
+            <a:extLst>
+              <a:ext uri="{FF2B5EF4-FFF2-40B4-BE49-F238E27FC236}">
+                <a16:creationId xmlns:a16="http://schemas.microsoft.com/office/drawing/2014/main" id="{E70203F0-6E03-4F43-8949-18E8A801206C}"/>
+              </a:ext>
+            </a:extLst>
+          </p:cNvPr>
+          <p:cNvPicPr/>
+          <p:nvPr/>
+        </p:nvPicPr>
+        <p:blipFill>
+          <a:blip r:embed="rId4" cstate="print">
+            <a:extLst>
+              <a:ext uri="{28A0092B-C50C-407E-A947-70E740481C1C}">
+                <a14:useLocalDpi xmlns:a14="http://schemas.microsoft.com/office/drawing/2010/main" val="0"/>
+              </a:ext>
+            </a:extLst>
+          </a:blip>
+          <a:srcRect/>
+          <a:stretch>
+            <a:fillRect/>
+          </a:stretch>
+        </p:blipFill>
+        <p:spPr bwMode="auto">
+          <a:xfrm>
+            <a:off x="1281676" y="181854"/>
+            <a:ext cx="484647" cy="484647"/>
+          </a:xfrm>
+          <a:prstGeom prst="rect">
+            <a:avLst/>
+          </a:prstGeom>
+          <a:noFill/>
+          <a:ln>
+            <a:noFill/>
+          </a:ln>
+        </p:spPr>
+      </p:pic>
     </p:spTree>
     <p:extLst>
       <p:ext uri="{BB962C8B-B14F-4D97-AF65-F5344CB8AC3E}">
-        <p14:creationId xmlns:p14="http://schemas.microsoft.com/office/powerpoint/2010/main" val="2991986829"/>
+        <p14:creationId xmlns:p14="http://schemas.microsoft.com/office/powerpoint/2010/main" val="247638284"/>
       </p:ext>
     </p:extLst>
   </p:cSld>
@@ -18663,10 +18064,10 @@
       </p:grpSpPr>
       <p:sp>
         <p:nvSpPr>
-          <p:cNvPr id="2" name="Titre 1">
-            <a:extLst>
-              <a:ext uri="{FF2B5EF4-FFF2-40B4-BE49-F238E27FC236}">
-                <a16:creationId xmlns:a16="http://schemas.microsoft.com/office/drawing/2014/main" id="{C36B246E-533F-4CE7-BDD3-2290BC8E4C57}"/>
+          <p:cNvPr id="3" name="Espace réservé du contenu 2">
+            <a:extLst>
+              <a:ext uri="{FF2B5EF4-FFF2-40B4-BE49-F238E27FC236}">
+                <a16:creationId xmlns:a16="http://schemas.microsoft.com/office/drawing/2014/main" id="{62E2CB66-036F-45D2-B749-46A4CED0B4AA}"/>
               </a:ext>
             </a:extLst>
           </p:cNvPr>
@@ -18674,23 +18075,26 @@
             <a:spLocks noGrp="1"/>
           </p:cNvSpPr>
           <p:nvPr>
-            <p:ph type="ctrTitle"/>
+            <p:ph idx="1"/>
           </p:nvPr>
         </p:nvSpPr>
         <p:spPr>
           <a:xfrm>
-            <a:off x="2045616" y="3198510"/>
-            <a:ext cx="8100767" cy="460979"/>
+            <a:off x="185791" y="1167752"/>
+            <a:ext cx="5387643" cy="484647"/>
           </a:xfrm>
         </p:spPr>
         <p:txBody>
           <a:bodyPr>
-            <a:normAutofit fontScale="90000"/>
+            <a:normAutofit/>
           </a:bodyPr>
           <a:lstStyle/>
           <a:p>
-            <a:r>
-              <a:rPr lang="fr-FR" sz="3600" b="1" u="sng" dirty="0"/>
+            <a:pPr marL="0" indent="0" algn="just">
+              <a:buNone/>
+            </a:pPr>
+            <a:r>
+              <a:rPr lang="fr-FR" sz="2000" b="1" u="sng" dirty="0"/>
               <a:t>Calibrage par rapport à un seuil</a:t>
             </a:r>
           </a:p>
@@ -18698,59 +18102,213 @@
       </p:sp>
       <p:sp>
         <p:nvSpPr>
-          <p:cNvPr id="35" name="Rectangle 34">
-            <a:extLst>
-              <a:ext uri="{FF2B5EF4-FFF2-40B4-BE49-F238E27FC236}">
-                <a16:creationId xmlns:a16="http://schemas.microsoft.com/office/drawing/2014/main" id="{70D3EB9E-C3BD-47FE-9EEB-9EFC62D78892}"/>
-              </a:ext>
-            </a:extLst>
-          </p:cNvPr>
-          <p:cNvSpPr/>
+          <p:cNvPr id="6" name="Espace réservé du contenu 2">
+            <a:extLst>
+              <a:ext uri="{FF2B5EF4-FFF2-40B4-BE49-F238E27FC236}">
+                <a16:creationId xmlns:a16="http://schemas.microsoft.com/office/drawing/2014/main" id="{58406FBD-E0AA-412F-9195-A0EA2AEF7446}"/>
+              </a:ext>
+            </a:extLst>
+          </p:cNvPr>
+          <p:cNvSpPr txBox="1">
+            <a:spLocks/>
+          </p:cNvSpPr>
           <p:nvPr/>
         </p:nvSpPr>
         <p:spPr>
           <a:xfrm>
-            <a:off x="0" y="6397022"/>
-            <a:ext cx="12192000" cy="460978"/>
+            <a:off x="3402178" y="308213"/>
+            <a:ext cx="5387643" cy="502314"/>
           </a:xfrm>
           <a:prstGeom prst="rect">
             <a:avLst/>
           </a:prstGeom>
-          <a:solidFill>
-            <a:schemeClr val="accent1"/>
-          </a:solidFill>
-        </p:spPr>
-        <p:style>
-          <a:lnRef idx="2">
-            <a:schemeClr val="accent1">
-              <a:shade val="50000"/>
-            </a:schemeClr>
-          </a:lnRef>
-          <a:fillRef idx="1">
-            <a:schemeClr val="accent1"/>
-          </a:fillRef>
-          <a:effectRef idx="0">
-            <a:schemeClr val="accent1"/>
-          </a:effectRef>
-          <a:fontRef idx="minor">
-            <a:schemeClr val="lt1"/>
-          </a:fontRef>
-        </p:style>
-        <p:txBody>
-          <a:bodyPr rtlCol="0" anchor="ctr"/>
-          <a:lstStyle/>
-          <a:p>
-            <a:pPr algn="ctr"/>
-            <a:endParaRPr lang="fr-FR"/>
+        </p:spPr>
+        <p:txBody>
+          <a:bodyPr vert="horz" lIns="91440" tIns="45720" rIns="91440" bIns="45720" rtlCol="0">
+            <a:normAutofit fontScale="77500" lnSpcReduction="20000"/>
+          </a:bodyPr>
+          <a:lstStyle>
+            <a:lvl1pPr marL="228600" indent="-228600" algn="l" defTabSz="914400" rtl="0" eaLnBrk="1" latinLnBrk="0" hangingPunct="1">
+              <a:lnSpc>
+                <a:spcPct val="90000"/>
+              </a:lnSpc>
+              <a:spcBef>
+                <a:spcPts val="1000"/>
+              </a:spcBef>
+              <a:buFont typeface="Arial" panose="020B0604020202020204" pitchFamily="34" charset="0"/>
+              <a:buChar char="•"/>
+              <a:defRPr sz="2800" kern="1200">
+                <a:solidFill>
+                  <a:schemeClr val="tx1"/>
+                </a:solidFill>
+                <a:latin typeface="+mn-lt"/>
+                <a:ea typeface="+mn-ea"/>
+                <a:cs typeface="+mn-cs"/>
+              </a:defRPr>
+            </a:lvl1pPr>
+            <a:lvl2pPr marL="685800" indent="-228600" algn="l" defTabSz="914400" rtl="0" eaLnBrk="1" latinLnBrk="0" hangingPunct="1">
+              <a:lnSpc>
+                <a:spcPct val="90000"/>
+              </a:lnSpc>
+              <a:spcBef>
+                <a:spcPts val="500"/>
+              </a:spcBef>
+              <a:buFont typeface="Arial" panose="020B0604020202020204" pitchFamily="34" charset="0"/>
+              <a:buChar char="•"/>
+              <a:defRPr sz="2400" kern="1200">
+                <a:solidFill>
+                  <a:schemeClr val="tx1"/>
+                </a:solidFill>
+                <a:latin typeface="+mn-lt"/>
+                <a:ea typeface="+mn-ea"/>
+                <a:cs typeface="+mn-cs"/>
+              </a:defRPr>
+            </a:lvl2pPr>
+            <a:lvl3pPr marL="1143000" indent="-228600" algn="l" defTabSz="914400" rtl="0" eaLnBrk="1" latinLnBrk="0" hangingPunct="1">
+              <a:lnSpc>
+                <a:spcPct val="90000"/>
+              </a:lnSpc>
+              <a:spcBef>
+                <a:spcPts val="500"/>
+              </a:spcBef>
+              <a:buFont typeface="Arial" panose="020B0604020202020204" pitchFamily="34" charset="0"/>
+              <a:buChar char="•"/>
+              <a:defRPr sz="2000" kern="1200">
+                <a:solidFill>
+                  <a:schemeClr val="tx1"/>
+                </a:solidFill>
+                <a:latin typeface="+mn-lt"/>
+                <a:ea typeface="+mn-ea"/>
+                <a:cs typeface="+mn-cs"/>
+              </a:defRPr>
+            </a:lvl3pPr>
+            <a:lvl4pPr marL="1600200" indent="-228600" algn="l" defTabSz="914400" rtl="0" eaLnBrk="1" latinLnBrk="0" hangingPunct="1">
+              <a:lnSpc>
+                <a:spcPct val="90000"/>
+              </a:lnSpc>
+              <a:spcBef>
+                <a:spcPts val="500"/>
+              </a:spcBef>
+              <a:buFont typeface="Arial" panose="020B0604020202020204" pitchFamily="34" charset="0"/>
+              <a:buChar char="•"/>
+              <a:defRPr sz="1800" kern="1200">
+                <a:solidFill>
+                  <a:schemeClr val="tx1"/>
+                </a:solidFill>
+                <a:latin typeface="+mn-lt"/>
+                <a:ea typeface="+mn-ea"/>
+                <a:cs typeface="+mn-cs"/>
+              </a:defRPr>
+            </a:lvl4pPr>
+            <a:lvl5pPr marL="2057400" indent="-228600" algn="l" defTabSz="914400" rtl="0" eaLnBrk="1" latinLnBrk="0" hangingPunct="1">
+              <a:lnSpc>
+                <a:spcPct val="90000"/>
+              </a:lnSpc>
+              <a:spcBef>
+                <a:spcPts val="500"/>
+              </a:spcBef>
+              <a:buFont typeface="Arial" panose="020B0604020202020204" pitchFamily="34" charset="0"/>
+              <a:buChar char="•"/>
+              <a:defRPr sz="1800" kern="1200">
+                <a:solidFill>
+                  <a:schemeClr val="tx1"/>
+                </a:solidFill>
+                <a:latin typeface="+mn-lt"/>
+                <a:ea typeface="+mn-ea"/>
+                <a:cs typeface="+mn-cs"/>
+              </a:defRPr>
+            </a:lvl5pPr>
+            <a:lvl6pPr marL="2514600" indent="-228600" algn="l" defTabSz="914400" rtl="0" eaLnBrk="1" latinLnBrk="0" hangingPunct="1">
+              <a:lnSpc>
+                <a:spcPct val="90000"/>
+              </a:lnSpc>
+              <a:spcBef>
+                <a:spcPts val="500"/>
+              </a:spcBef>
+              <a:buFont typeface="Arial" panose="020B0604020202020204" pitchFamily="34" charset="0"/>
+              <a:buChar char="•"/>
+              <a:defRPr sz="1800" kern="1200">
+                <a:solidFill>
+                  <a:schemeClr val="tx1"/>
+                </a:solidFill>
+                <a:latin typeface="+mn-lt"/>
+                <a:ea typeface="+mn-ea"/>
+                <a:cs typeface="+mn-cs"/>
+              </a:defRPr>
+            </a:lvl6pPr>
+            <a:lvl7pPr marL="2971800" indent="-228600" algn="l" defTabSz="914400" rtl="0" eaLnBrk="1" latinLnBrk="0" hangingPunct="1">
+              <a:lnSpc>
+                <a:spcPct val="90000"/>
+              </a:lnSpc>
+              <a:spcBef>
+                <a:spcPts val="500"/>
+              </a:spcBef>
+              <a:buFont typeface="Arial" panose="020B0604020202020204" pitchFamily="34" charset="0"/>
+              <a:buChar char="•"/>
+              <a:defRPr sz="1800" kern="1200">
+                <a:solidFill>
+                  <a:schemeClr val="tx1"/>
+                </a:solidFill>
+                <a:latin typeface="+mn-lt"/>
+                <a:ea typeface="+mn-ea"/>
+                <a:cs typeface="+mn-cs"/>
+              </a:defRPr>
+            </a:lvl7pPr>
+            <a:lvl8pPr marL="3429000" indent="-228600" algn="l" defTabSz="914400" rtl="0" eaLnBrk="1" latinLnBrk="0" hangingPunct="1">
+              <a:lnSpc>
+                <a:spcPct val="90000"/>
+              </a:lnSpc>
+              <a:spcBef>
+                <a:spcPts val="500"/>
+              </a:spcBef>
+              <a:buFont typeface="Arial" panose="020B0604020202020204" pitchFamily="34" charset="0"/>
+              <a:buChar char="•"/>
+              <a:defRPr sz="1800" kern="1200">
+                <a:solidFill>
+                  <a:schemeClr val="tx1"/>
+                </a:solidFill>
+                <a:latin typeface="+mn-lt"/>
+                <a:ea typeface="+mn-ea"/>
+                <a:cs typeface="+mn-cs"/>
+              </a:defRPr>
+            </a:lvl8pPr>
+            <a:lvl9pPr marL="3886200" indent="-228600" algn="l" defTabSz="914400" rtl="0" eaLnBrk="1" latinLnBrk="0" hangingPunct="1">
+              <a:lnSpc>
+                <a:spcPct val="90000"/>
+              </a:lnSpc>
+              <a:spcBef>
+                <a:spcPts val="500"/>
+              </a:spcBef>
+              <a:buFont typeface="Arial" panose="020B0604020202020204" pitchFamily="34" charset="0"/>
+              <a:buChar char="•"/>
+              <a:defRPr sz="1800" kern="1200">
+                <a:solidFill>
+                  <a:schemeClr val="tx1"/>
+                </a:solidFill>
+                <a:latin typeface="+mn-lt"/>
+                <a:ea typeface="+mn-ea"/>
+                <a:cs typeface="+mn-cs"/>
+              </a:defRPr>
+            </a:lvl9pPr>
+          </a:lstStyle>
+          <a:p>
+            <a:pPr marL="0" indent="0" algn="ctr">
+              <a:buNone/>
+            </a:pPr>
+            <a:r>
+              <a:rPr lang="fr-FR" sz="2800" b="1" u="sng" dirty="0"/>
+              <a:t>Modélisations &amp; Implémentation du Score</a:t>
+            </a:r>
+            <a:endParaRPr lang="fr-FR" sz="2100" b="1" u="sng" dirty="0"/>
           </a:p>
         </p:txBody>
       </p:sp>
       <p:pic>
         <p:nvPicPr>
-          <p:cNvPr id="6" name="Image 5">
-            <a:extLst>
-              <a:ext uri="{FF2B5EF4-FFF2-40B4-BE49-F238E27FC236}">
-                <a16:creationId xmlns:a16="http://schemas.microsoft.com/office/drawing/2014/main" id="{3DB62B93-5B40-45FA-95F9-976944975F88}"/>
+          <p:cNvPr id="8" name="Image 7">
+            <a:extLst>
+              <a:ext uri="{FF2B5EF4-FFF2-40B4-BE49-F238E27FC236}">
+                <a16:creationId xmlns:a16="http://schemas.microsoft.com/office/drawing/2014/main" id="{9511FB9D-E82D-46C3-81DF-9351D1751D25}"/>
               </a:ext>
             </a:extLst>
           </p:cNvPr>
@@ -18781,10 +18339,10 @@
       </p:pic>
       <p:pic>
         <p:nvPicPr>
-          <p:cNvPr id="7" name="Image 6">
-            <a:extLst>
-              <a:ext uri="{FF2B5EF4-FFF2-40B4-BE49-F238E27FC236}">
-                <a16:creationId xmlns:a16="http://schemas.microsoft.com/office/drawing/2014/main" id="{E70203F0-6E03-4F43-8949-18E8A801206C}"/>
+          <p:cNvPr id="9" name="Image 8">
+            <a:extLst>
+              <a:ext uri="{FF2B5EF4-FFF2-40B4-BE49-F238E27FC236}">
+                <a16:creationId xmlns:a16="http://schemas.microsoft.com/office/drawing/2014/main" id="{7792BEBB-26E5-4D7F-BAC8-527ADDCBA53E}"/>
               </a:ext>
             </a:extLst>
           </p:cNvPr>
@@ -18818,10 +18376,228 @@
           </a:ln>
         </p:spPr>
       </p:pic>
+      <p:sp>
+        <p:nvSpPr>
+          <p:cNvPr id="10" name="Espace réservé du numéro de diapositive 3">
+            <a:extLst>
+              <a:ext uri="{FF2B5EF4-FFF2-40B4-BE49-F238E27FC236}">
+                <a16:creationId xmlns:a16="http://schemas.microsoft.com/office/drawing/2014/main" id="{FAE6F624-3F65-4ADB-97C6-61CA2F5FC574}"/>
+              </a:ext>
+            </a:extLst>
+          </p:cNvPr>
+          <p:cNvSpPr>
+            <a:spLocks noGrp="1"/>
+          </p:cNvSpPr>
+          <p:nvPr>
+            <p:ph type="sldNum" sz="quarter" idx="12"/>
+          </p:nvPr>
+        </p:nvSpPr>
+        <p:spPr>
+          <a:xfrm>
+            <a:off x="8610600" y="6356350"/>
+            <a:ext cx="2743200" cy="365125"/>
+          </a:xfrm>
+        </p:spPr>
+        <p:txBody>
+          <a:bodyPr/>
+          <a:lstStyle/>
+          <a:p>
+            <a:fld id="{422BBE94-6443-42E4-8EFE-37A8E7FF6A57}" type="slidenum">
+              <a:rPr lang="fr-FR" smtClean="0"/>
+              <a:t>31</a:t>
+            </a:fld>
+            <a:endParaRPr lang="fr-FR" dirty="0"/>
+          </a:p>
+        </p:txBody>
+      </p:sp>
+      <p:pic>
+        <p:nvPicPr>
+          <p:cNvPr id="4" name="Image 3">
+            <a:extLst>
+              <a:ext uri="{FF2B5EF4-FFF2-40B4-BE49-F238E27FC236}">
+                <a16:creationId xmlns:a16="http://schemas.microsoft.com/office/drawing/2014/main" id="{5900798E-C028-4D48-8294-7EC8F384C608}"/>
+              </a:ext>
+            </a:extLst>
+          </p:cNvPr>
+          <p:cNvPicPr>
+            <a:picLocks noChangeAspect="1"/>
+          </p:cNvPicPr>
+          <p:nvPr/>
+        </p:nvPicPr>
+        <p:blipFill>
+          <a:blip r:embed="rId5"/>
+          <a:stretch>
+            <a:fillRect/>
+          </a:stretch>
+        </p:blipFill>
+        <p:spPr>
+          <a:xfrm>
+            <a:off x="848360" y="1698110"/>
+            <a:ext cx="1912662" cy="4848376"/>
+          </a:xfrm>
+          <a:prstGeom prst="rect">
+            <a:avLst/>
+          </a:prstGeom>
+        </p:spPr>
+      </p:pic>
+      <p:sp>
+        <p:nvSpPr>
+          <p:cNvPr id="5" name="Rectangle 4">
+            <a:extLst>
+              <a:ext uri="{FF2B5EF4-FFF2-40B4-BE49-F238E27FC236}">
+                <a16:creationId xmlns:a16="http://schemas.microsoft.com/office/drawing/2014/main" id="{025B2AD6-638D-441B-AC0B-10BC15AE62E8}"/>
+              </a:ext>
+            </a:extLst>
+          </p:cNvPr>
+          <p:cNvSpPr/>
+          <p:nvPr/>
+        </p:nvSpPr>
+        <p:spPr>
+          <a:xfrm>
+            <a:off x="868680" y="5171440"/>
+            <a:ext cx="1874520" cy="213360"/>
+          </a:xfrm>
+          <a:prstGeom prst="rect">
+            <a:avLst/>
+          </a:prstGeom>
+          <a:noFill/>
+          <a:ln w="38100">
+            <a:solidFill>
+              <a:srgbClr val="00B050"/>
+            </a:solidFill>
+          </a:ln>
+        </p:spPr>
+        <p:style>
+          <a:lnRef idx="2">
+            <a:schemeClr val="accent6"/>
+          </a:lnRef>
+          <a:fillRef idx="1">
+            <a:schemeClr val="lt1"/>
+          </a:fillRef>
+          <a:effectRef idx="0">
+            <a:schemeClr val="accent6"/>
+          </a:effectRef>
+          <a:fontRef idx="minor">
+            <a:schemeClr val="dk1"/>
+          </a:fontRef>
+        </p:style>
+        <p:txBody>
+          <a:bodyPr rtlCol="0" anchor="ctr"/>
+          <a:lstStyle/>
+          <a:p>
+            <a:pPr algn="ctr"/>
+            <a:endParaRPr lang="fr-FR"/>
+          </a:p>
+        </p:txBody>
+      </p:sp>
+      <p:sp>
+        <p:nvSpPr>
+          <p:cNvPr id="11" name="ZoneTexte 10">
+            <a:extLst>
+              <a:ext uri="{FF2B5EF4-FFF2-40B4-BE49-F238E27FC236}">
+                <a16:creationId xmlns:a16="http://schemas.microsoft.com/office/drawing/2014/main" id="{7539F8FB-D621-42F2-A2B9-B941DEE0CFCB}"/>
+              </a:ext>
+            </a:extLst>
+          </p:cNvPr>
+          <p:cNvSpPr txBox="1"/>
+          <p:nvPr/>
+        </p:nvSpPr>
+        <p:spPr>
+          <a:xfrm>
+            <a:off x="3402178" y="3306690"/>
+            <a:ext cx="8658060" cy="1631216"/>
+          </a:xfrm>
+          <a:prstGeom prst="rect">
+            <a:avLst/>
+          </a:prstGeom>
+          <a:noFill/>
+        </p:spPr>
+        <p:txBody>
+          <a:bodyPr wrap="square" rtlCol="0">
+            <a:spAutoFit/>
+          </a:bodyPr>
+          <a:lstStyle/>
+          <a:p>
+            <a:pPr algn="ctr"/>
+            <a:r>
+              <a:rPr lang="fr-FR" sz="1400" b="1" u="sng" dirty="0" err="1"/>
+              <a:t>Determination</a:t>
+            </a:r>
+            <a:r>
+              <a:rPr lang="fr-FR" sz="1400" b="1" u="sng" dirty="0"/>
+              <a:t> du seuil à partir duquel un client est considéré comme défaut </a:t>
+            </a:r>
+          </a:p>
+          <a:p>
+            <a:pPr algn="ctr"/>
+            <a:endParaRPr lang="fr-FR" sz="1400" b="1" u="sng" dirty="0"/>
+          </a:p>
+          <a:p>
+            <a:pPr marL="285750" indent="-285750">
+              <a:buFont typeface="Arial" panose="020B0604020202020204" pitchFamily="34" charset="0"/>
+              <a:buChar char="•"/>
+            </a:pPr>
+            <a:r>
+              <a:rPr lang="fr-FR" sz="1400" dirty="0"/>
+              <a:t>Récupération des listes de prédictions à 1 (défaut) pour un seuil allant de 0 à 1</a:t>
+            </a:r>
+          </a:p>
+          <a:p>
+            <a:pPr marL="285750" indent="-285750">
+              <a:buFont typeface="Arial" panose="020B0604020202020204" pitchFamily="34" charset="0"/>
+              <a:buChar char="•"/>
+            </a:pPr>
+            <a:r>
+              <a:rPr lang="fr-FR" sz="1400" dirty="0" err="1"/>
+              <a:t>Custom_metric</a:t>
+            </a:r>
+            <a:r>
+              <a:rPr lang="fr-FR" sz="1400" dirty="0"/>
+              <a:t> entre chacune des listes et le </a:t>
+            </a:r>
+            <a:r>
+              <a:rPr lang="fr-FR" sz="1400" dirty="0" err="1"/>
+              <a:t>y_test</a:t>
+            </a:r>
+            <a:r>
+              <a:rPr lang="fr-FR" sz="1400" dirty="0"/>
+              <a:t> initial pour récupérer le </a:t>
+            </a:r>
+            <a:r>
+              <a:rPr lang="fr-FR" sz="1400" dirty="0" err="1"/>
+              <a:t>scoring_weights</a:t>
+            </a:r>
+            <a:endParaRPr lang="fr-FR" sz="1400" dirty="0"/>
+          </a:p>
+          <a:p>
+            <a:pPr marL="285750" indent="-285750">
+              <a:buFont typeface="Arial" panose="020B0604020202020204" pitchFamily="34" charset="0"/>
+              <a:buChar char="•"/>
+            </a:pPr>
+            <a:r>
+              <a:rPr lang="fr-FR" sz="1400" dirty="0" err="1"/>
+              <a:t>Scoring_weight</a:t>
+            </a:r>
+            <a:r>
+              <a:rPr lang="fr-FR" sz="1400" dirty="0"/>
+              <a:t> le plus faible lorsque le seuil est à 0.7</a:t>
+            </a:r>
+          </a:p>
+          <a:p>
+            <a:endParaRPr lang="fr-FR" sz="1600" dirty="0"/>
+          </a:p>
+          <a:p>
+            <a:r>
+              <a:rPr lang="fr-FR" sz="1400" dirty="0"/>
+              <a:t>Si le client est prédit à 1 avec une probabilité supérieure ou égale à 70%, il sera considéré comme un client à défaut.</a:t>
+            </a:r>
+          </a:p>
+        </p:txBody>
+      </p:sp>
     </p:spTree>
     <p:extLst>
       <p:ext uri="{BB962C8B-B14F-4D97-AF65-F5344CB8AC3E}">
-        <p14:creationId xmlns:p14="http://schemas.microsoft.com/office/powerpoint/2010/main" val="247638284"/>
+        <p14:creationId xmlns:p14="http://schemas.microsoft.com/office/powerpoint/2010/main" val="1812638805"/>
       </p:ext>
     </p:extLst>
   </p:cSld>
@@ -18850,68 +18626,154 @@
       </p:grpSpPr>
       <p:sp>
         <p:nvSpPr>
-          <p:cNvPr id="3" name="Espace réservé du contenu 2">
-            <a:extLst>
-              <a:ext uri="{FF2B5EF4-FFF2-40B4-BE49-F238E27FC236}">
-                <a16:creationId xmlns:a16="http://schemas.microsoft.com/office/drawing/2014/main" id="{62E2CB66-036F-45D2-B749-46A4CED0B4AA}"/>
-              </a:ext>
-            </a:extLst>
-          </p:cNvPr>
-          <p:cNvSpPr>
-            <a:spLocks noGrp="1"/>
-          </p:cNvSpPr>
-          <p:nvPr>
-            <p:ph idx="1"/>
-          </p:nvPr>
+          <p:cNvPr id="35" name="Rectangle 34">
+            <a:extLst>
+              <a:ext uri="{FF2B5EF4-FFF2-40B4-BE49-F238E27FC236}">
+                <a16:creationId xmlns:a16="http://schemas.microsoft.com/office/drawing/2014/main" id="{70D3EB9E-C3BD-47FE-9EEB-9EFC62D78892}"/>
+              </a:ext>
+            </a:extLst>
+          </p:cNvPr>
+          <p:cNvSpPr/>
+          <p:nvPr/>
         </p:nvSpPr>
         <p:spPr>
           <a:xfrm>
-            <a:off x="185791" y="1167752"/>
-            <a:ext cx="5387643" cy="484647"/>
-          </a:xfrm>
-        </p:spPr>
-        <p:txBody>
-          <a:bodyPr>
-            <a:normAutofit/>
-          </a:bodyPr>
-          <a:lstStyle/>
-          <a:p>
-            <a:pPr marL="0" indent="0" algn="just">
-              <a:buNone/>
-            </a:pPr>
-            <a:r>
-              <a:rPr lang="fr-FR" sz="2000" b="1" u="sng" dirty="0"/>
-              <a:t>Calibrage par rapport à un seuil</a:t>
-            </a:r>
-          </a:p>
-        </p:txBody>
-      </p:sp>
-      <p:sp>
-        <p:nvSpPr>
-          <p:cNvPr id="6" name="Espace réservé du contenu 2">
-            <a:extLst>
-              <a:ext uri="{FF2B5EF4-FFF2-40B4-BE49-F238E27FC236}">
-                <a16:creationId xmlns:a16="http://schemas.microsoft.com/office/drawing/2014/main" id="{58406FBD-E0AA-412F-9195-A0EA2AEF7446}"/>
-              </a:ext>
-            </a:extLst>
-          </p:cNvPr>
-          <p:cNvSpPr txBox="1">
-            <a:spLocks/>
-          </p:cNvSpPr>
-          <p:nvPr/>
-        </p:nvSpPr>
-        <p:spPr>
-          <a:xfrm>
-            <a:off x="3402178" y="308213"/>
-            <a:ext cx="5387643" cy="502314"/>
+            <a:off x="0" y="6397022"/>
+            <a:ext cx="12192000" cy="460978"/>
           </a:xfrm>
           <a:prstGeom prst="rect">
             <a:avLst/>
           </a:prstGeom>
+          <a:solidFill>
+            <a:schemeClr val="accent1"/>
+          </a:solidFill>
+        </p:spPr>
+        <p:style>
+          <a:lnRef idx="2">
+            <a:schemeClr val="accent1">
+              <a:shade val="50000"/>
+            </a:schemeClr>
+          </a:lnRef>
+          <a:fillRef idx="1">
+            <a:schemeClr val="accent1"/>
+          </a:fillRef>
+          <a:effectRef idx="0">
+            <a:schemeClr val="accent1"/>
+          </a:effectRef>
+          <a:fontRef idx="minor">
+            <a:schemeClr val="lt1"/>
+          </a:fontRef>
+        </p:style>
+        <p:txBody>
+          <a:bodyPr rtlCol="0" anchor="ctr"/>
+          <a:lstStyle/>
+          <a:p>
+            <a:pPr algn="ctr"/>
+            <a:endParaRPr lang="fr-FR"/>
+          </a:p>
+        </p:txBody>
+      </p:sp>
+      <p:pic>
+        <p:nvPicPr>
+          <p:cNvPr id="6" name="Image 5">
+            <a:extLst>
+              <a:ext uri="{FF2B5EF4-FFF2-40B4-BE49-F238E27FC236}">
+                <a16:creationId xmlns:a16="http://schemas.microsoft.com/office/drawing/2014/main" id="{3DB62B93-5B40-45FA-95F9-976944975F88}"/>
+              </a:ext>
+            </a:extLst>
+          </p:cNvPr>
+          <p:cNvPicPr/>
+          <p:nvPr/>
+        </p:nvPicPr>
+        <p:blipFill>
+          <a:blip r:embed="rId3" cstate="print">
+            <a:extLst>
+              <a:ext uri="{28A0092B-C50C-407E-A947-70E740481C1C}">
+                <a14:useLocalDpi xmlns:a14="http://schemas.microsoft.com/office/drawing/2010/main" val="0"/>
+              </a:ext>
+            </a:extLst>
+          </a:blip>
+          <a:stretch>
+            <a:fillRect/>
+          </a:stretch>
+        </p:blipFill>
+        <p:spPr>
+          <a:xfrm>
+            <a:off x="1" y="157255"/>
+            <a:ext cx="1180776" cy="533846"/>
+          </a:xfrm>
+          <a:prstGeom prst="rect">
+            <a:avLst/>
+          </a:prstGeom>
+        </p:spPr>
+      </p:pic>
+      <p:pic>
+        <p:nvPicPr>
+          <p:cNvPr id="7" name="Image 6">
+            <a:extLst>
+              <a:ext uri="{FF2B5EF4-FFF2-40B4-BE49-F238E27FC236}">
+                <a16:creationId xmlns:a16="http://schemas.microsoft.com/office/drawing/2014/main" id="{E70203F0-6E03-4F43-8949-18E8A801206C}"/>
+              </a:ext>
+            </a:extLst>
+          </p:cNvPr>
+          <p:cNvPicPr/>
+          <p:nvPr/>
+        </p:nvPicPr>
+        <p:blipFill>
+          <a:blip r:embed="rId4" cstate="print">
+            <a:extLst>
+              <a:ext uri="{28A0092B-C50C-407E-A947-70E740481C1C}">
+                <a14:useLocalDpi xmlns:a14="http://schemas.microsoft.com/office/drawing/2010/main" val="0"/>
+              </a:ext>
+            </a:extLst>
+          </a:blip>
+          <a:srcRect/>
+          <a:stretch>
+            <a:fillRect/>
+          </a:stretch>
+        </p:blipFill>
+        <p:spPr bwMode="auto">
+          <a:xfrm>
+            <a:off x="1281676" y="181854"/>
+            <a:ext cx="484647" cy="484647"/>
+          </a:xfrm>
+          <a:prstGeom prst="rect">
+            <a:avLst/>
+          </a:prstGeom>
+          <a:noFill/>
+          <a:ln>
+            <a:noFill/>
+          </a:ln>
+        </p:spPr>
+      </p:pic>
+      <p:sp>
+        <p:nvSpPr>
+          <p:cNvPr id="9" name="Espace réservé du contenu 2">
+            <a:extLst>
+              <a:ext uri="{FF2B5EF4-FFF2-40B4-BE49-F238E27FC236}">
+                <a16:creationId xmlns:a16="http://schemas.microsoft.com/office/drawing/2014/main" id="{83C6C059-D5E6-4205-A4A2-3C7A274DF329}"/>
+              </a:ext>
+            </a:extLst>
+          </p:cNvPr>
+          <p:cNvSpPr txBox="1">
+            <a:spLocks noGrp="1"/>
+          </p:cNvSpPr>
+          <p:nvPr>
+            <p:ph type="ctrTitle"/>
+          </p:nvPr>
+        </p:nvSpPr>
+        <p:spPr>
+          <a:xfrm>
+            <a:off x="923925" y="3302000"/>
+            <a:ext cx="10344150" cy="460375"/>
+          </a:xfrm>
+          <a:prstGeom prst="rect">
+            <a:avLst/>
+          </a:prstGeom>
         </p:spPr>
         <p:txBody>
           <a:bodyPr vert="horz" lIns="91440" tIns="45720" rIns="91440" bIns="45720" rtlCol="0">
-            <a:normAutofit fontScale="77500" lnSpcReduction="20000"/>
+            <a:noAutofit/>
           </a:bodyPr>
           <a:lstStyle>
             <a:lvl1pPr marL="228600" indent="-228600" algn="l" defTabSz="914400" rtl="0" eaLnBrk="1" latinLnBrk="0" hangingPunct="1">
@@ -19082,300 +18944,8 @@
               <a:buNone/>
             </a:pPr>
             <a:r>
-              <a:rPr lang="fr-FR" sz="2800" b="1" u="sng" dirty="0"/>
-              <a:t>Modélisations &amp; Implémentation du Score</a:t>
-            </a:r>
-            <a:endParaRPr lang="fr-FR" sz="2100" b="1" u="sng" dirty="0"/>
-          </a:p>
-        </p:txBody>
-      </p:sp>
-      <p:pic>
-        <p:nvPicPr>
-          <p:cNvPr id="8" name="Image 7">
-            <a:extLst>
-              <a:ext uri="{FF2B5EF4-FFF2-40B4-BE49-F238E27FC236}">
-                <a16:creationId xmlns:a16="http://schemas.microsoft.com/office/drawing/2014/main" id="{9511FB9D-E82D-46C3-81DF-9351D1751D25}"/>
-              </a:ext>
-            </a:extLst>
-          </p:cNvPr>
-          <p:cNvPicPr/>
-          <p:nvPr/>
-        </p:nvPicPr>
-        <p:blipFill>
-          <a:blip r:embed="rId3" cstate="print">
-            <a:extLst>
-              <a:ext uri="{28A0092B-C50C-407E-A947-70E740481C1C}">
-                <a14:useLocalDpi xmlns:a14="http://schemas.microsoft.com/office/drawing/2010/main" val="0"/>
-              </a:ext>
-            </a:extLst>
-          </a:blip>
-          <a:stretch>
-            <a:fillRect/>
-          </a:stretch>
-        </p:blipFill>
-        <p:spPr>
-          <a:xfrm>
-            <a:off x="1" y="157255"/>
-            <a:ext cx="1180776" cy="533846"/>
-          </a:xfrm>
-          <a:prstGeom prst="rect">
-            <a:avLst/>
-          </a:prstGeom>
-        </p:spPr>
-      </p:pic>
-      <p:pic>
-        <p:nvPicPr>
-          <p:cNvPr id="9" name="Image 8">
-            <a:extLst>
-              <a:ext uri="{FF2B5EF4-FFF2-40B4-BE49-F238E27FC236}">
-                <a16:creationId xmlns:a16="http://schemas.microsoft.com/office/drawing/2014/main" id="{7792BEBB-26E5-4D7F-BAC8-527ADDCBA53E}"/>
-              </a:ext>
-            </a:extLst>
-          </p:cNvPr>
-          <p:cNvPicPr/>
-          <p:nvPr/>
-        </p:nvPicPr>
-        <p:blipFill>
-          <a:blip r:embed="rId4" cstate="print">
-            <a:extLst>
-              <a:ext uri="{28A0092B-C50C-407E-A947-70E740481C1C}">
-                <a14:useLocalDpi xmlns:a14="http://schemas.microsoft.com/office/drawing/2010/main" val="0"/>
-              </a:ext>
-            </a:extLst>
-          </a:blip>
-          <a:srcRect/>
-          <a:stretch>
-            <a:fillRect/>
-          </a:stretch>
-        </p:blipFill>
-        <p:spPr bwMode="auto">
-          <a:xfrm>
-            <a:off x="1281676" y="181854"/>
-            <a:ext cx="484647" cy="484647"/>
-          </a:xfrm>
-          <a:prstGeom prst="rect">
-            <a:avLst/>
-          </a:prstGeom>
-          <a:noFill/>
-          <a:ln>
-            <a:noFill/>
-          </a:ln>
-        </p:spPr>
-      </p:pic>
-      <p:sp>
-        <p:nvSpPr>
-          <p:cNvPr id="10" name="Espace réservé du numéro de diapositive 3">
-            <a:extLst>
-              <a:ext uri="{FF2B5EF4-FFF2-40B4-BE49-F238E27FC236}">
-                <a16:creationId xmlns:a16="http://schemas.microsoft.com/office/drawing/2014/main" id="{FAE6F624-3F65-4ADB-97C6-61CA2F5FC574}"/>
-              </a:ext>
-            </a:extLst>
-          </p:cNvPr>
-          <p:cNvSpPr>
-            <a:spLocks noGrp="1"/>
-          </p:cNvSpPr>
-          <p:nvPr>
-            <p:ph type="sldNum" sz="quarter" idx="12"/>
-          </p:nvPr>
-        </p:nvSpPr>
-        <p:spPr>
-          <a:xfrm>
-            <a:off x="8610600" y="6356350"/>
-            <a:ext cx="2743200" cy="365125"/>
-          </a:xfrm>
-        </p:spPr>
-        <p:txBody>
-          <a:bodyPr/>
-          <a:lstStyle/>
-          <a:p>
-            <a:fld id="{422BBE94-6443-42E4-8EFE-37A8E7FF6A57}" type="slidenum">
-              <a:rPr lang="fr-FR" smtClean="0"/>
-              <a:t>32</a:t>
-            </a:fld>
-            <a:endParaRPr lang="fr-FR" dirty="0"/>
-          </a:p>
-        </p:txBody>
-      </p:sp>
-      <p:pic>
-        <p:nvPicPr>
-          <p:cNvPr id="4" name="Image 3">
-            <a:extLst>
-              <a:ext uri="{FF2B5EF4-FFF2-40B4-BE49-F238E27FC236}">
-                <a16:creationId xmlns:a16="http://schemas.microsoft.com/office/drawing/2014/main" id="{5900798E-C028-4D48-8294-7EC8F384C608}"/>
-              </a:ext>
-            </a:extLst>
-          </p:cNvPr>
-          <p:cNvPicPr>
-            <a:picLocks noChangeAspect="1"/>
-          </p:cNvPicPr>
-          <p:nvPr/>
-        </p:nvPicPr>
-        <p:blipFill>
-          <a:blip r:embed="rId5"/>
-          <a:stretch>
-            <a:fillRect/>
-          </a:stretch>
-        </p:blipFill>
-        <p:spPr>
-          <a:xfrm>
-            <a:off x="848360" y="1698110"/>
-            <a:ext cx="1912662" cy="4848376"/>
-          </a:xfrm>
-          <a:prstGeom prst="rect">
-            <a:avLst/>
-          </a:prstGeom>
-        </p:spPr>
-      </p:pic>
-      <p:sp>
-        <p:nvSpPr>
-          <p:cNvPr id="5" name="Rectangle 4">
-            <a:extLst>
-              <a:ext uri="{FF2B5EF4-FFF2-40B4-BE49-F238E27FC236}">
-                <a16:creationId xmlns:a16="http://schemas.microsoft.com/office/drawing/2014/main" id="{025B2AD6-638D-441B-AC0B-10BC15AE62E8}"/>
-              </a:ext>
-            </a:extLst>
-          </p:cNvPr>
-          <p:cNvSpPr/>
-          <p:nvPr/>
-        </p:nvSpPr>
-        <p:spPr>
-          <a:xfrm>
-            <a:off x="868680" y="5171440"/>
-            <a:ext cx="1874520" cy="213360"/>
-          </a:xfrm>
-          <a:prstGeom prst="rect">
-            <a:avLst/>
-          </a:prstGeom>
-          <a:noFill/>
-          <a:ln w="38100">
-            <a:solidFill>
-              <a:srgbClr val="00B050"/>
-            </a:solidFill>
-          </a:ln>
-        </p:spPr>
-        <p:style>
-          <a:lnRef idx="2">
-            <a:schemeClr val="accent6"/>
-          </a:lnRef>
-          <a:fillRef idx="1">
-            <a:schemeClr val="lt1"/>
-          </a:fillRef>
-          <a:effectRef idx="0">
-            <a:schemeClr val="accent6"/>
-          </a:effectRef>
-          <a:fontRef idx="minor">
-            <a:schemeClr val="dk1"/>
-          </a:fontRef>
-        </p:style>
-        <p:txBody>
-          <a:bodyPr rtlCol="0" anchor="ctr"/>
-          <a:lstStyle/>
-          <a:p>
-            <a:pPr algn="ctr"/>
-            <a:endParaRPr lang="fr-FR"/>
-          </a:p>
-        </p:txBody>
-      </p:sp>
-      <p:sp>
-        <p:nvSpPr>
-          <p:cNvPr id="11" name="ZoneTexte 10">
-            <a:extLst>
-              <a:ext uri="{FF2B5EF4-FFF2-40B4-BE49-F238E27FC236}">
-                <a16:creationId xmlns:a16="http://schemas.microsoft.com/office/drawing/2014/main" id="{7539F8FB-D621-42F2-A2B9-B941DEE0CFCB}"/>
-              </a:ext>
-            </a:extLst>
-          </p:cNvPr>
-          <p:cNvSpPr txBox="1"/>
-          <p:nvPr/>
-        </p:nvSpPr>
-        <p:spPr>
-          <a:xfrm>
-            <a:off x="3402178" y="3306690"/>
-            <a:ext cx="8658060" cy="1631216"/>
-          </a:xfrm>
-          <a:prstGeom prst="rect">
-            <a:avLst/>
-          </a:prstGeom>
-          <a:noFill/>
-        </p:spPr>
-        <p:txBody>
-          <a:bodyPr wrap="square" rtlCol="0">
-            <a:spAutoFit/>
-          </a:bodyPr>
-          <a:lstStyle/>
-          <a:p>
-            <a:pPr algn="ctr"/>
-            <a:r>
-              <a:rPr lang="fr-FR" sz="1400" b="1" u="sng" dirty="0" err="1"/>
-              <a:t>Determination</a:t>
-            </a:r>
-            <a:r>
-              <a:rPr lang="fr-FR" sz="1400" b="1" u="sng" dirty="0"/>
-              <a:t> du seuil à partir duquel un client est considéré comme défaut </a:t>
-            </a:r>
-          </a:p>
-          <a:p>
-            <a:pPr algn="ctr"/>
-            <a:endParaRPr lang="fr-FR" sz="1400" b="1" u="sng" dirty="0"/>
-          </a:p>
-          <a:p>
-            <a:pPr marL="285750" indent="-285750">
-              <a:buFont typeface="Arial" panose="020B0604020202020204" pitchFamily="34" charset="0"/>
-              <a:buChar char="•"/>
-            </a:pPr>
-            <a:r>
-              <a:rPr lang="fr-FR" sz="1400" dirty="0"/>
-              <a:t>Récupération des listes de prédictions à 1 (défaut) pour un seuil allant de 0 à 1</a:t>
-            </a:r>
-          </a:p>
-          <a:p>
-            <a:pPr marL="285750" indent="-285750">
-              <a:buFont typeface="Arial" panose="020B0604020202020204" pitchFamily="34" charset="0"/>
-              <a:buChar char="•"/>
-            </a:pPr>
-            <a:r>
-              <a:rPr lang="fr-FR" sz="1400" dirty="0" err="1"/>
-              <a:t>Custom_metric</a:t>
-            </a:r>
-            <a:r>
-              <a:rPr lang="fr-FR" sz="1400" dirty="0"/>
-              <a:t> entre chacune des listes et le </a:t>
-            </a:r>
-            <a:r>
-              <a:rPr lang="fr-FR" sz="1400" dirty="0" err="1"/>
-              <a:t>y_test</a:t>
-            </a:r>
-            <a:r>
-              <a:rPr lang="fr-FR" sz="1400" dirty="0"/>
-              <a:t> initial pour récupérer le </a:t>
-            </a:r>
-            <a:r>
-              <a:rPr lang="fr-FR" sz="1400" dirty="0" err="1"/>
-              <a:t>scoring_weights</a:t>
-            </a:r>
-            <a:endParaRPr lang="fr-FR" sz="1400" dirty="0"/>
-          </a:p>
-          <a:p>
-            <a:pPr marL="285750" indent="-285750">
-              <a:buFont typeface="Arial" panose="020B0604020202020204" pitchFamily="34" charset="0"/>
-              <a:buChar char="•"/>
-            </a:pPr>
-            <a:r>
-              <a:rPr lang="fr-FR" sz="1400" dirty="0" err="1"/>
-              <a:t>Scoring_weight</a:t>
-            </a:r>
-            <a:r>
-              <a:rPr lang="fr-FR" sz="1400" dirty="0"/>
-              <a:t> le plus faible lorsque le seuil est à 0.7</a:t>
-            </a:r>
-          </a:p>
-          <a:p>
-            <a:endParaRPr lang="fr-FR" sz="1600" dirty="0"/>
-          </a:p>
-          <a:p>
-            <a:r>
-              <a:rPr lang="fr-FR" sz="1400" dirty="0"/>
-              <a:t>Si le client est prédit à 1 avec une probabilité supérieure ou égale à 70%, il sera considéré comme un client à défaut.</a:t>
+              <a:rPr lang="fr-FR" u="sng" dirty="0"/>
+              <a:t>Critiques &amp; Conclusion</a:t>
             </a:r>
           </a:p>
         </p:txBody>
@@ -19383,7 +18953,7 @@
     </p:spTree>
     <p:extLst>
       <p:ext uri="{BB962C8B-B14F-4D97-AF65-F5344CB8AC3E}">
-        <p14:creationId xmlns:p14="http://schemas.microsoft.com/office/powerpoint/2010/main" val="1812638805"/>
+        <p14:creationId xmlns:p14="http://schemas.microsoft.com/office/powerpoint/2010/main" val="2003839979"/>
       </p:ext>
     </p:extLst>
   </p:cSld>
@@ -19412,99 +18982,213 @@
       </p:grpSpPr>
       <p:sp>
         <p:nvSpPr>
-          <p:cNvPr id="2" name="Titre 1">
-            <a:extLst>
-              <a:ext uri="{FF2B5EF4-FFF2-40B4-BE49-F238E27FC236}">
-                <a16:creationId xmlns:a16="http://schemas.microsoft.com/office/drawing/2014/main" id="{C36B246E-533F-4CE7-BDD3-2290BC8E4C57}"/>
-              </a:ext>
-            </a:extLst>
-          </p:cNvPr>
-          <p:cNvSpPr>
-            <a:spLocks noGrp="1"/>
-          </p:cNvSpPr>
-          <p:nvPr>
-            <p:ph type="ctrTitle"/>
-          </p:nvPr>
+          <p:cNvPr id="6" name="Espace réservé du contenu 2">
+            <a:extLst>
+              <a:ext uri="{FF2B5EF4-FFF2-40B4-BE49-F238E27FC236}">
+                <a16:creationId xmlns:a16="http://schemas.microsoft.com/office/drawing/2014/main" id="{58406FBD-E0AA-412F-9195-A0EA2AEF7446}"/>
+              </a:ext>
+            </a:extLst>
+          </p:cNvPr>
+          <p:cNvSpPr txBox="1">
+            <a:spLocks/>
+          </p:cNvSpPr>
+          <p:nvPr/>
         </p:nvSpPr>
         <p:spPr>
           <a:xfrm>
-            <a:off x="2045616" y="3198510"/>
-            <a:ext cx="8100767" cy="460979"/>
-          </a:xfrm>
-        </p:spPr>
-        <p:txBody>
-          <a:bodyPr>
-            <a:normAutofit fontScale="90000"/>
-          </a:bodyPr>
-          <a:lstStyle/>
-          <a:p>
-            <a:r>
-              <a:rPr lang="fr-FR" sz="3600" b="1" u="sng" dirty="0"/>
-              <a:t>Présentation du Dashboard via </a:t>
-            </a:r>
-            <a:r>
-              <a:rPr lang="fr-FR" sz="3600" b="1" u="sng" dirty="0" err="1"/>
-              <a:t>Streamlit</a:t>
-            </a:r>
-            <a:endParaRPr lang="fr-FR" sz="3600" b="1" u="sng" dirty="0"/>
-          </a:p>
-        </p:txBody>
-      </p:sp>
-      <p:sp>
-        <p:nvSpPr>
-          <p:cNvPr id="35" name="Rectangle 34">
-            <a:extLst>
-              <a:ext uri="{FF2B5EF4-FFF2-40B4-BE49-F238E27FC236}">
-                <a16:creationId xmlns:a16="http://schemas.microsoft.com/office/drawing/2014/main" id="{70D3EB9E-C3BD-47FE-9EEB-9EFC62D78892}"/>
-              </a:ext>
-            </a:extLst>
-          </p:cNvPr>
-          <p:cNvSpPr/>
-          <p:nvPr/>
-        </p:nvSpPr>
-        <p:spPr>
-          <a:xfrm>
-            <a:off x="0" y="6397022"/>
-            <a:ext cx="12192000" cy="460978"/>
+            <a:off x="3402178" y="308213"/>
+            <a:ext cx="5387643" cy="502314"/>
           </a:xfrm>
           <a:prstGeom prst="rect">
             <a:avLst/>
           </a:prstGeom>
-          <a:solidFill>
-            <a:schemeClr val="accent1"/>
-          </a:solidFill>
-        </p:spPr>
-        <p:style>
-          <a:lnRef idx="2">
-            <a:schemeClr val="accent1">
-              <a:shade val="50000"/>
-            </a:schemeClr>
-          </a:lnRef>
-          <a:fillRef idx="1">
-            <a:schemeClr val="accent1"/>
-          </a:fillRef>
-          <a:effectRef idx="0">
-            <a:schemeClr val="accent1"/>
-          </a:effectRef>
-          <a:fontRef idx="minor">
-            <a:schemeClr val="lt1"/>
-          </a:fontRef>
-        </p:style>
-        <p:txBody>
-          <a:bodyPr rtlCol="0" anchor="ctr"/>
-          <a:lstStyle/>
-          <a:p>
-            <a:pPr algn="ctr"/>
-            <a:endParaRPr lang="fr-FR"/>
+        </p:spPr>
+        <p:txBody>
+          <a:bodyPr vert="horz" lIns="91440" tIns="45720" rIns="91440" bIns="45720" rtlCol="0">
+            <a:normAutofit/>
+          </a:bodyPr>
+          <a:lstStyle>
+            <a:lvl1pPr marL="228600" indent="-228600" algn="l" defTabSz="914400" rtl="0" eaLnBrk="1" latinLnBrk="0" hangingPunct="1">
+              <a:lnSpc>
+                <a:spcPct val="90000"/>
+              </a:lnSpc>
+              <a:spcBef>
+                <a:spcPts val="1000"/>
+              </a:spcBef>
+              <a:buFont typeface="Arial" panose="020B0604020202020204" pitchFamily="34" charset="0"/>
+              <a:buChar char="•"/>
+              <a:defRPr sz="2800" kern="1200">
+                <a:solidFill>
+                  <a:schemeClr val="tx1"/>
+                </a:solidFill>
+                <a:latin typeface="+mn-lt"/>
+                <a:ea typeface="+mn-ea"/>
+                <a:cs typeface="+mn-cs"/>
+              </a:defRPr>
+            </a:lvl1pPr>
+            <a:lvl2pPr marL="685800" indent="-228600" algn="l" defTabSz="914400" rtl="0" eaLnBrk="1" latinLnBrk="0" hangingPunct="1">
+              <a:lnSpc>
+                <a:spcPct val="90000"/>
+              </a:lnSpc>
+              <a:spcBef>
+                <a:spcPts val="500"/>
+              </a:spcBef>
+              <a:buFont typeface="Arial" panose="020B0604020202020204" pitchFamily="34" charset="0"/>
+              <a:buChar char="•"/>
+              <a:defRPr sz="2400" kern="1200">
+                <a:solidFill>
+                  <a:schemeClr val="tx1"/>
+                </a:solidFill>
+                <a:latin typeface="+mn-lt"/>
+                <a:ea typeface="+mn-ea"/>
+                <a:cs typeface="+mn-cs"/>
+              </a:defRPr>
+            </a:lvl2pPr>
+            <a:lvl3pPr marL="1143000" indent="-228600" algn="l" defTabSz="914400" rtl="0" eaLnBrk="1" latinLnBrk="0" hangingPunct="1">
+              <a:lnSpc>
+                <a:spcPct val="90000"/>
+              </a:lnSpc>
+              <a:spcBef>
+                <a:spcPts val="500"/>
+              </a:spcBef>
+              <a:buFont typeface="Arial" panose="020B0604020202020204" pitchFamily="34" charset="0"/>
+              <a:buChar char="•"/>
+              <a:defRPr sz="2000" kern="1200">
+                <a:solidFill>
+                  <a:schemeClr val="tx1"/>
+                </a:solidFill>
+                <a:latin typeface="+mn-lt"/>
+                <a:ea typeface="+mn-ea"/>
+                <a:cs typeface="+mn-cs"/>
+              </a:defRPr>
+            </a:lvl3pPr>
+            <a:lvl4pPr marL="1600200" indent="-228600" algn="l" defTabSz="914400" rtl="0" eaLnBrk="1" latinLnBrk="0" hangingPunct="1">
+              <a:lnSpc>
+                <a:spcPct val="90000"/>
+              </a:lnSpc>
+              <a:spcBef>
+                <a:spcPts val="500"/>
+              </a:spcBef>
+              <a:buFont typeface="Arial" panose="020B0604020202020204" pitchFamily="34" charset="0"/>
+              <a:buChar char="•"/>
+              <a:defRPr sz="1800" kern="1200">
+                <a:solidFill>
+                  <a:schemeClr val="tx1"/>
+                </a:solidFill>
+                <a:latin typeface="+mn-lt"/>
+                <a:ea typeface="+mn-ea"/>
+                <a:cs typeface="+mn-cs"/>
+              </a:defRPr>
+            </a:lvl4pPr>
+            <a:lvl5pPr marL="2057400" indent="-228600" algn="l" defTabSz="914400" rtl="0" eaLnBrk="1" latinLnBrk="0" hangingPunct="1">
+              <a:lnSpc>
+                <a:spcPct val="90000"/>
+              </a:lnSpc>
+              <a:spcBef>
+                <a:spcPts val="500"/>
+              </a:spcBef>
+              <a:buFont typeface="Arial" panose="020B0604020202020204" pitchFamily="34" charset="0"/>
+              <a:buChar char="•"/>
+              <a:defRPr sz="1800" kern="1200">
+                <a:solidFill>
+                  <a:schemeClr val="tx1"/>
+                </a:solidFill>
+                <a:latin typeface="+mn-lt"/>
+                <a:ea typeface="+mn-ea"/>
+                <a:cs typeface="+mn-cs"/>
+              </a:defRPr>
+            </a:lvl5pPr>
+            <a:lvl6pPr marL="2514600" indent="-228600" algn="l" defTabSz="914400" rtl="0" eaLnBrk="1" latinLnBrk="0" hangingPunct="1">
+              <a:lnSpc>
+                <a:spcPct val="90000"/>
+              </a:lnSpc>
+              <a:spcBef>
+                <a:spcPts val="500"/>
+              </a:spcBef>
+              <a:buFont typeface="Arial" panose="020B0604020202020204" pitchFamily="34" charset="0"/>
+              <a:buChar char="•"/>
+              <a:defRPr sz="1800" kern="1200">
+                <a:solidFill>
+                  <a:schemeClr val="tx1"/>
+                </a:solidFill>
+                <a:latin typeface="+mn-lt"/>
+                <a:ea typeface="+mn-ea"/>
+                <a:cs typeface="+mn-cs"/>
+              </a:defRPr>
+            </a:lvl6pPr>
+            <a:lvl7pPr marL="2971800" indent="-228600" algn="l" defTabSz="914400" rtl="0" eaLnBrk="1" latinLnBrk="0" hangingPunct="1">
+              <a:lnSpc>
+                <a:spcPct val="90000"/>
+              </a:lnSpc>
+              <a:spcBef>
+                <a:spcPts val="500"/>
+              </a:spcBef>
+              <a:buFont typeface="Arial" panose="020B0604020202020204" pitchFamily="34" charset="0"/>
+              <a:buChar char="•"/>
+              <a:defRPr sz="1800" kern="1200">
+                <a:solidFill>
+                  <a:schemeClr val="tx1"/>
+                </a:solidFill>
+                <a:latin typeface="+mn-lt"/>
+                <a:ea typeface="+mn-ea"/>
+                <a:cs typeface="+mn-cs"/>
+              </a:defRPr>
+            </a:lvl7pPr>
+            <a:lvl8pPr marL="3429000" indent="-228600" algn="l" defTabSz="914400" rtl="0" eaLnBrk="1" latinLnBrk="0" hangingPunct="1">
+              <a:lnSpc>
+                <a:spcPct val="90000"/>
+              </a:lnSpc>
+              <a:spcBef>
+                <a:spcPts val="500"/>
+              </a:spcBef>
+              <a:buFont typeface="Arial" panose="020B0604020202020204" pitchFamily="34" charset="0"/>
+              <a:buChar char="•"/>
+              <a:defRPr sz="1800" kern="1200">
+                <a:solidFill>
+                  <a:schemeClr val="tx1"/>
+                </a:solidFill>
+                <a:latin typeface="+mn-lt"/>
+                <a:ea typeface="+mn-ea"/>
+                <a:cs typeface="+mn-cs"/>
+              </a:defRPr>
+            </a:lvl8pPr>
+            <a:lvl9pPr marL="3886200" indent="-228600" algn="l" defTabSz="914400" rtl="0" eaLnBrk="1" latinLnBrk="0" hangingPunct="1">
+              <a:lnSpc>
+                <a:spcPct val="90000"/>
+              </a:lnSpc>
+              <a:spcBef>
+                <a:spcPts val="500"/>
+              </a:spcBef>
+              <a:buFont typeface="Arial" panose="020B0604020202020204" pitchFamily="34" charset="0"/>
+              <a:buChar char="•"/>
+              <a:defRPr sz="1800" kern="1200">
+                <a:solidFill>
+                  <a:schemeClr val="tx1"/>
+                </a:solidFill>
+                <a:latin typeface="+mn-lt"/>
+                <a:ea typeface="+mn-ea"/>
+                <a:cs typeface="+mn-cs"/>
+              </a:defRPr>
+            </a:lvl9pPr>
+          </a:lstStyle>
+          <a:p>
+            <a:pPr marL="0" indent="0" algn="ctr">
+              <a:buNone/>
+            </a:pPr>
+            <a:r>
+              <a:rPr lang="fr-FR" b="1" u="sng" dirty="0"/>
+              <a:t>Critiques &amp; Conclusion</a:t>
+            </a:r>
+            <a:endParaRPr lang="fr-FR" sz="2100" b="1" u="sng" dirty="0"/>
           </a:p>
         </p:txBody>
       </p:sp>
       <p:pic>
         <p:nvPicPr>
-          <p:cNvPr id="6" name="Image 5">
-            <a:extLst>
-              <a:ext uri="{FF2B5EF4-FFF2-40B4-BE49-F238E27FC236}">
-                <a16:creationId xmlns:a16="http://schemas.microsoft.com/office/drawing/2014/main" id="{3DB62B93-5B40-45FA-95F9-976944975F88}"/>
+          <p:cNvPr id="8" name="Image 7">
+            <a:extLst>
+              <a:ext uri="{FF2B5EF4-FFF2-40B4-BE49-F238E27FC236}">
+                <a16:creationId xmlns:a16="http://schemas.microsoft.com/office/drawing/2014/main" id="{9511FB9D-E82D-46C3-81DF-9351D1751D25}"/>
               </a:ext>
             </a:extLst>
           </p:cNvPr>
@@ -19535,10 +19219,10 @@
       </p:pic>
       <p:pic>
         <p:nvPicPr>
-          <p:cNvPr id="7" name="Image 6">
-            <a:extLst>
-              <a:ext uri="{FF2B5EF4-FFF2-40B4-BE49-F238E27FC236}">
-                <a16:creationId xmlns:a16="http://schemas.microsoft.com/office/drawing/2014/main" id="{E70203F0-6E03-4F43-8949-18E8A801206C}"/>
+          <p:cNvPr id="9" name="Image 8">
+            <a:extLst>
+              <a:ext uri="{FF2B5EF4-FFF2-40B4-BE49-F238E27FC236}">
+                <a16:creationId xmlns:a16="http://schemas.microsoft.com/office/drawing/2014/main" id="{7792BEBB-26E5-4D7F-BAC8-527ADDCBA53E}"/>
               </a:ext>
             </a:extLst>
           </p:cNvPr>
@@ -19572,10 +19256,427 @@
           </a:ln>
         </p:spPr>
       </p:pic>
+      <p:sp>
+        <p:nvSpPr>
+          <p:cNvPr id="3" name="Espace réservé du numéro de diapositive 2">
+            <a:extLst>
+              <a:ext uri="{FF2B5EF4-FFF2-40B4-BE49-F238E27FC236}">
+                <a16:creationId xmlns:a16="http://schemas.microsoft.com/office/drawing/2014/main" id="{6FC55CD1-4CDE-4BE1-8EB6-59FD12550BC7}"/>
+              </a:ext>
+            </a:extLst>
+          </p:cNvPr>
+          <p:cNvSpPr>
+            <a:spLocks noGrp="1"/>
+          </p:cNvSpPr>
+          <p:nvPr>
+            <p:ph type="sldNum" sz="quarter" idx="12"/>
+          </p:nvPr>
+        </p:nvSpPr>
+        <p:spPr/>
+        <p:txBody>
+          <a:bodyPr/>
+          <a:lstStyle/>
+          <a:p>
+            <a:fld id="{422BBE94-6443-42E4-8EFE-37A8E7FF6A57}" type="slidenum">
+              <a:rPr lang="fr-FR" smtClean="0"/>
+              <a:t>33</a:t>
+            </a:fld>
+            <a:endParaRPr lang="fr-FR"/>
+          </a:p>
+        </p:txBody>
+      </p:sp>
+      <p:sp>
+        <p:nvSpPr>
+          <p:cNvPr id="12" name="Espace réservé du contenu 2">
+            <a:extLst>
+              <a:ext uri="{FF2B5EF4-FFF2-40B4-BE49-F238E27FC236}">
+                <a16:creationId xmlns:a16="http://schemas.microsoft.com/office/drawing/2014/main" id="{D37D9982-3F2B-46E0-9735-FFEB75B889E0}"/>
+              </a:ext>
+            </a:extLst>
+          </p:cNvPr>
+          <p:cNvSpPr txBox="1">
+            <a:spLocks/>
+          </p:cNvSpPr>
+          <p:nvPr/>
+        </p:nvSpPr>
+        <p:spPr>
+          <a:xfrm>
+            <a:off x="-235066" y="1381710"/>
+            <a:ext cx="12305479" cy="4830614"/>
+          </a:xfrm>
+          <a:prstGeom prst="rect">
+            <a:avLst/>
+          </a:prstGeom>
+        </p:spPr>
+        <p:txBody>
+          <a:bodyPr vert="horz" lIns="91440" tIns="45720" rIns="91440" bIns="45720" rtlCol="0">
+            <a:noAutofit/>
+          </a:bodyPr>
+          <a:lstStyle>
+            <a:lvl1pPr marL="228600" indent="-228600" algn="l" defTabSz="914400" rtl="0" eaLnBrk="1" latinLnBrk="0" hangingPunct="1">
+              <a:lnSpc>
+                <a:spcPct val="90000"/>
+              </a:lnSpc>
+              <a:spcBef>
+                <a:spcPts val="1000"/>
+              </a:spcBef>
+              <a:buFont typeface="Arial" panose="020B0604020202020204" pitchFamily="34" charset="0"/>
+              <a:buChar char="•"/>
+              <a:defRPr sz="2800" kern="1200">
+                <a:solidFill>
+                  <a:schemeClr val="tx1"/>
+                </a:solidFill>
+                <a:latin typeface="+mn-lt"/>
+                <a:ea typeface="+mn-ea"/>
+                <a:cs typeface="+mn-cs"/>
+              </a:defRPr>
+            </a:lvl1pPr>
+            <a:lvl2pPr marL="685800" indent="-228600" algn="l" defTabSz="914400" rtl="0" eaLnBrk="1" latinLnBrk="0" hangingPunct="1">
+              <a:lnSpc>
+                <a:spcPct val="90000"/>
+              </a:lnSpc>
+              <a:spcBef>
+                <a:spcPts val="500"/>
+              </a:spcBef>
+              <a:buFont typeface="Arial" panose="020B0604020202020204" pitchFamily="34" charset="0"/>
+              <a:buChar char="•"/>
+              <a:defRPr sz="2400" kern="1200">
+                <a:solidFill>
+                  <a:schemeClr val="tx1"/>
+                </a:solidFill>
+                <a:latin typeface="+mn-lt"/>
+                <a:ea typeface="+mn-ea"/>
+                <a:cs typeface="+mn-cs"/>
+              </a:defRPr>
+            </a:lvl2pPr>
+            <a:lvl3pPr marL="1143000" indent="-228600" algn="l" defTabSz="914400" rtl="0" eaLnBrk="1" latinLnBrk="0" hangingPunct="1">
+              <a:lnSpc>
+                <a:spcPct val="90000"/>
+              </a:lnSpc>
+              <a:spcBef>
+                <a:spcPts val="500"/>
+              </a:spcBef>
+              <a:buFont typeface="Arial" panose="020B0604020202020204" pitchFamily="34" charset="0"/>
+              <a:buChar char="•"/>
+              <a:defRPr sz="2000" kern="1200">
+                <a:solidFill>
+                  <a:schemeClr val="tx1"/>
+                </a:solidFill>
+                <a:latin typeface="+mn-lt"/>
+                <a:ea typeface="+mn-ea"/>
+                <a:cs typeface="+mn-cs"/>
+              </a:defRPr>
+            </a:lvl3pPr>
+            <a:lvl4pPr marL="1600200" indent="-228600" algn="l" defTabSz="914400" rtl="0" eaLnBrk="1" latinLnBrk="0" hangingPunct="1">
+              <a:lnSpc>
+                <a:spcPct val="90000"/>
+              </a:lnSpc>
+              <a:spcBef>
+                <a:spcPts val="500"/>
+              </a:spcBef>
+              <a:buFont typeface="Arial" panose="020B0604020202020204" pitchFamily="34" charset="0"/>
+              <a:buChar char="•"/>
+              <a:defRPr sz="1800" kern="1200">
+                <a:solidFill>
+                  <a:schemeClr val="tx1"/>
+                </a:solidFill>
+                <a:latin typeface="+mn-lt"/>
+                <a:ea typeface="+mn-ea"/>
+                <a:cs typeface="+mn-cs"/>
+              </a:defRPr>
+            </a:lvl4pPr>
+            <a:lvl5pPr marL="2057400" indent="-228600" algn="l" defTabSz="914400" rtl="0" eaLnBrk="1" latinLnBrk="0" hangingPunct="1">
+              <a:lnSpc>
+                <a:spcPct val="90000"/>
+              </a:lnSpc>
+              <a:spcBef>
+                <a:spcPts val="500"/>
+              </a:spcBef>
+              <a:buFont typeface="Arial" panose="020B0604020202020204" pitchFamily="34" charset="0"/>
+              <a:buChar char="•"/>
+              <a:defRPr sz="1800" kern="1200">
+                <a:solidFill>
+                  <a:schemeClr val="tx1"/>
+                </a:solidFill>
+                <a:latin typeface="+mn-lt"/>
+                <a:ea typeface="+mn-ea"/>
+                <a:cs typeface="+mn-cs"/>
+              </a:defRPr>
+            </a:lvl5pPr>
+            <a:lvl6pPr marL="2514600" indent="-228600" algn="l" defTabSz="914400" rtl="0" eaLnBrk="1" latinLnBrk="0" hangingPunct="1">
+              <a:lnSpc>
+                <a:spcPct val="90000"/>
+              </a:lnSpc>
+              <a:spcBef>
+                <a:spcPts val="500"/>
+              </a:spcBef>
+              <a:buFont typeface="Arial" panose="020B0604020202020204" pitchFamily="34" charset="0"/>
+              <a:buChar char="•"/>
+              <a:defRPr sz="1800" kern="1200">
+                <a:solidFill>
+                  <a:schemeClr val="tx1"/>
+                </a:solidFill>
+                <a:latin typeface="+mn-lt"/>
+                <a:ea typeface="+mn-ea"/>
+                <a:cs typeface="+mn-cs"/>
+              </a:defRPr>
+            </a:lvl6pPr>
+            <a:lvl7pPr marL="2971800" indent="-228600" algn="l" defTabSz="914400" rtl="0" eaLnBrk="1" latinLnBrk="0" hangingPunct="1">
+              <a:lnSpc>
+                <a:spcPct val="90000"/>
+              </a:lnSpc>
+              <a:spcBef>
+                <a:spcPts val="500"/>
+              </a:spcBef>
+              <a:buFont typeface="Arial" panose="020B0604020202020204" pitchFamily="34" charset="0"/>
+              <a:buChar char="•"/>
+              <a:defRPr sz="1800" kern="1200">
+                <a:solidFill>
+                  <a:schemeClr val="tx1"/>
+                </a:solidFill>
+                <a:latin typeface="+mn-lt"/>
+                <a:ea typeface="+mn-ea"/>
+                <a:cs typeface="+mn-cs"/>
+              </a:defRPr>
+            </a:lvl7pPr>
+            <a:lvl8pPr marL="3429000" indent="-228600" algn="l" defTabSz="914400" rtl="0" eaLnBrk="1" latinLnBrk="0" hangingPunct="1">
+              <a:lnSpc>
+                <a:spcPct val="90000"/>
+              </a:lnSpc>
+              <a:spcBef>
+                <a:spcPts val="500"/>
+              </a:spcBef>
+              <a:buFont typeface="Arial" panose="020B0604020202020204" pitchFamily="34" charset="0"/>
+              <a:buChar char="•"/>
+              <a:defRPr sz="1800" kern="1200">
+                <a:solidFill>
+                  <a:schemeClr val="tx1"/>
+                </a:solidFill>
+                <a:latin typeface="+mn-lt"/>
+                <a:ea typeface="+mn-ea"/>
+                <a:cs typeface="+mn-cs"/>
+              </a:defRPr>
+            </a:lvl8pPr>
+            <a:lvl9pPr marL="3886200" indent="-228600" algn="l" defTabSz="914400" rtl="0" eaLnBrk="1" latinLnBrk="0" hangingPunct="1">
+              <a:lnSpc>
+                <a:spcPct val="90000"/>
+              </a:lnSpc>
+              <a:spcBef>
+                <a:spcPts val="500"/>
+              </a:spcBef>
+              <a:buFont typeface="Arial" panose="020B0604020202020204" pitchFamily="34" charset="0"/>
+              <a:buChar char="•"/>
+              <a:defRPr sz="1800" kern="1200">
+                <a:solidFill>
+                  <a:schemeClr val="tx1"/>
+                </a:solidFill>
+                <a:latin typeface="+mn-lt"/>
+                <a:ea typeface="+mn-ea"/>
+                <a:cs typeface="+mn-cs"/>
+              </a:defRPr>
+            </a:lvl9pPr>
+          </a:lstStyle>
+          <a:p>
+            <a:pPr lvl="1" algn="just"/>
+            <a:r>
+              <a:rPr lang="fr-FR" sz="1800" dirty="0"/>
+              <a:t>Le modèle optimal proposé présente de nombreux avantages pour une demande bancaire. Il a une capacité à distinguer de manière optimale les prédictions positives des négatives :</a:t>
+            </a:r>
+            <a:endParaRPr lang="fr-FR" sz="1100" dirty="0"/>
+          </a:p>
+          <a:p>
+            <a:pPr lvl="2" algn="just"/>
+            <a:r>
+              <a:rPr lang="fr-FR" sz="1200" b="1" dirty="0" err="1"/>
+              <a:t>Auc</a:t>
+            </a:r>
+            <a:r>
+              <a:rPr lang="fr-FR" sz="1200" b="1" dirty="0"/>
+              <a:t> Score le plus élevé =&gt; 74% de chances de distinguer un positif d’un négatif</a:t>
+            </a:r>
+          </a:p>
+          <a:p>
+            <a:pPr lvl="2" algn="just"/>
+            <a:r>
+              <a:rPr lang="fr-FR" sz="1200" b="1" dirty="0"/>
+              <a:t>F1 score le plus élevé =&gt; 31% de chances de bien classifier un positif comme positif</a:t>
+            </a:r>
+          </a:p>
+          <a:p>
+            <a:pPr lvl="2" algn="just"/>
+            <a:r>
+              <a:rPr lang="fr-FR" sz="1200" b="1" dirty="0" err="1"/>
+              <a:t>Scoring_weights</a:t>
+            </a:r>
+            <a:r>
+              <a:rPr lang="fr-FR" sz="1200" b="1" dirty="0"/>
+              <a:t> le plus faible (6786) =&gt; Taux de prédiction de faux négatif le plus faible</a:t>
+            </a:r>
+            <a:endParaRPr lang="fr-FR" sz="1600" b="1" dirty="0"/>
+          </a:p>
+          <a:p>
+            <a:pPr lvl="1" algn="just"/>
+            <a:endParaRPr lang="fr-FR" sz="1400" dirty="0"/>
+          </a:p>
+          <a:p>
+            <a:pPr lvl="1" algn="just"/>
+            <a:r>
+              <a:rPr lang="fr-FR" sz="1400" dirty="0"/>
+              <a:t>Le Dashboard proposé répond aux demandes présentes dans le Cahier des charges mais propose également des fonctionnalités supplémentaires :</a:t>
+            </a:r>
+          </a:p>
+          <a:p>
+            <a:pPr lvl="2" algn="just"/>
+            <a:r>
+              <a:rPr lang="fr-FR" sz="1200" b="1" dirty="0"/>
+              <a:t>Création d’un nouveau client</a:t>
+            </a:r>
+          </a:p>
+          <a:p>
+            <a:pPr lvl="2" algn="just"/>
+            <a:r>
+              <a:rPr lang="fr-FR" sz="1200" b="1" dirty="0"/>
+              <a:t>Synthèse globale </a:t>
+            </a:r>
+          </a:p>
+          <a:p>
+            <a:pPr lvl="2" algn="just"/>
+            <a:r>
+              <a:rPr lang="fr-FR" sz="1200" b="1" dirty="0"/>
+              <a:t>Filtrage</a:t>
+            </a:r>
+          </a:p>
+          <a:p>
+            <a:pPr lvl="2" algn="just"/>
+            <a:r>
+              <a:rPr lang="fr-FR" sz="1200" b="1" dirty="0"/>
+              <a:t>Téléchargement au format Csv</a:t>
+            </a:r>
+          </a:p>
+          <a:p>
+            <a:pPr lvl="2" algn="just"/>
+            <a:r>
+              <a:rPr lang="fr-FR" sz="1200" b="1" dirty="0"/>
+              <a:t>Analyse </a:t>
+            </a:r>
+            <a:r>
+              <a:rPr lang="fr-FR" sz="1200" b="1" dirty="0" err="1"/>
+              <a:t>Shap</a:t>
+            </a:r>
+            <a:r>
+              <a:rPr lang="fr-FR" sz="1200" b="1" dirty="0"/>
+              <a:t> Globale &amp; Individuelle selon des index choisis</a:t>
+            </a:r>
+          </a:p>
+          <a:p>
+            <a:pPr marL="914400" lvl="2" indent="0" algn="just">
+              <a:buNone/>
+            </a:pPr>
+            <a:endParaRPr lang="fr-FR" sz="1400" dirty="0"/>
+          </a:p>
+          <a:p>
+            <a:pPr lvl="1" algn="just"/>
+            <a:r>
+              <a:rPr lang="fr-FR" sz="1400" dirty="0"/>
+              <a:t>Malgré le </a:t>
+            </a:r>
+            <a:r>
+              <a:rPr lang="fr-FR" sz="1400" dirty="0" err="1"/>
+              <a:t>Scoring</a:t>
+            </a:r>
+            <a:r>
+              <a:rPr lang="fr-FR" sz="1400" dirty="0"/>
+              <a:t> </a:t>
+            </a:r>
+            <a:r>
+              <a:rPr lang="fr-FR" sz="1400" dirty="0" err="1"/>
+              <a:t>weights</a:t>
+            </a:r>
+            <a:r>
+              <a:rPr lang="fr-FR" sz="1400" dirty="0"/>
+              <a:t> bas par rapport aux autres modèles, il reste tout de même présent. Cela veut dire que le taux de faux négatifs est toujours présent et peut impacter négativement la banque</a:t>
+            </a:r>
+          </a:p>
+          <a:p>
+            <a:pPr lvl="1" algn="just"/>
+            <a:endParaRPr lang="fr-FR" sz="1400" dirty="0"/>
+          </a:p>
+          <a:p>
+            <a:pPr lvl="1" algn="just"/>
+            <a:r>
+              <a:rPr lang="fr-FR" sz="1400" dirty="0"/>
+              <a:t>Comme le montre les interprétations </a:t>
+            </a:r>
+            <a:r>
+              <a:rPr lang="fr-FR" sz="1400" dirty="0" err="1"/>
+              <a:t>Shap</a:t>
+            </a:r>
+            <a:r>
+              <a:rPr lang="fr-FR" sz="1400" dirty="0"/>
+              <a:t>, de nombreux </a:t>
+            </a:r>
+            <a:r>
+              <a:rPr lang="fr-FR" sz="1400" dirty="0" err="1"/>
+              <a:t>features</a:t>
+            </a:r>
+            <a:r>
+              <a:rPr lang="fr-FR" sz="1400" dirty="0"/>
+              <a:t> impactent positivement ou négativement le modèle. La réduction du </a:t>
+            </a:r>
+            <a:r>
+              <a:rPr lang="fr-FR" sz="1400" dirty="0" err="1"/>
+              <a:t>Dataset</a:t>
+            </a:r>
+            <a:r>
+              <a:rPr lang="fr-FR" sz="1400" dirty="0"/>
+              <a:t> à ces </a:t>
+            </a:r>
+            <a:r>
+              <a:rPr lang="fr-FR" sz="1400" dirty="0" err="1"/>
+              <a:t>features</a:t>
+            </a:r>
+            <a:r>
+              <a:rPr lang="fr-FR" sz="1400" dirty="0"/>
+              <a:t> seulement a permis d’améliorer les résultats de sortie. Cela signifie que certains </a:t>
+            </a:r>
+            <a:r>
+              <a:rPr lang="fr-FR" sz="1400" dirty="0" err="1"/>
+              <a:t>features</a:t>
+            </a:r>
+            <a:r>
+              <a:rPr lang="fr-FR" sz="1400" dirty="0"/>
+              <a:t> perturbaient le modèle mais il faudrait comprendre pourquoi</a:t>
+            </a:r>
+          </a:p>
+          <a:p>
+            <a:pPr lvl="1" algn="just"/>
+            <a:endParaRPr lang="fr-FR" sz="1400" dirty="0"/>
+          </a:p>
+          <a:p>
+            <a:pPr lvl="1" algn="just"/>
+            <a:r>
+              <a:rPr lang="fr-FR" sz="1400" dirty="0"/>
+              <a:t>Les paramètres utilisés dans le </a:t>
+            </a:r>
+            <a:r>
+              <a:rPr lang="fr-FR" sz="1400" dirty="0" err="1"/>
+              <a:t>GridSearchCv</a:t>
+            </a:r>
+            <a:r>
+              <a:rPr lang="fr-FR" sz="1400" dirty="0"/>
+              <a:t> peuvent être grandement améliorés. Les technologies utilisées ne permettent pas d’avoir le modèle le plus optimal possible</a:t>
+            </a:r>
+          </a:p>
+          <a:p>
+            <a:pPr lvl="1" algn="just"/>
+            <a:endParaRPr lang="fr-FR" sz="1400" b="1" dirty="0"/>
+          </a:p>
+        </p:txBody>
+      </p:sp>
     </p:spTree>
     <p:extLst>
       <p:ext uri="{BB962C8B-B14F-4D97-AF65-F5344CB8AC3E}">
-        <p14:creationId xmlns:p14="http://schemas.microsoft.com/office/powerpoint/2010/main" val="2967062838"/>
+        <p14:creationId xmlns:p14="http://schemas.microsoft.com/office/powerpoint/2010/main" val="246012858"/>
       </p:ext>
     </p:extLst>
   </p:cSld>
@@ -19604,290 +19705,10 @@
       </p:grpSpPr>
       <p:sp>
         <p:nvSpPr>
-          <p:cNvPr id="6" name="Espace réservé du contenu 2">
-            <a:extLst>
-              <a:ext uri="{FF2B5EF4-FFF2-40B4-BE49-F238E27FC236}">
-                <a16:creationId xmlns:a16="http://schemas.microsoft.com/office/drawing/2014/main" id="{58406FBD-E0AA-412F-9195-A0EA2AEF7446}"/>
-              </a:ext>
-            </a:extLst>
-          </p:cNvPr>
-          <p:cNvSpPr txBox="1">
-            <a:spLocks/>
-          </p:cNvSpPr>
-          <p:nvPr/>
-        </p:nvSpPr>
-        <p:spPr>
-          <a:xfrm>
-            <a:off x="3402178" y="308213"/>
-            <a:ext cx="5387643" cy="502314"/>
-          </a:xfrm>
-          <a:prstGeom prst="rect">
-            <a:avLst/>
-          </a:prstGeom>
-        </p:spPr>
-        <p:txBody>
-          <a:bodyPr vert="horz" lIns="91440" tIns="45720" rIns="91440" bIns="45720" rtlCol="0">
-            <a:normAutofit fontScale="85000" lnSpcReduction="10000"/>
-          </a:bodyPr>
-          <a:lstStyle>
-            <a:lvl1pPr marL="228600" indent="-228600" algn="l" defTabSz="914400" rtl="0" eaLnBrk="1" latinLnBrk="0" hangingPunct="1">
-              <a:lnSpc>
-                <a:spcPct val="90000"/>
-              </a:lnSpc>
-              <a:spcBef>
-                <a:spcPts val="1000"/>
-              </a:spcBef>
-              <a:buFont typeface="Arial" panose="020B0604020202020204" pitchFamily="34" charset="0"/>
-              <a:buChar char="•"/>
-              <a:defRPr sz="2800" kern="1200">
-                <a:solidFill>
-                  <a:schemeClr val="tx1"/>
-                </a:solidFill>
-                <a:latin typeface="+mn-lt"/>
-                <a:ea typeface="+mn-ea"/>
-                <a:cs typeface="+mn-cs"/>
-              </a:defRPr>
-            </a:lvl1pPr>
-            <a:lvl2pPr marL="685800" indent="-228600" algn="l" defTabSz="914400" rtl="0" eaLnBrk="1" latinLnBrk="0" hangingPunct="1">
-              <a:lnSpc>
-                <a:spcPct val="90000"/>
-              </a:lnSpc>
-              <a:spcBef>
-                <a:spcPts val="500"/>
-              </a:spcBef>
-              <a:buFont typeface="Arial" panose="020B0604020202020204" pitchFamily="34" charset="0"/>
-              <a:buChar char="•"/>
-              <a:defRPr sz="2400" kern="1200">
-                <a:solidFill>
-                  <a:schemeClr val="tx1"/>
-                </a:solidFill>
-                <a:latin typeface="+mn-lt"/>
-                <a:ea typeface="+mn-ea"/>
-                <a:cs typeface="+mn-cs"/>
-              </a:defRPr>
-            </a:lvl2pPr>
-            <a:lvl3pPr marL="1143000" indent="-228600" algn="l" defTabSz="914400" rtl="0" eaLnBrk="1" latinLnBrk="0" hangingPunct="1">
-              <a:lnSpc>
-                <a:spcPct val="90000"/>
-              </a:lnSpc>
-              <a:spcBef>
-                <a:spcPts val="500"/>
-              </a:spcBef>
-              <a:buFont typeface="Arial" panose="020B0604020202020204" pitchFamily="34" charset="0"/>
-              <a:buChar char="•"/>
-              <a:defRPr sz="2000" kern="1200">
-                <a:solidFill>
-                  <a:schemeClr val="tx1"/>
-                </a:solidFill>
-                <a:latin typeface="+mn-lt"/>
-                <a:ea typeface="+mn-ea"/>
-                <a:cs typeface="+mn-cs"/>
-              </a:defRPr>
-            </a:lvl3pPr>
-            <a:lvl4pPr marL="1600200" indent="-228600" algn="l" defTabSz="914400" rtl="0" eaLnBrk="1" latinLnBrk="0" hangingPunct="1">
-              <a:lnSpc>
-                <a:spcPct val="90000"/>
-              </a:lnSpc>
-              <a:spcBef>
-                <a:spcPts val="500"/>
-              </a:spcBef>
-              <a:buFont typeface="Arial" panose="020B0604020202020204" pitchFamily="34" charset="0"/>
-              <a:buChar char="•"/>
-              <a:defRPr sz="1800" kern="1200">
-                <a:solidFill>
-                  <a:schemeClr val="tx1"/>
-                </a:solidFill>
-                <a:latin typeface="+mn-lt"/>
-                <a:ea typeface="+mn-ea"/>
-                <a:cs typeface="+mn-cs"/>
-              </a:defRPr>
-            </a:lvl4pPr>
-            <a:lvl5pPr marL="2057400" indent="-228600" algn="l" defTabSz="914400" rtl="0" eaLnBrk="1" latinLnBrk="0" hangingPunct="1">
-              <a:lnSpc>
-                <a:spcPct val="90000"/>
-              </a:lnSpc>
-              <a:spcBef>
-                <a:spcPts val="500"/>
-              </a:spcBef>
-              <a:buFont typeface="Arial" panose="020B0604020202020204" pitchFamily="34" charset="0"/>
-              <a:buChar char="•"/>
-              <a:defRPr sz="1800" kern="1200">
-                <a:solidFill>
-                  <a:schemeClr val="tx1"/>
-                </a:solidFill>
-                <a:latin typeface="+mn-lt"/>
-                <a:ea typeface="+mn-ea"/>
-                <a:cs typeface="+mn-cs"/>
-              </a:defRPr>
-            </a:lvl5pPr>
-            <a:lvl6pPr marL="2514600" indent="-228600" algn="l" defTabSz="914400" rtl="0" eaLnBrk="1" latinLnBrk="0" hangingPunct="1">
-              <a:lnSpc>
-                <a:spcPct val="90000"/>
-              </a:lnSpc>
-              <a:spcBef>
-                <a:spcPts val="500"/>
-              </a:spcBef>
-              <a:buFont typeface="Arial" panose="020B0604020202020204" pitchFamily="34" charset="0"/>
-              <a:buChar char="•"/>
-              <a:defRPr sz="1800" kern="1200">
-                <a:solidFill>
-                  <a:schemeClr val="tx1"/>
-                </a:solidFill>
-                <a:latin typeface="+mn-lt"/>
-                <a:ea typeface="+mn-ea"/>
-                <a:cs typeface="+mn-cs"/>
-              </a:defRPr>
-            </a:lvl6pPr>
-            <a:lvl7pPr marL="2971800" indent="-228600" algn="l" defTabSz="914400" rtl="0" eaLnBrk="1" latinLnBrk="0" hangingPunct="1">
-              <a:lnSpc>
-                <a:spcPct val="90000"/>
-              </a:lnSpc>
-              <a:spcBef>
-                <a:spcPts val="500"/>
-              </a:spcBef>
-              <a:buFont typeface="Arial" panose="020B0604020202020204" pitchFamily="34" charset="0"/>
-              <a:buChar char="•"/>
-              <a:defRPr sz="1800" kern="1200">
-                <a:solidFill>
-                  <a:schemeClr val="tx1"/>
-                </a:solidFill>
-                <a:latin typeface="+mn-lt"/>
-                <a:ea typeface="+mn-ea"/>
-                <a:cs typeface="+mn-cs"/>
-              </a:defRPr>
-            </a:lvl7pPr>
-            <a:lvl8pPr marL="3429000" indent="-228600" algn="l" defTabSz="914400" rtl="0" eaLnBrk="1" latinLnBrk="0" hangingPunct="1">
-              <a:lnSpc>
-                <a:spcPct val="90000"/>
-              </a:lnSpc>
-              <a:spcBef>
-                <a:spcPts val="500"/>
-              </a:spcBef>
-              <a:buFont typeface="Arial" panose="020B0604020202020204" pitchFamily="34" charset="0"/>
-              <a:buChar char="•"/>
-              <a:defRPr sz="1800" kern="1200">
-                <a:solidFill>
-                  <a:schemeClr val="tx1"/>
-                </a:solidFill>
-                <a:latin typeface="+mn-lt"/>
-                <a:ea typeface="+mn-ea"/>
-                <a:cs typeface="+mn-cs"/>
-              </a:defRPr>
-            </a:lvl8pPr>
-            <a:lvl9pPr marL="3886200" indent="-228600" algn="l" defTabSz="914400" rtl="0" eaLnBrk="1" latinLnBrk="0" hangingPunct="1">
-              <a:lnSpc>
-                <a:spcPct val="90000"/>
-              </a:lnSpc>
-              <a:spcBef>
-                <a:spcPts val="500"/>
-              </a:spcBef>
-              <a:buFont typeface="Arial" panose="020B0604020202020204" pitchFamily="34" charset="0"/>
-              <a:buChar char="•"/>
-              <a:defRPr sz="1800" kern="1200">
-                <a:solidFill>
-                  <a:schemeClr val="tx1"/>
-                </a:solidFill>
-                <a:latin typeface="+mn-lt"/>
-                <a:ea typeface="+mn-ea"/>
-                <a:cs typeface="+mn-cs"/>
-              </a:defRPr>
-            </a:lvl9pPr>
-          </a:lstStyle>
-          <a:p>
-            <a:pPr marL="0" indent="0" algn="ctr">
-              <a:buNone/>
-            </a:pPr>
-            <a:r>
-              <a:rPr lang="fr-FR" sz="2800" b="1" u="sng" dirty="0"/>
-              <a:t>Présentation du Dashboard via </a:t>
-            </a:r>
-            <a:r>
-              <a:rPr lang="fr-FR" sz="2800" b="1" u="sng" dirty="0" err="1"/>
-              <a:t>Streamlit</a:t>
-            </a:r>
-            <a:endParaRPr lang="fr-FR" sz="2100" b="1" u="sng" dirty="0"/>
-          </a:p>
-        </p:txBody>
-      </p:sp>
-      <p:pic>
-        <p:nvPicPr>
-          <p:cNvPr id="8" name="Image 7">
-            <a:extLst>
-              <a:ext uri="{FF2B5EF4-FFF2-40B4-BE49-F238E27FC236}">
-                <a16:creationId xmlns:a16="http://schemas.microsoft.com/office/drawing/2014/main" id="{9511FB9D-E82D-46C3-81DF-9351D1751D25}"/>
-              </a:ext>
-            </a:extLst>
-          </p:cNvPr>
-          <p:cNvPicPr/>
-          <p:nvPr/>
-        </p:nvPicPr>
-        <p:blipFill>
-          <a:blip r:embed="rId3" cstate="print">
-            <a:extLst>
-              <a:ext uri="{28A0092B-C50C-407E-A947-70E740481C1C}">
-                <a14:useLocalDpi xmlns:a14="http://schemas.microsoft.com/office/drawing/2010/main" val="0"/>
-              </a:ext>
-            </a:extLst>
-          </a:blip>
-          <a:stretch>
-            <a:fillRect/>
-          </a:stretch>
-        </p:blipFill>
-        <p:spPr>
-          <a:xfrm>
-            <a:off x="1" y="157255"/>
-            <a:ext cx="1180776" cy="533846"/>
-          </a:xfrm>
-          <a:prstGeom prst="rect">
-            <a:avLst/>
-          </a:prstGeom>
-        </p:spPr>
-      </p:pic>
-      <p:pic>
-        <p:nvPicPr>
-          <p:cNvPr id="9" name="Image 8">
-            <a:extLst>
-              <a:ext uri="{FF2B5EF4-FFF2-40B4-BE49-F238E27FC236}">
-                <a16:creationId xmlns:a16="http://schemas.microsoft.com/office/drawing/2014/main" id="{7792BEBB-26E5-4D7F-BAC8-527ADDCBA53E}"/>
-              </a:ext>
-            </a:extLst>
-          </p:cNvPr>
-          <p:cNvPicPr/>
-          <p:nvPr/>
-        </p:nvPicPr>
-        <p:blipFill>
-          <a:blip r:embed="rId4" cstate="print">
-            <a:extLst>
-              <a:ext uri="{28A0092B-C50C-407E-A947-70E740481C1C}">
-                <a14:useLocalDpi xmlns:a14="http://schemas.microsoft.com/office/drawing/2010/main" val="0"/>
-              </a:ext>
-            </a:extLst>
-          </a:blip>
-          <a:srcRect/>
-          <a:stretch>
-            <a:fillRect/>
-          </a:stretch>
-        </p:blipFill>
-        <p:spPr bwMode="auto">
-          <a:xfrm>
-            <a:off x="1281676" y="181854"/>
-            <a:ext cx="484647" cy="484647"/>
-          </a:xfrm>
-          <a:prstGeom prst="rect">
-            <a:avLst/>
-          </a:prstGeom>
-          <a:noFill/>
-          <a:ln>
-            <a:noFill/>
-          </a:ln>
-        </p:spPr>
-      </p:pic>
-      <p:sp>
-        <p:nvSpPr>
-          <p:cNvPr id="10" name="Espace réservé du numéro de diapositive 3">
-            <a:extLst>
-              <a:ext uri="{FF2B5EF4-FFF2-40B4-BE49-F238E27FC236}">
-                <a16:creationId xmlns:a16="http://schemas.microsoft.com/office/drawing/2014/main" id="{FAE6F624-3F65-4ADB-97C6-61CA2F5FC574}"/>
+          <p:cNvPr id="2" name="Titre 1">
+            <a:extLst>
+              <a:ext uri="{FF2B5EF4-FFF2-40B4-BE49-F238E27FC236}">
+                <a16:creationId xmlns:a16="http://schemas.microsoft.com/office/drawing/2014/main" id="{C36B246E-533F-4CE7-BDD3-2290BC8E4C57}"/>
               </a:ext>
             </a:extLst>
           </p:cNvPr>
@@ -19895,122 +19716,37 @@
             <a:spLocks noGrp="1"/>
           </p:cNvSpPr>
           <p:nvPr>
-            <p:ph type="sldNum" sz="quarter" idx="12"/>
+            <p:ph type="ctrTitle"/>
           </p:nvPr>
         </p:nvSpPr>
         <p:spPr>
           <a:xfrm>
-            <a:off x="8610600" y="6356350"/>
-            <a:ext cx="2743200" cy="365125"/>
-          </a:xfrm>
-        </p:spPr>
-        <p:txBody>
-          <a:bodyPr/>
-          <a:lstStyle/>
-          <a:p>
-            <a:fld id="{422BBE94-6443-42E4-8EFE-37A8E7FF6A57}" type="slidenum">
-              <a:rPr lang="fr-FR" smtClean="0"/>
-              <a:t>34</a:t>
-            </a:fld>
-            <a:endParaRPr lang="fr-FR" dirty="0"/>
-          </a:p>
-        </p:txBody>
-      </p:sp>
-      <p:sp>
-        <p:nvSpPr>
-          <p:cNvPr id="12" name="ZoneTexte 11">
-            <a:extLst>
-              <a:ext uri="{FF2B5EF4-FFF2-40B4-BE49-F238E27FC236}">
-                <a16:creationId xmlns:a16="http://schemas.microsoft.com/office/drawing/2014/main" id="{72292322-1F09-4FD7-9194-8FDE64C7D7B7}"/>
-              </a:ext>
-            </a:extLst>
-          </p:cNvPr>
-          <p:cNvSpPr txBox="1"/>
-          <p:nvPr/>
-        </p:nvSpPr>
-        <p:spPr>
-          <a:xfrm>
-            <a:off x="32697" y="1220726"/>
-            <a:ext cx="10289703" cy="338554"/>
-          </a:xfrm>
-          <a:prstGeom prst="rect">
-            <a:avLst/>
-          </a:prstGeom>
-          <a:noFill/>
-        </p:spPr>
-        <p:txBody>
-          <a:bodyPr wrap="square" rtlCol="0">
-            <a:spAutoFit/>
+            <a:off x="2045616" y="3198510"/>
+            <a:ext cx="8100767" cy="460979"/>
+          </a:xfrm>
+        </p:spPr>
+        <p:txBody>
+          <a:bodyPr>
+            <a:normAutofit fontScale="90000"/>
           </a:bodyPr>
           <a:lstStyle/>
           <a:p>
             <a:r>
-              <a:rPr lang="fr-FR" sz="1600" b="1" u="sng" dirty="0"/>
-              <a:t>Lien d’accès : </a:t>
-            </a:r>
-          </a:p>
-        </p:txBody>
-      </p:sp>
-      <p:pic>
-        <p:nvPicPr>
-          <p:cNvPr id="14" name="Image 13">
-            <a:extLst>
-              <a:ext uri="{FF2B5EF4-FFF2-40B4-BE49-F238E27FC236}">
-                <a16:creationId xmlns:a16="http://schemas.microsoft.com/office/drawing/2014/main" id="{83D9742C-C422-48A1-AFFF-9843868B80B2}"/>
-              </a:ext>
-            </a:extLst>
-          </p:cNvPr>
-          <p:cNvPicPr>
-            <a:picLocks noChangeAspect="1"/>
-          </p:cNvPicPr>
-          <p:nvPr/>
-        </p:nvPicPr>
-        <p:blipFill>
-          <a:blip r:embed="rId5"/>
-          <a:stretch>
-            <a:fillRect/>
-          </a:stretch>
-        </p:blipFill>
-        <p:spPr>
-          <a:xfrm>
-            <a:off x="660399" y="1679392"/>
-            <a:ext cx="10871200" cy="4556845"/>
-          </a:xfrm>
-          <a:prstGeom prst="rect">
-            <a:avLst/>
-          </a:prstGeom>
-        </p:spPr>
-      </p:pic>
-    </p:spTree>
-    <p:extLst>
-      <p:ext uri="{BB962C8B-B14F-4D97-AF65-F5344CB8AC3E}">
-        <p14:creationId xmlns:p14="http://schemas.microsoft.com/office/powerpoint/2010/main" val="4018390935"/>
-      </p:ext>
-    </p:extLst>
-  </p:cSld>
-  <p:clrMapOvr>
-    <a:masterClrMapping/>
-  </p:clrMapOvr>
-</p:sld>
-</file>
-
-<file path=ppt/slides/slide35.xml><?xml version="1.0" encoding="utf-8"?>
-<p:sld xmlns:a="http://schemas.openxmlformats.org/drawingml/2006/main" xmlns:r="http://schemas.openxmlformats.org/officeDocument/2006/relationships" xmlns:p="http://schemas.openxmlformats.org/presentationml/2006/main">
-  <p:cSld>
-    <p:spTree>
-      <p:nvGrpSpPr>
-        <p:cNvPr id="1" name=""/>
-        <p:cNvGrpSpPr/>
-        <p:nvPr/>
-      </p:nvGrpSpPr>
-      <p:grpSpPr>
-        <a:xfrm>
-          <a:off x="0" y="0"/>
-          <a:ext cx="0" cy="0"/>
-          <a:chOff x="0" y="0"/>
-          <a:chExt cx="0" cy="0"/>
-        </a:xfrm>
-      </p:grpSpPr>
+              <a:rPr lang="fr-FR" sz="3600" b="1" u="sng" dirty="0">
+                <a:hlinkClick r:id="rId3"/>
+              </a:rPr>
+              <a:t>Présentation du Dashboard via </a:t>
+            </a:r>
+            <a:r>
+              <a:rPr lang="fr-FR" sz="3600" b="1" u="sng" dirty="0" err="1">
+                <a:hlinkClick r:id="rId3"/>
+              </a:rPr>
+              <a:t>Streamlit</a:t>
+            </a:r>
+            <a:endParaRPr lang="fr-FR" sz="3600" b="1" u="sng" dirty="0"/>
+          </a:p>
+        </p:txBody>
+      </p:sp>
       <p:sp>
         <p:nvSpPr>
           <p:cNvPr id="35" name="Rectangle 34">
@@ -20073,7 +19809,7 @@
           <p:nvPr/>
         </p:nvPicPr>
         <p:blipFill>
-          <a:blip r:embed="rId3" cstate="print">
+          <a:blip r:embed="rId4" cstate="print">
             <a:extLst>
               <a:ext uri="{28A0092B-C50C-407E-A947-70E740481C1C}">
                 <a14:useLocalDpi xmlns:a14="http://schemas.microsoft.com/office/drawing/2010/main" val="0"/>
@@ -20107,7 +19843,7 @@
           <p:nvPr/>
         </p:nvPicPr>
         <p:blipFill>
-          <a:blip r:embed="rId4" cstate="print">
+          <a:blip r:embed="rId5" cstate="print">
             <a:extLst>
               <a:ext uri="{28A0092B-C50C-407E-A947-70E740481C1C}">
                 <a14:useLocalDpi xmlns:a14="http://schemas.microsoft.com/office/drawing/2010/main" val="0"/>
@@ -20133,214 +19869,10 @@
           </a:ln>
         </p:spPr>
       </p:pic>
-      <p:sp>
-        <p:nvSpPr>
-          <p:cNvPr id="9" name="Espace réservé du contenu 2">
-            <a:extLst>
-              <a:ext uri="{FF2B5EF4-FFF2-40B4-BE49-F238E27FC236}">
-                <a16:creationId xmlns:a16="http://schemas.microsoft.com/office/drawing/2014/main" id="{83C6C059-D5E6-4205-A4A2-3C7A274DF329}"/>
-              </a:ext>
-            </a:extLst>
-          </p:cNvPr>
-          <p:cNvSpPr txBox="1">
-            <a:spLocks noGrp="1"/>
-          </p:cNvSpPr>
-          <p:nvPr>
-            <p:ph type="ctrTitle"/>
-          </p:nvPr>
-        </p:nvSpPr>
-        <p:spPr>
-          <a:xfrm>
-            <a:off x="923925" y="3302000"/>
-            <a:ext cx="10344150" cy="460375"/>
-          </a:xfrm>
-          <a:prstGeom prst="rect">
-            <a:avLst/>
-          </a:prstGeom>
-        </p:spPr>
-        <p:txBody>
-          <a:bodyPr vert="horz" lIns="91440" tIns="45720" rIns="91440" bIns="45720" rtlCol="0">
-            <a:noAutofit/>
-          </a:bodyPr>
-          <a:lstStyle>
-            <a:lvl1pPr marL="228600" indent="-228600" algn="l" defTabSz="914400" rtl="0" eaLnBrk="1" latinLnBrk="0" hangingPunct="1">
-              <a:lnSpc>
-                <a:spcPct val="90000"/>
-              </a:lnSpc>
-              <a:spcBef>
-                <a:spcPts val="1000"/>
-              </a:spcBef>
-              <a:buFont typeface="Arial" panose="020B0604020202020204" pitchFamily="34" charset="0"/>
-              <a:buChar char="•"/>
-              <a:defRPr sz="2800" kern="1200">
-                <a:solidFill>
-                  <a:schemeClr val="tx1"/>
-                </a:solidFill>
-                <a:latin typeface="+mn-lt"/>
-                <a:ea typeface="+mn-ea"/>
-                <a:cs typeface="+mn-cs"/>
-              </a:defRPr>
-            </a:lvl1pPr>
-            <a:lvl2pPr marL="685800" indent="-228600" algn="l" defTabSz="914400" rtl="0" eaLnBrk="1" latinLnBrk="0" hangingPunct="1">
-              <a:lnSpc>
-                <a:spcPct val="90000"/>
-              </a:lnSpc>
-              <a:spcBef>
-                <a:spcPts val="500"/>
-              </a:spcBef>
-              <a:buFont typeface="Arial" panose="020B0604020202020204" pitchFamily="34" charset="0"/>
-              <a:buChar char="•"/>
-              <a:defRPr sz="2400" kern="1200">
-                <a:solidFill>
-                  <a:schemeClr val="tx1"/>
-                </a:solidFill>
-                <a:latin typeface="+mn-lt"/>
-                <a:ea typeface="+mn-ea"/>
-                <a:cs typeface="+mn-cs"/>
-              </a:defRPr>
-            </a:lvl2pPr>
-            <a:lvl3pPr marL="1143000" indent="-228600" algn="l" defTabSz="914400" rtl="0" eaLnBrk="1" latinLnBrk="0" hangingPunct="1">
-              <a:lnSpc>
-                <a:spcPct val="90000"/>
-              </a:lnSpc>
-              <a:spcBef>
-                <a:spcPts val="500"/>
-              </a:spcBef>
-              <a:buFont typeface="Arial" panose="020B0604020202020204" pitchFamily="34" charset="0"/>
-              <a:buChar char="•"/>
-              <a:defRPr sz="2000" kern="1200">
-                <a:solidFill>
-                  <a:schemeClr val="tx1"/>
-                </a:solidFill>
-                <a:latin typeface="+mn-lt"/>
-                <a:ea typeface="+mn-ea"/>
-                <a:cs typeface="+mn-cs"/>
-              </a:defRPr>
-            </a:lvl3pPr>
-            <a:lvl4pPr marL="1600200" indent="-228600" algn="l" defTabSz="914400" rtl="0" eaLnBrk="1" latinLnBrk="0" hangingPunct="1">
-              <a:lnSpc>
-                <a:spcPct val="90000"/>
-              </a:lnSpc>
-              <a:spcBef>
-                <a:spcPts val="500"/>
-              </a:spcBef>
-              <a:buFont typeface="Arial" panose="020B0604020202020204" pitchFamily="34" charset="0"/>
-              <a:buChar char="•"/>
-              <a:defRPr sz="1800" kern="1200">
-                <a:solidFill>
-                  <a:schemeClr val="tx1"/>
-                </a:solidFill>
-                <a:latin typeface="+mn-lt"/>
-                <a:ea typeface="+mn-ea"/>
-                <a:cs typeface="+mn-cs"/>
-              </a:defRPr>
-            </a:lvl4pPr>
-            <a:lvl5pPr marL="2057400" indent="-228600" algn="l" defTabSz="914400" rtl="0" eaLnBrk="1" latinLnBrk="0" hangingPunct="1">
-              <a:lnSpc>
-                <a:spcPct val="90000"/>
-              </a:lnSpc>
-              <a:spcBef>
-                <a:spcPts val="500"/>
-              </a:spcBef>
-              <a:buFont typeface="Arial" panose="020B0604020202020204" pitchFamily="34" charset="0"/>
-              <a:buChar char="•"/>
-              <a:defRPr sz="1800" kern="1200">
-                <a:solidFill>
-                  <a:schemeClr val="tx1"/>
-                </a:solidFill>
-                <a:latin typeface="+mn-lt"/>
-                <a:ea typeface="+mn-ea"/>
-                <a:cs typeface="+mn-cs"/>
-              </a:defRPr>
-            </a:lvl5pPr>
-            <a:lvl6pPr marL="2514600" indent="-228600" algn="l" defTabSz="914400" rtl="0" eaLnBrk="1" latinLnBrk="0" hangingPunct="1">
-              <a:lnSpc>
-                <a:spcPct val="90000"/>
-              </a:lnSpc>
-              <a:spcBef>
-                <a:spcPts val="500"/>
-              </a:spcBef>
-              <a:buFont typeface="Arial" panose="020B0604020202020204" pitchFamily="34" charset="0"/>
-              <a:buChar char="•"/>
-              <a:defRPr sz="1800" kern="1200">
-                <a:solidFill>
-                  <a:schemeClr val="tx1"/>
-                </a:solidFill>
-                <a:latin typeface="+mn-lt"/>
-                <a:ea typeface="+mn-ea"/>
-                <a:cs typeface="+mn-cs"/>
-              </a:defRPr>
-            </a:lvl6pPr>
-            <a:lvl7pPr marL="2971800" indent="-228600" algn="l" defTabSz="914400" rtl="0" eaLnBrk="1" latinLnBrk="0" hangingPunct="1">
-              <a:lnSpc>
-                <a:spcPct val="90000"/>
-              </a:lnSpc>
-              <a:spcBef>
-                <a:spcPts val="500"/>
-              </a:spcBef>
-              <a:buFont typeface="Arial" panose="020B0604020202020204" pitchFamily="34" charset="0"/>
-              <a:buChar char="•"/>
-              <a:defRPr sz="1800" kern="1200">
-                <a:solidFill>
-                  <a:schemeClr val="tx1"/>
-                </a:solidFill>
-                <a:latin typeface="+mn-lt"/>
-                <a:ea typeface="+mn-ea"/>
-                <a:cs typeface="+mn-cs"/>
-              </a:defRPr>
-            </a:lvl7pPr>
-            <a:lvl8pPr marL="3429000" indent="-228600" algn="l" defTabSz="914400" rtl="0" eaLnBrk="1" latinLnBrk="0" hangingPunct="1">
-              <a:lnSpc>
-                <a:spcPct val="90000"/>
-              </a:lnSpc>
-              <a:spcBef>
-                <a:spcPts val="500"/>
-              </a:spcBef>
-              <a:buFont typeface="Arial" panose="020B0604020202020204" pitchFamily="34" charset="0"/>
-              <a:buChar char="•"/>
-              <a:defRPr sz="1800" kern="1200">
-                <a:solidFill>
-                  <a:schemeClr val="tx1"/>
-                </a:solidFill>
-                <a:latin typeface="+mn-lt"/>
-                <a:ea typeface="+mn-ea"/>
-                <a:cs typeface="+mn-cs"/>
-              </a:defRPr>
-            </a:lvl8pPr>
-            <a:lvl9pPr marL="3886200" indent="-228600" algn="l" defTabSz="914400" rtl="0" eaLnBrk="1" latinLnBrk="0" hangingPunct="1">
-              <a:lnSpc>
-                <a:spcPct val="90000"/>
-              </a:lnSpc>
-              <a:spcBef>
-                <a:spcPts val="500"/>
-              </a:spcBef>
-              <a:buFont typeface="Arial" panose="020B0604020202020204" pitchFamily="34" charset="0"/>
-              <a:buChar char="•"/>
-              <a:defRPr sz="1800" kern="1200">
-                <a:solidFill>
-                  <a:schemeClr val="tx1"/>
-                </a:solidFill>
-                <a:latin typeface="+mn-lt"/>
-                <a:ea typeface="+mn-ea"/>
-                <a:cs typeface="+mn-cs"/>
-              </a:defRPr>
-            </a:lvl9pPr>
-          </a:lstStyle>
-          <a:p>
-            <a:pPr marL="0" indent="0" algn="ctr">
-              <a:buNone/>
-            </a:pPr>
-            <a:r>
-              <a:rPr lang="fr-FR" u="sng" dirty="0"/>
-              <a:t>Critiques &amp; Conclusion</a:t>
-            </a:r>
-          </a:p>
-        </p:txBody>
-      </p:sp>
     </p:spTree>
     <p:extLst>
       <p:ext uri="{BB962C8B-B14F-4D97-AF65-F5344CB8AC3E}">
-        <p14:creationId xmlns:p14="http://schemas.microsoft.com/office/powerpoint/2010/main" val="2003839979"/>
+        <p14:creationId xmlns:p14="http://schemas.microsoft.com/office/powerpoint/2010/main" val="2967062838"/>
       </p:ext>
     </p:extLst>
   </p:cSld>
@@ -20350,899 +19882,7 @@
 </p:sld>
 </file>
 
-<file path=ppt/slides/slide36.xml><?xml version="1.0" encoding="utf-8"?>
-<p:sld xmlns:a="http://schemas.openxmlformats.org/drawingml/2006/main" xmlns:r="http://schemas.openxmlformats.org/officeDocument/2006/relationships" xmlns:p="http://schemas.openxmlformats.org/presentationml/2006/main">
-  <p:cSld>
-    <p:spTree>
-      <p:nvGrpSpPr>
-        <p:cNvPr id="1" name=""/>
-        <p:cNvGrpSpPr/>
-        <p:nvPr/>
-      </p:nvGrpSpPr>
-      <p:grpSpPr>
-        <a:xfrm>
-          <a:off x="0" y="0"/>
-          <a:ext cx="0" cy="0"/>
-          <a:chOff x="0" y="0"/>
-          <a:chExt cx="0" cy="0"/>
-        </a:xfrm>
-      </p:grpSpPr>
-      <p:sp>
-        <p:nvSpPr>
-          <p:cNvPr id="6" name="Espace réservé du contenu 2">
-            <a:extLst>
-              <a:ext uri="{FF2B5EF4-FFF2-40B4-BE49-F238E27FC236}">
-                <a16:creationId xmlns:a16="http://schemas.microsoft.com/office/drawing/2014/main" id="{58406FBD-E0AA-412F-9195-A0EA2AEF7446}"/>
-              </a:ext>
-            </a:extLst>
-          </p:cNvPr>
-          <p:cNvSpPr txBox="1">
-            <a:spLocks/>
-          </p:cNvSpPr>
-          <p:nvPr/>
-        </p:nvSpPr>
-        <p:spPr>
-          <a:xfrm>
-            <a:off x="3402178" y="308213"/>
-            <a:ext cx="5387643" cy="502314"/>
-          </a:xfrm>
-          <a:prstGeom prst="rect">
-            <a:avLst/>
-          </a:prstGeom>
-        </p:spPr>
-        <p:txBody>
-          <a:bodyPr vert="horz" lIns="91440" tIns="45720" rIns="91440" bIns="45720" rtlCol="0">
-            <a:normAutofit/>
-          </a:bodyPr>
-          <a:lstStyle>
-            <a:lvl1pPr marL="228600" indent="-228600" algn="l" defTabSz="914400" rtl="0" eaLnBrk="1" latinLnBrk="0" hangingPunct="1">
-              <a:lnSpc>
-                <a:spcPct val="90000"/>
-              </a:lnSpc>
-              <a:spcBef>
-                <a:spcPts val="1000"/>
-              </a:spcBef>
-              <a:buFont typeface="Arial" panose="020B0604020202020204" pitchFamily="34" charset="0"/>
-              <a:buChar char="•"/>
-              <a:defRPr sz="2800" kern="1200">
-                <a:solidFill>
-                  <a:schemeClr val="tx1"/>
-                </a:solidFill>
-                <a:latin typeface="+mn-lt"/>
-                <a:ea typeface="+mn-ea"/>
-                <a:cs typeface="+mn-cs"/>
-              </a:defRPr>
-            </a:lvl1pPr>
-            <a:lvl2pPr marL="685800" indent="-228600" algn="l" defTabSz="914400" rtl="0" eaLnBrk="1" latinLnBrk="0" hangingPunct="1">
-              <a:lnSpc>
-                <a:spcPct val="90000"/>
-              </a:lnSpc>
-              <a:spcBef>
-                <a:spcPts val="500"/>
-              </a:spcBef>
-              <a:buFont typeface="Arial" panose="020B0604020202020204" pitchFamily="34" charset="0"/>
-              <a:buChar char="•"/>
-              <a:defRPr sz="2400" kern="1200">
-                <a:solidFill>
-                  <a:schemeClr val="tx1"/>
-                </a:solidFill>
-                <a:latin typeface="+mn-lt"/>
-                <a:ea typeface="+mn-ea"/>
-                <a:cs typeface="+mn-cs"/>
-              </a:defRPr>
-            </a:lvl2pPr>
-            <a:lvl3pPr marL="1143000" indent="-228600" algn="l" defTabSz="914400" rtl="0" eaLnBrk="1" latinLnBrk="0" hangingPunct="1">
-              <a:lnSpc>
-                <a:spcPct val="90000"/>
-              </a:lnSpc>
-              <a:spcBef>
-                <a:spcPts val="500"/>
-              </a:spcBef>
-              <a:buFont typeface="Arial" panose="020B0604020202020204" pitchFamily="34" charset="0"/>
-              <a:buChar char="•"/>
-              <a:defRPr sz="2000" kern="1200">
-                <a:solidFill>
-                  <a:schemeClr val="tx1"/>
-                </a:solidFill>
-                <a:latin typeface="+mn-lt"/>
-                <a:ea typeface="+mn-ea"/>
-                <a:cs typeface="+mn-cs"/>
-              </a:defRPr>
-            </a:lvl3pPr>
-            <a:lvl4pPr marL="1600200" indent="-228600" algn="l" defTabSz="914400" rtl="0" eaLnBrk="1" latinLnBrk="0" hangingPunct="1">
-              <a:lnSpc>
-                <a:spcPct val="90000"/>
-              </a:lnSpc>
-              <a:spcBef>
-                <a:spcPts val="500"/>
-              </a:spcBef>
-              <a:buFont typeface="Arial" panose="020B0604020202020204" pitchFamily="34" charset="0"/>
-              <a:buChar char="•"/>
-              <a:defRPr sz="1800" kern="1200">
-                <a:solidFill>
-                  <a:schemeClr val="tx1"/>
-                </a:solidFill>
-                <a:latin typeface="+mn-lt"/>
-                <a:ea typeface="+mn-ea"/>
-                <a:cs typeface="+mn-cs"/>
-              </a:defRPr>
-            </a:lvl4pPr>
-            <a:lvl5pPr marL="2057400" indent="-228600" algn="l" defTabSz="914400" rtl="0" eaLnBrk="1" latinLnBrk="0" hangingPunct="1">
-              <a:lnSpc>
-                <a:spcPct val="90000"/>
-              </a:lnSpc>
-              <a:spcBef>
-                <a:spcPts val="500"/>
-              </a:spcBef>
-              <a:buFont typeface="Arial" panose="020B0604020202020204" pitchFamily="34" charset="0"/>
-              <a:buChar char="•"/>
-              <a:defRPr sz="1800" kern="1200">
-                <a:solidFill>
-                  <a:schemeClr val="tx1"/>
-                </a:solidFill>
-                <a:latin typeface="+mn-lt"/>
-                <a:ea typeface="+mn-ea"/>
-                <a:cs typeface="+mn-cs"/>
-              </a:defRPr>
-            </a:lvl5pPr>
-            <a:lvl6pPr marL="2514600" indent="-228600" algn="l" defTabSz="914400" rtl="0" eaLnBrk="1" latinLnBrk="0" hangingPunct="1">
-              <a:lnSpc>
-                <a:spcPct val="90000"/>
-              </a:lnSpc>
-              <a:spcBef>
-                <a:spcPts val="500"/>
-              </a:spcBef>
-              <a:buFont typeface="Arial" panose="020B0604020202020204" pitchFamily="34" charset="0"/>
-              <a:buChar char="•"/>
-              <a:defRPr sz="1800" kern="1200">
-                <a:solidFill>
-                  <a:schemeClr val="tx1"/>
-                </a:solidFill>
-                <a:latin typeface="+mn-lt"/>
-                <a:ea typeface="+mn-ea"/>
-                <a:cs typeface="+mn-cs"/>
-              </a:defRPr>
-            </a:lvl6pPr>
-            <a:lvl7pPr marL="2971800" indent="-228600" algn="l" defTabSz="914400" rtl="0" eaLnBrk="1" latinLnBrk="0" hangingPunct="1">
-              <a:lnSpc>
-                <a:spcPct val="90000"/>
-              </a:lnSpc>
-              <a:spcBef>
-                <a:spcPts val="500"/>
-              </a:spcBef>
-              <a:buFont typeface="Arial" panose="020B0604020202020204" pitchFamily="34" charset="0"/>
-              <a:buChar char="•"/>
-              <a:defRPr sz="1800" kern="1200">
-                <a:solidFill>
-                  <a:schemeClr val="tx1"/>
-                </a:solidFill>
-                <a:latin typeface="+mn-lt"/>
-                <a:ea typeface="+mn-ea"/>
-                <a:cs typeface="+mn-cs"/>
-              </a:defRPr>
-            </a:lvl7pPr>
-            <a:lvl8pPr marL="3429000" indent="-228600" algn="l" defTabSz="914400" rtl="0" eaLnBrk="1" latinLnBrk="0" hangingPunct="1">
-              <a:lnSpc>
-                <a:spcPct val="90000"/>
-              </a:lnSpc>
-              <a:spcBef>
-                <a:spcPts val="500"/>
-              </a:spcBef>
-              <a:buFont typeface="Arial" panose="020B0604020202020204" pitchFamily="34" charset="0"/>
-              <a:buChar char="•"/>
-              <a:defRPr sz="1800" kern="1200">
-                <a:solidFill>
-                  <a:schemeClr val="tx1"/>
-                </a:solidFill>
-                <a:latin typeface="+mn-lt"/>
-                <a:ea typeface="+mn-ea"/>
-                <a:cs typeface="+mn-cs"/>
-              </a:defRPr>
-            </a:lvl8pPr>
-            <a:lvl9pPr marL="3886200" indent="-228600" algn="l" defTabSz="914400" rtl="0" eaLnBrk="1" latinLnBrk="0" hangingPunct="1">
-              <a:lnSpc>
-                <a:spcPct val="90000"/>
-              </a:lnSpc>
-              <a:spcBef>
-                <a:spcPts val="500"/>
-              </a:spcBef>
-              <a:buFont typeface="Arial" panose="020B0604020202020204" pitchFamily="34" charset="0"/>
-              <a:buChar char="•"/>
-              <a:defRPr sz="1800" kern="1200">
-                <a:solidFill>
-                  <a:schemeClr val="tx1"/>
-                </a:solidFill>
-                <a:latin typeface="+mn-lt"/>
-                <a:ea typeface="+mn-ea"/>
-                <a:cs typeface="+mn-cs"/>
-              </a:defRPr>
-            </a:lvl9pPr>
-          </a:lstStyle>
-          <a:p>
-            <a:pPr marL="0" indent="0" algn="ctr">
-              <a:buNone/>
-            </a:pPr>
-            <a:r>
-              <a:rPr lang="fr-FR" b="1" u="sng" dirty="0"/>
-              <a:t>Critiques &amp; Conclusion</a:t>
-            </a:r>
-            <a:endParaRPr lang="fr-FR" sz="2100" b="1" u="sng" dirty="0"/>
-          </a:p>
-        </p:txBody>
-      </p:sp>
-      <p:pic>
-        <p:nvPicPr>
-          <p:cNvPr id="8" name="Image 7">
-            <a:extLst>
-              <a:ext uri="{FF2B5EF4-FFF2-40B4-BE49-F238E27FC236}">
-                <a16:creationId xmlns:a16="http://schemas.microsoft.com/office/drawing/2014/main" id="{9511FB9D-E82D-46C3-81DF-9351D1751D25}"/>
-              </a:ext>
-            </a:extLst>
-          </p:cNvPr>
-          <p:cNvPicPr/>
-          <p:nvPr/>
-        </p:nvPicPr>
-        <p:blipFill>
-          <a:blip r:embed="rId3" cstate="print">
-            <a:extLst>
-              <a:ext uri="{28A0092B-C50C-407E-A947-70E740481C1C}">
-                <a14:useLocalDpi xmlns:a14="http://schemas.microsoft.com/office/drawing/2010/main" val="0"/>
-              </a:ext>
-            </a:extLst>
-          </a:blip>
-          <a:stretch>
-            <a:fillRect/>
-          </a:stretch>
-        </p:blipFill>
-        <p:spPr>
-          <a:xfrm>
-            <a:off x="1" y="157255"/>
-            <a:ext cx="1180776" cy="533846"/>
-          </a:xfrm>
-          <a:prstGeom prst="rect">
-            <a:avLst/>
-          </a:prstGeom>
-        </p:spPr>
-      </p:pic>
-      <p:pic>
-        <p:nvPicPr>
-          <p:cNvPr id="9" name="Image 8">
-            <a:extLst>
-              <a:ext uri="{FF2B5EF4-FFF2-40B4-BE49-F238E27FC236}">
-                <a16:creationId xmlns:a16="http://schemas.microsoft.com/office/drawing/2014/main" id="{7792BEBB-26E5-4D7F-BAC8-527ADDCBA53E}"/>
-              </a:ext>
-            </a:extLst>
-          </p:cNvPr>
-          <p:cNvPicPr/>
-          <p:nvPr/>
-        </p:nvPicPr>
-        <p:blipFill>
-          <a:blip r:embed="rId4" cstate="print">
-            <a:extLst>
-              <a:ext uri="{28A0092B-C50C-407E-A947-70E740481C1C}">
-                <a14:useLocalDpi xmlns:a14="http://schemas.microsoft.com/office/drawing/2010/main" val="0"/>
-              </a:ext>
-            </a:extLst>
-          </a:blip>
-          <a:srcRect/>
-          <a:stretch>
-            <a:fillRect/>
-          </a:stretch>
-        </p:blipFill>
-        <p:spPr bwMode="auto">
-          <a:xfrm>
-            <a:off x="1281676" y="181854"/>
-            <a:ext cx="484647" cy="484647"/>
-          </a:xfrm>
-          <a:prstGeom prst="rect">
-            <a:avLst/>
-          </a:prstGeom>
-          <a:noFill/>
-          <a:ln>
-            <a:noFill/>
-          </a:ln>
-        </p:spPr>
-      </p:pic>
-      <p:sp>
-        <p:nvSpPr>
-          <p:cNvPr id="3" name="Espace réservé du numéro de diapositive 2">
-            <a:extLst>
-              <a:ext uri="{FF2B5EF4-FFF2-40B4-BE49-F238E27FC236}">
-                <a16:creationId xmlns:a16="http://schemas.microsoft.com/office/drawing/2014/main" id="{6FC55CD1-4CDE-4BE1-8EB6-59FD12550BC7}"/>
-              </a:ext>
-            </a:extLst>
-          </p:cNvPr>
-          <p:cNvSpPr>
-            <a:spLocks noGrp="1"/>
-          </p:cNvSpPr>
-          <p:nvPr>
-            <p:ph type="sldNum" sz="quarter" idx="12"/>
-          </p:nvPr>
-        </p:nvSpPr>
-        <p:spPr/>
-        <p:txBody>
-          <a:bodyPr/>
-          <a:lstStyle/>
-          <a:p>
-            <a:fld id="{422BBE94-6443-42E4-8EFE-37A8E7FF6A57}" type="slidenum">
-              <a:rPr lang="fr-FR" smtClean="0"/>
-              <a:t>36</a:t>
-            </a:fld>
-            <a:endParaRPr lang="fr-FR"/>
-          </a:p>
-        </p:txBody>
-      </p:sp>
-      <p:sp>
-        <p:nvSpPr>
-          <p:cNvPr id="11" name="Espace réservé du contenu 2">
-            <a:extLst>
-              <a:ext uri="{FF2B5EF4-FFF2-40B4-BE49-F238E27FC236}">
-                <a16:creationId xmlns:a16="http://schemas.microsoft.com/office/drawing/2014/main" id="{C1E7F01A-8758-47DD-8200-9AB14C20B7ED}"/>
-              </a:ext>
-            </a:extLst>
-          </p:cNvPr>
-          <p:cNvSpPr txBox="1">
-            <a:spLocks/>
-          </p:cNvSpPr>
-          <p:nvPr/>
-        </p:nvSpPr>
-        <p:spPr>
-          <a:xfrm>
-            <a:off x="185791" y="1343218"/>
-            <a:ext cx="8251073" cy="502314"/>
-          </a:xfrm>
-          <a:prstGeom prst="rect">
-            <a:avLst/>
-          </a:prstGeom>
-        </p:spPr>
-        <p:txBody>
-          <a:bodyPr vert="horz" lIns="91440" tIns="45720" rIns="91440" bIns="45720" rtlCol="0">
-            <a:normAutofit/>
-          </a:bodyPr>
-          <a:lstStyle>
-            <a:lvl1pPr marL="228600" indent="-228600" algn="l" defTabSz="914400" rtl="0" eaLnBrk="1" latinLnBrk="0" hangingPunct="1">
-              <a:lnSpc>
-                <a:spcPct val="90000"/>
-              </a:lnSpc>
-              <a:spcBef>
-                <a:spcPts val="1000"/>
-              </a:spcBef>
-              <a:buFont typeface="Arial" panose="020B0604020202020204" pitchFamily="34" charset="0"/>
-              <a:buChar char="•"/>
-              <a:defRPr sz="2800" kern="1200">
-                <a:solidFill>
-                  <a:schemeClr val="tx1"/>
-                </a:solidFill>
-                <a:latin typeface="+mn-lt"/>
-                <a:ea typeface="+mn-ea"/>
-                <a:cs typeface="+mn-cs"/>
-              </a:defRPr>
-            </a:lvl1pPr>
-            <a:lvl2pPr marL="685800" indent="-228600" algn="l" defTabSz="914400" rtl="0" eaLnBrk="1" latinLnBrk="0" hangingPunct="1">
-              <a:lnSpc>
-                <a:spcPct val="90000"/>
-              </a:lnSpc>
-              <a:spcBef>
-                <a:spcPts val="500"/>
-              </a:spcBef>
-              <a:buFont typeface="Arial" panose="020B0604020202020204" pitchFamily="34" charset="0"/>
-              <a:buChar char="•"/>
-              <a:defRPr sz="2400" kern="1200">
-                <a:solidFill>
-                  <a:schemeClr val="tx1"/>
-                </a:solidFill>
-                <a:latin typeface="+mn-lt"/>
-                <a:ea typeface="+mn-ea"/>
-                <a:cs typeface="+mn-cs"/>
-              </a:defRPr>
-            </a:lvl2pPr>
-            <a:lvl3pPr marL="1143000" indent="-228600" algn="l" defTabSz="914400" rtl="0" eaLnBrk="1" latinLnBrk="0" hangingPunct="1">
-              <a:lnSpc>
-                <a:spcPct val="90000"/>
-              </a:lnSpc>
-              <a:spcBef>
-                <a:spcPts val="500"/>
-              </a:spcBef>
-              <a:buFont typeface="Arial" panose="020B0604020202020204" pitchFamily="34" charset="0"/>
-              <a:buChar char="•"/>
-              <a:defRPr sz="2000" kern="1200">
-                <a:solidFill>
-                  <a:schemeClr val="tx1"/>
-                </a:solidFill>
-                <a:latin typeface="+mn-lt"/>
-                <a:ea typeface="+mn-ea"/>
-                <a:cs typeface="+mn-cs"/>
-              </a:defRPr>
-            </a:lvl3pPr>
-            <a:lvl4pPr marL="1600200" indent="-228600" algn="l" defTabSz="914400" rtl="0" eaLnBrk="1" latinLnBrk="0" hangingPunct="1">
-              <a:lnSpc>
-                <a:spcPct val="90000"/>
-              </a:lnSpc>
-              <a:spcBef>
-                <a:spcPts val="500"/>
-              </a:spcBef>
-              <a:buFont typeface="Arial" panose="020B0604020202020204" pitchFamily="34" charset="0"/>
-              <a:buChar char="•"/>
-              <a:defRPr sz="1800" kern="1200">
-                <a:solidFill>
-                  <a:schemeClr val="tx1"/>
-                </a:solidFill>
-                <a:latin typeface="+mn-lt"/>
-                <a:ea typeface="+mn-ea"/>
-                <a:cs typeface="+mn-cs"/>
-              </a:defRPr>
-            </a:lvl4pPr>
-            <a:lvl5pPr marL="2057400" indent="-228600" algn="l" defTabSz="914400" rtl="0" eaLnBrk="1" latinLnBrk="0" hangingPunct="1">
-              <a:lnSpc>
-                <a:spcPct val="90000"/>
-              </a:lnSpc>
-              <a:spcBef>
-                <a:spcPts val="500"/>
-              </a:spcBef>
-              <a:buFont typeface="Arial" panose="020B0604020202020204" pitchFamily="34" charset="0"/>
-              <a:buChar char="•"/>
-              <a:defRPr sz="1800" kern="1200">
-                <a:solidFill>
-                  <a:schemeClr val="tx1"/>
-                </a:solidFill>
-                <a:latin typeface="+mn-lt"/>
-                <a:ea typeface="+mn-ea"/>
-                <a:cs typeface="+mn-cs"/>
-              </a:defRPr>
-            </a:lvl5pPr>
-            <a:lvl6pPr marL="2514600" indent="-228600" algn="l" defTabSz="914400" rtl="0" eaLnBrk="1" latinLnBrk="0" hangingPunct="1">
-              <a:lnSpc>
-                <a:spcPct val="90000"/>
-              </a:lnSpc>
-              <a:spcBef>
-                <a:spcPts val="500"/>
-              </a:spcBef>
-              <a:buFont typeface="Arial" panose="020B0604020202020204" pitchFamily="34" charset="0"/>
-              <a:buChar char="•"/>
-              <a:defRPr sz="1800" kern="1200">
-                <a:solidFill>
-                  <a:schemeClr val="tx1"/>
-                </a:solidFill>
-                <a:latin typeface="+mn-lt"/>
-                <a:ea typeface="+mn-ea"/>
-                <a:cs typeface="+mn-cs"/>
-              </a:defRPr>
-            </a:lvl6pPr>
-            <a:lvl7pPr marL="2971800" indent="-228600" algn="l" defTabSz="914400" rtl="0" eaLnBrk="1" latinLnBrk="0" hangingPunct="1">
-              <a:lnSpc>
-                <a:spcPct val="90000"/>
-              </a:lnSpc>
-              <a:spcBef>
-                <a:spcPts val="500"/>
-              </a:spcBef>
-              <a:buFont typeface="Arial" panose="020B0604020202020204" pitchFamily="34" charset="0"/>
-              <a:buChar char="•"/>
-              <a:defRPr sz="1800" kern="1200">
-                <a:solidFill>
-                  <a:schemeClr val="tx1"/>
-                </a:solidFill>
-                <a:latin typeface="+mn-lt"/>
-                <a:ea typeface="+mn-ea"/>
-                <a:cs typeface="+mn-cs"/>
-              </a:defRPr>
-            </a:lvl7pPr>
-            <a:lvl8pPr marL="3429000" indent="-228600" algn="l" defTabSz="914400" rtl="0" eaLnBrk="1" latinLnBrk="0" hangingPunct="1">
-              <a:lnSpc>
-                <a:spcPct val="90000"/>
-              </a:lnSpc>
-              <a:spcBef>
-                <a:spcPts val="500"/>
-              </a:spcBef>
-              <a:buFont typeface="Arial" panose="020B0604020202020204" pitchFamily="34" charset="0"/>
-              <a:buChar char="•"/>
-              <a:defRPr sz="1800" kern="1200">
-                <a:solidFill>
-                  <a:schemeClr val="tx1"/>
-                </a:solidFill>
-                <a:latin typeface="+mn-lt"/>
-                <a:ea typeface="+mn-ea"/>
-                <a:cs typeface="+mn-cs"/>
-              </a:defRPr>
-            </a:lvl8pPr>
-            <a:lvl9pPr marL="3886200" indent="-228600" algn="l" defTabSz="914400" rtl="0" eaLnBrk="1" latinLnBrk="0" hangingPunct="1">
-              <a:lnSpc>
-                <a:spcPct val="90000"/>
-              </a:lnSpc>
-              <a:spcBef>
-                <a:spcPts val="500"/>
-              </a:spcBef>
-              <a:buFont typeface="Arial" panose="020B0604020202020204" pitchFamily="34" charset="0"/>
-              <a:buChar char="•"/>
-              <a:defRPr sz="1800" kern="1200">
-                <a:solidFill>
-                  <a:schemeClr val="tx1"/>
-                </a:solidFill>
-                <a:latin typeface="+mn-lt"/>
-                <a:ea typeface="+mn-ea"/>
-                <a:cs typeface="+mn-cs"/>
-              </a:defRPr>
-            </a:lvl9pPr>
-          </a:lstStyle>
-          <a:p>
-            <a:pPr marL="0" indent="0" algn="just">
-              <a:buFont typeface="Arial" panose="020B0604020202020204" pitchFamily="34" charset="0"/>
-              <a:buNone/>
-            </a:pPr>
-            <a:r>
-              <a:rPr lang="fr-FR" sz="2000" b="1" u="sng" dirty="0"/>
-              <a:t>Conclusion</a:t>
-            </a:r>
-          </a:p>
-        </p:txBody>
-      </p:sp>
-      <p:sp>
-        <p:nvSpPr>
-          <p:cNvPr id="12" name="Espace réservé du contenu 2">
-            <a:extLst>
-              <a:ext uri="{FF2B5EF4-FFF2-40B4-BE49-F238E27FC236}">
-                <a16:creationId xmlns:a16="http://schemas.microsoft.com/office/drawing/2014/main" id="{D37D9982-3F2B-46E0-9735-FFEB75B889E0}"/>
-              </a:ext>
-            </a:extLst>
-          </p:cNvPr>
-          <p:cNvSpPr txBox="1">
-            <a:spLocks/>
-          </p:cNvSpPr>
-          <p:nvPr/>
-        </p:nvSpPr>
-        <p:spPr>
-          <a:xfrm>
-            <a:off x="-249814" y="1845532"/>
-            <a:ext cx="12305479" cy="4830614"/>
-          </a:xfrm>
-          <a:prstGeom prst="rect">
-            <a:avLst/>
-          </a:prstGeom>
-        </p:spPr>
-        <p:txBody>
-          <a:bodyPr vert="horz" lIns="91440" tIns="45720" rIns="91440" bIns="45720" rtlCol="0">
-            <a:noAutofit/>
-          </a:bodyPr>
-          <a:lstStyle>
-            <a:lvl1pPr marL="228600" indent="-228600" algn="l" defTabSz="914400" rtl="0" eaLnBrk="1" latinLnBrk="0" hangingPunct="1">
-              <a:lnSpc>
-                <a:spcPct val="90000"/>
-              </a:lnSpc>
-              <a:spcBef>
-                <a:spcPts val="1000"/>
-              </a:spcBef>
-              <a:buFont typeface="Arial" panose="020B0604020202020204" pitchFamily="34" charset="0"/>
-              <a:buChar char="•"/>
-              <a:defRPr sz="2800" kern="1200">
-                <a:solidFill>
-                  <a:schemeClr val="tx1"/>
-                </a:solidFill>
-                <a:latin typeface="+mn-lt"/>
-                <a:ea typeface="+mn-ea"/>
-                <a:cs typeface="+mn-cs"/>
-              </a:defRPr>
-            </a:lvl1pPr>
-            <a:lvl2pPr marL="685800" indent="-228600" algn="l" defTabSz="914400" rtl="0" eaLnBrk="1" latinLnBrk="0" hangingPunct="1">
-              <a:lnSpc>
-                <a:spcPct val="90000"/>
-              </a:lnSpc>
-              <a:spcBef>
-                <a:spcPts val="500"/>
-              </a:spcBef>
-              <a:buFont typeface="Arial" panose="020B0604020202020204" pitchFamily="34" charset="0"/>
-              <a:buChar char="•"/>
-              <a:defRPr sz="2400" kern="1200">
-                <a:solidFill>
-                  <a:schemeClr val="tx1"/>
-                </a:solidFill>
-                <a:latin typeface="+mn-lt"/>
-                <a:ea typeface="+mn-ea"/>
-                <a:cs typeface="+mn-cs"/>
-              </a:defRPr>
-            </a:lvl2pPr>
-            <a:lvl3pPr marL="1143000" indent="-228600" algn="l" defTabSz="914400" rtl="0" eaLnBrk="1" latinLnBrk="0" hangingPunct="1">
-              <a:lnSpc>
-                <a:spcPct val="90000"/>
-              </a:lnSpc>
-              <a:spcBef>
-                <a:spcPts val="500"/>
-              </a:spcBef>
-              <a:buFont typeface="Arial" panose="020B0604020202020204" pitchFamily="34" charset="0"/>
-              <a:buChar char="•"/>
-              <a:defRPr sz="2000" kern="1200">
-                <a:solidFill>
-                  <a:schemeClr val="tx1"/>
-                </a:solidFill>
-                <a:latin typeface="+mn-lt"/>
-                <a:ea typeface="+mn-ea"/>
-                <a:cs typeface="+mn-cs"/>
-              </a:defRPr>
-            </a:lvl3pPr>
-            <a:lvl4pPr marL="1600200" indent="-228600" algn="l" defTabSz="914400" rtl="0" eaLnBrk="1" latinLnBrk="0" hangingPunct="1">
-              <a:lnSpc>
-                <a:spcPct val="90000"/>
-              </a:lnSpc>
-              <a:spcBef>
-                <a:spcPts val="500"/>
-              </a:spcBef>
-              <a:buFont typeface="Arial" panose="020B0604020202020204" pitchFamily="34" charset="0"/>
-              <a:buChar char="•"/>
-              <a:defRPr sz="1800" kern="1200">
-                <a:solidFill>
-                  <a:schemeClr val="tx1"/>
-                </a:solidFill>
-                <a:latin typeface="+mn-lt"/>
-                <a:ea typeface="+mn-ea"/>
-                <a:cs typeface="+mn-cs"/>
-              </a:defRPr>
-            </a:lvl4pPr>
-            <a:lvl5pPr marL="2057400" indent="-228600" algn="l" defTabSz="914400" rtl="0" eaLnBrk="1" latinLnBrk="0" hangingPunct="1">
-              <a:lnSpc>
-                <a:spcPct val="90000"/>
-              </a:lnSpc>
-              <a:spcBef>
-                <a:spcPts val="500"/>
-              </a:spcBef>
-              <a:buFont typeface="Arial" panose="020B0604020202020204" pitchFamily="34" charset="0"/>
-              <a:buChar char="•"/>
-              <a:defRPr sz="1800" kern="1200">
-                <a:solidFill>
-                  <a:schemeClr val="tx1"/>
-                </a:solidFill>
-                <a:latin typeface="+mn-lt"/>
-                <a:ea typeface="+mn-ea"/>
-                <a:cs typeface="+mn-cs"/>
-              </a:defRPr>
-            </a:lvl5pPr>
-            <a:lvl6pPr marL="2514600" indent="-228600" algn="l" defTabSz="914400" rtl="0" eaLnBrk="1" latinLnBrk="0" hangingPunct="1">
-              <a:lnSpc>
-                <a:spcPct val="90000"/>
-              </a:lnSpc>
-              <a:spcBef>
-                <a:spcPts val="500"/>
-              </a:spcBef>
-              <a:buFont typeface="Arial" panose="020B0604020202020204" pitchFamily="34" charset="0"/>
-              <a:buChar char="•"/>
-              <a:defRPr sz="1800" kern="1200">
-                <a:solidFill>
-                  <a:schemeClr val="tx1"/>
-                </a:solidFill>
-                <a:latin typeface="+mn-lt"/>
-                <a:ea typeface="+mn-ea"/>
-                <a:cs typeface="+mn-cs"/>
-              </a:defRPr>
-            </a:lvl6pPr>
-            <a:lvl7pPr marL="2971800" indent="-228600" algn="l" defTabSz="914400" rtl="0" eaLnBrk="1" latinLnBrk="0" hangingPunct="1">
-              <a:lnSpc>
-                <a:spcPct val="90000"/>
-              </a:lnSpc>
-              <a:spcBef>
-                <a:spcPts val="500"/>
-              </a:spcBef>
-              <a:buFont typeface="Arial" panose="020B0604020202020204" pitchFamily="34" charset="0"/>
-              <a:buChar char="•"/>
-              <a:defRPr sz="1800" kern="1200">
-                <a:solidFill>
-                  <a:schemeClr val="tx1"/>
-                </a:solidFill>
-                <a:latin typeface="+mn-lt"/>
-                <a:ea typeface="+mn-ea"/>
-                <a:cs typeface="+mn-cs"/>
-              </a:defRPr>
-            </a:lvl7pPr>
-            <a:lvl8pPr marL="3429000" indent="-228600" algn="l" defTabSz="914400" rtl="0" eaLnBrk="1" latinLnBrk="0" hangingPunct="1">
-              <a:lnSpc>
-                <a:spcPct val="90000"/>
-              </a:lnSpc>
-              <a:spcBef>
-                <a:spcPts val="500"/>
-              </a:spcBef>
-              <a:buFont typeface="Arial" panose="020B0604020202020204" pitchFamily="34" charset="0"/>
-              <a:buChar char="•"/>
-              <a:defRPr sz="1800" kern="1200">
-                <a:solidFill>
-                  <a:schemeClr val="tx1"/>
-                </a:solidFill>
-                <a:latin typeface="+mn-lt"/>
-                <a:ea typeface="+mn-ea"/>
-                <a:cs typeface="+mn-cs"/>
-              </a:defRPr>
-            </a:lvl8pPr>
-            <a:lvl9pPr marL="3886200" indent="-228600" algn="l" defTabSz="914400" rtl="0" eaLnBrk="1" latinLnBrk="0" hangingPunct="1">
-              <a:lnSpc>
-                <a:spcPct val="90000"/>
-              </a:lnSpc>
-              <a:spcBef>
-                <a:spcPts val="500"/>
-              </a:spcBef>
-              <a:buFont typeface="Arial" panose="020B0604020202020204" pitchFamily="34" charset="0"/>
-              <a:buChar char="•"/>
-              <a:defRPr sz="1800" kern="1200">
-                <a:solidFill>
-                  <a:schemeClr val="tx1"/>
-                </a:solidFill>
-                <a:latin typeface="+mn-lt"/>
-                <a:ea typeface="+mn-ea"/>
-                <a:cs typeface="+mn-cs"/>
-              </a:defRPr>
-            </a:lvl9pPr>
-          </a:lstStyle>
-          <a:p>
-            <a:pPr lvl="1" algn="just"/>
-            <a:r>
-              <a:rPr lang="fr-FR" sz="1800" dirty="0"/>
-              <a:t>Le modèle optimal proposé présente de nombreux avantages pour une demande bancaire. Il a une capacité à distinguer de manière optimale les prédictions positives des négatives :</a:t>
-            </a:r>
-            <a:endParaRPr lang="fr-FR" sz="1100" dirty="0"/>
-          </a:p>
-          <a:p>
-            <a:pPr lvl="2" algn="just"/>
-            <a:r>
-              <a:rPr lang="fr-FR" sz="1200" b="1" dirty="0" err="1"/>
-              <a:t>Auc</a:t>
-            </a:r>
-            <a:r>
-              <a:rPr lang="fr-FR" sz="1200" b="1" dirty="0"/>
-              <a:t> Score le plus élevé =&gt; 74% de chances de distinguer un positif d’un négatif</a:t>
-            </a:r>
-          </a:p>
-          <a:p>
-            <a:pPr lvl="2" algn="just"/>
-            <a:r>
-              <a:rPr lang="fr-FR" sz="1200" b="1" dirty="0"/>
-              <a:t>F1 score le plus élevé =&gt; 31% de chances de bien classifier un positif comme positif</a:t>
-            </a:r>
-          </a:p>
-          <a:p>
-            <a:pPr lvl="2" algn="just"/>
-            <a:r>
-              <a:rPr lang="fr-FR" sz="1200" b="1" dirty="0" err="1"/>
-              <a:t>Scoring_weights</a:t>
-            </a:r>
-            <a:r>
-              <a:rPr lang="fr-FR" sz="1200" b="1" dirty="0"/>
-              <a:t> le plus faible (6786) =&gt; Prédiction de faux négatif le plus faible</a:t>
-            </a:r>
-            <a:endParaRPr lang="fr-FR" sz="1600" b="1" dirty="0"/>
-          </a:p>
-          <a:p>
-            <a:pPr marL="914400" lvl="2" indent="0" algn="just">
-              <a:buNone/>
-            </a:pPr>
-            <a:endParaRPr lang="fr-FR" sz="1400" dirty="0"/>
-          </a:p>
-          <a:p>
-            <a:pPr lvl="1" algn="just"/>
-            <a:r>
-              <a:rPr lang="fr-FR" sz="1400" dirty="0"/>
-              <a:t>Le Dashboard proposé répond aux demandes présentes dans le Cahier des charges mais propose également des fonctionnalités supplémentaires :</a:t>
-            </a:r>
-          </a:p>
-          <a:p>
-            <a:pPr lvl="2" algn="just"/>
-            <a:r>
-              <a:rPr lang="fr-FR" sz="1200" b="1" dirty="0"/>
-              <a:t>Création d’un nouveau client</a:t>
-            </a:r>
-          </a:p>
-          <a:p>
-            <a:pPr lvl="2" algn="just"/>
-            <a:r>
-              <a:rPr lang="fr-FR" sz="1200" b="1" dirty="0"/>
-              <a:t>Synthèse globale &amp; téléchargement de cette synthèse</a:t>
-            </a:r>
-          </a:p>
-          <a:p>
-            <a:pPr lvl="2" algn="just"/>
-            <a:r>
-              <a:rPr lang="fr-FR" sz="1200" b="1" dirty="0"/>
-              <a:t>Filtrage</a:t>
-            </a:r>
-          </a:p>
-          <a:p>
-            <a:pPr lvl="2" algn="just"/>
-            <a:r>
-              <a:rPr lang="fr-FR" sz="1200" b="1" dirty="0"/>
-              <a:t>Analyse </a:t>
-            </a:r>
-            <a:r>
-              <a:rPr lang="fr-FR" sz="1200" b="1" dirty="0" err="1"/>
-              <a:t>Shap</a:t>
-            </a:r>
-            <a:r>
-              <a:rPr lang="fr-FR" sz="1200" b="1" dirty="0"/>
-              <a:t> Globale &amp; Individuelle selon des index choisis</a:t>
-            </a:r>
-          </a:p>
-          <a:p>
-            <a:pPr lvl="1" algn="just"/>
-            <a:endParaRPr lang="fr-FR" sz="1400" dirty="0"/>
-          </a:p>
-          <a:p>
-            <a:pPr lvl="1" algn="just"/>
-            <a:r>
-              <a:rPr lang="fr-FR" sz="1400" dirty="0"/>
-              <a:t>Comme le montre les interprétations </a:t>
-            </a:r>
-            <a:r>
-              <a:rPr lang="fr-FR" sz="1400" dirty="0" err="1"/>
-              <a:t>Shap</a:t>
-            </a:r>
-            <a:r>
-              <a:rPr lang="fr-FR" sz="1400" dirty="0"/>
-              <a:t>, de nombreux </a:t>
-            </a:r>
-            <a:r>
-              <a:rPr lang="fr-FR" sz="1400" dirty="0" err="1"/>
-              <a:t>features</a:t>
-            </a:r>
-            <a:r>
-              <a:rPr lang="fr-FR" sz="1400" dirty="0"/>
-              <a:t> impactent positivement ou négativement le modèle. La réduction du </a:t>
-            </a:r>
-            <a:r>
-              <a:rPr lang="fr-FR" sz="1400" dirty="0" err="1"/>
-              <a:t>Dataset</a:t>
-            </a:r>
-            <a:r>
-              <a:rPr lang="fr-FR" sz="1400" dirty="0"/>
-              <a:t> à ces </a:t>
-            </a:r>
-            <a:r>
-              <a:rPr lang="fr-FR" sz="1400" dirty="0" err="1"/>
-              <a:t>features</a:t>
-            </a:r>
-            <a:r>
-              <a:rPr lang="fr-FR" sz="1400" dirty="0"/>
-              <a:t> seulement a permis d’améliorer les résultats de sortie. Cela signifie que certains </a:t>
-            </a:r>
-            <a:r>
-              <a:rPr lang="fr-FR" sz="1400" dirty="0" err="1"/>
-              <a:t>features</a:t>
-            </a:r>
-            <a:r>
-              <a:rPr lang="fr-FR" sz="1400" dirty="0"/>
-              <a:t> perturbaient le modèle</a:t>
-            </a:r>
-          </a:p>
-          <a:p>
-            <a:pPr lvl="1" algn="just"/>
-            <a:endParaRPr lang="fr-FR" sz="1400" dirty="0"/>
-          </a:p>
-          <a:p>
-            <a:pPr lvl="1" algn="just"/>
-            <a:r>
-              <a:rPr lang="fr-FR" sz="1400" dirty="0"/>
-              <a:t>Les paramètres utilisés dans le </a:t>
-            </a:r>
-            <a:r>
-              <a:rPr lang="fr-FR" sz="1400" dirty="0" err="1"/>
-              <a:t>GridSearchCv</a:t>
-            </a:r>
-            <a:r>
-              <a:rPr lang="fr-FR" sz="1400" dirty="0"/>
-              <a:t> peuvent être grandement améliorés. Les technologies utilisés ne permettent pas d’avoir le modèle le plus optimal possible</a:t>
-            </a:r>
-          </a:p>
-          <a:p>
-            <a:pPr lvl="1" algn="just"/>
-            <a:endParaRPr lang="fr-FR" sz="1400" b="1" dirty="0"/>
-          </a:p>
-        </p:txBody>
-      </p:sp>
-    </p:spTree>
-    <p:extLst>
-      <p:ext uri="{BB962C8B-B14F-4D97-AF65-F5344CB8AC3E}">
-        <p14:creationId xmlns:p14="http://schemas.microsoft.com/office/powerpoint/2010/main" val="246012858"/>
-      </p:ext>
-    </p:extLst>
-  </p:cSld>
-  <p:clrMapOvr>
-    <a:masterClrMapping/>
-  </p:clrMapOvr>
-</p:sld>
-</file>
-
-<file path=ppt/slides/slide37.xml><?xml version="1.0" encoding="utf-8"?>
+<file path=ppt/slides/slide35.xml><?xml version="1.0" encoding="utf-8"?>
 <p:sld xmlns:a="http://schemas.openxmlformats.org/drawingml/2006/main" xmlns:r="http://schemas.openxmlformats.org/officeDocument/2006/relationships" xmlns:p="http://schemas.openxmlformats.org/presentationml/2006/main">
   <p:cSld>
     <p:spTree>
@@ -21525,15 +20165,7 @@
             </a:pPr>
             <a:r>
               <a:rPr lang="fr-FR" sz="2000" dirty="0"/>
-              <a:t>	Pour cela, nous allons d’abord parcourir les jeux de données fournis par l’équipe en réalisant un prétraitement &amp; une </a:t>
-            </a:r>
-            <a:r>
-              <a:rPr lang="fr-FR" sz="2000" dirty="0" err="1"/>
-              <a:t>pré-analyse</a:t>
-            </a:r>
-            <a:r>
-              <a:rPr lang="fr-FR" sz="2000" dirty="0"/>
-              <a:t> exploratoire.  Puis nous allons proposer une modélisation optimale que nous implémenterons dans le Dashboard interactif accompagnée d’interprétations pertinentes.</a:t>
+              <a:t>	Pour cela, nous allons d’abord parcourir les jeux de données fournis par l’équipe en réalisant un prétraitement &amp; une préanalyse exploratoire.  Puis nous allons proposer une modélisation optimale que nous implémenterons dans le Dashboard interactif accompagnée d’interprétations pertinentes.</a:t>
             </a:r>
           </a:p>
         </p:txBody>
@@ -22615,14 +21247,14 @@
           <p:nvPr>
             <p:extLst>
               <p:ext uri="{D42A27DB-BD31-4B8C-83A1-F6EECF244321}">
-                <p14:modId xmlns:p14="http://schemas.microsoft.com/office/powerpoint/2010/main" val="3626297588"/>
+                <p14:modId xmlns:p14="http://schemas.microsoft.com/office/powerpoint/2010/main" val="980372149"/>
               </p:ext>
             </p:extLst>
           </p:nvPr>
         </p:nvGraphicFramePr>
         <p:xfrm>
           <a:off x="185791" y="1848913"/>
-          <a:ext cx="7129410" cy="4166552"/>
+          <a:ext cx="7129410" cy="3999185"/>
         </p:xfrm>
         <a:graphic>
           <a:graphicData uri="http://schemas.openxmlformats.org/drawingml/2006/table">
@@ -22949,13 +21581,7 @@
                     <a:p>
                       <a:r>
                         <a:rPr lang="fr-FR" sz="1400" dirty="0"/>
-                        <a:t>Historique des remboursements pour les crédits précédemment déboursés dans </a:t>
-                      </a:r>
-                    </a:p>
-                    <a:p>
-                      <a:r>
-                        <a:rPr lang="fr-FR" sz="1400" dirty="0"/>
-                        <a:t>Home </a:t>
+                        <a:t>Historique des crédits déboursés dans Home </a:t>
                       </a:r>
                       <a:r>
                         <a:rPr lang="fr-FR" sz="1400" dirty="0" err="1"/>
@@ -23022,7 +21648,7 @@
                     <a:p>
                       <a:r>
                         <a:rPr lang="fr-FR" sz="1400" dirty="0"/>
-                        <a:t>Soldes mensuels des prêts POS (points de vente) et des soldes précédents que le demandeur a eu avec Home </a:t>
+                        <a:t>Soldes mensuels des prêts POS (points de vente) et des soldes antérieurs que le demandeur a eu avec Home </a:t>
                       </a:r>
                       <a:r>
                         <a:rPr lang="fr-FR" sz="1400" dirty="0" err="1"/>
@@ -23089,7 +21715,7 @@
                     <a:p>
                       <a:r>
                         <a:rPr lang="fr-FR" sz="1400" dirty="0"/>
-                        <a:t>Toutes les demandes précédentes de prêts pour le crédit immobilier des clients qui ont des prêts dans notre échantillon</a:t>
+                        <a:t>Toutes les demandes antérieures de prêts pour le crédit immobilier des clients présents dans notre échantillon</a:t>
                       </a:r>
                     </a:p>
                   </a:txBody>
